--- a/Modelisations/Presentation1 projet G3 DAPM.pptx
+++ b/Modelisations/Presentation1 projet G3 DAPM.pptx
@@ -2,21 +2,21 @@
 <file path=ppt/presentation.xml><?xml version="1.0" encoding="utf-8"?>
 <p:presentation xmlns:a="http://schemas.openxmlformats.org/drawingml/2006/main" xmlns:r="http://schemas.openxmlformats.org/officeDocument/2006/relationships" xmlns:p="http://schemas.openxmlformats.org/presentationml/2006/main">
   <p:sldMasterIdLst>
-    <p:sldMasterId id="2147483648" r:id="rId5"/>
+    <p:sldMasterId id="2147483648" r:id="rId1"/>
   </p:sldMasterIdLst>
   <p:notesMasterIdLst>
-    <p:notesMasterId r:id="rId7"/>
+    <p:notesMasterId r:id="rId11"/>
   </p:notesMasterIdLst>
   <p:sldIdLst>
-    <p:sldId id="256" r:id="rId8"/>
-    <p:sldId id="257" r:id="rId9"/>
-    <p:sldId id="258" r:id="rId10"/>
-    <p:sldId id="259" r:id="rId11"/>
-    <p:sldId id="260" r:id="rId12"/>
-    <p:sldId id="261" r:id="rId13"/>
-    <p:sldId id="262" r:id="rId14"/>
-    <p:sldId id="263" r:id="rId15"/>
-    <p:sldId id="264" r:id="rId16"/>
+    <p:sldId id="256" r:id="rId2"/>
+    <p:sldId id="257" r:id="rId3"/>
+    <p:sldId id="258" r:id="rId4"/>
+    <p:sldId id="259" r:id="rId5"/>
+    <p:sldId id="260" r:id="rId6"/>
+    <p:sldId id="261" r:id="rId7"/>
+    <p:sldId id="262" r:id="rId8"/>
+    <p:sldId id="263" r:id="rId9"/>
+    <p:sldId id="264" r:id="rId10"/>
   </p:sldIdLst>
   <p:sldSz cx="12192000" cy="6858000"/>
   <p:notesSz cx="6858000" cy="9144000"/>
@@ -97,13 +97,14 @@
 </p:presentation>
 </file>
 
-<file path=ppt/commentAuthors.xml><?xml version="1.0" encoding="utf-8"?>
-<p:cmAuthorLst xmlns:a="http://schemas.openxmlformats.org/drawingml/2006/main" xmlns:r="http://schemas.openxmlformats.org/officeDocument/2006/relationships" xmlns:p="http://schemas.openxmlformats.org/presentationml/2006/main"/>
-</file>
-
 <file path=ppt/notesMasters/notesMaster1.xml><?xml version="1.0" encoding="utf-8"?>
 <p:notesMaster xmlns:a="http://schemas.openxmlformats.org/drawingml/2006/main" xmlns:r="http://schemas.openxmlformats.org/officeDocument/2006/relationships" xmlns:p="http://schemas.openxmlformats.org/presentationml/2006/main">
   <p:cSld>
+    <p:bg>
+      <p:bgRef idx="1001">
+        <a:schemeClr val="bg1"/>
+      </p:bgRef>
+    </p:bg>
     <p:spTree>
       <p:nvGrpSpPr>
         <p:cNvPr id="1" name=""/>
@@ -121,7 +122,9 @@
       <p:sp>
         <p:nvSpPr>
           <p:cNvPr id="208" name="Shape 208"/>
-          <p:cNvSpPr/>
+          <p:cNvSpPr>
+            <a:spLocks noGrp="1" noRot="1" noChangeAspect="1"/>
+          </p:cNvSpPr>
           <p:nvPr>
             <p:ph type="sldImg"/>
           </p:nvPr>
@@ -140,13 +143,16 @@
           <a:lstStyle/>
           <a:p>
             <a:pPr lvl="0"/>
+            <a:endParaRPr/>
           </a:p>
         </p:txBody>
       </p:sp>
       <p:sp>
         <p:nvSpPr>
           <p:cNvPr id="209" name="Shape 209"/>
-          <p:cNvSpPr/>
+          <p:cNvSpPr>
+            <a:spLocks noGrp="1"/>
+          </p:cNvSpPr>
           <p:nvPr>
             <p:ph type="body" sz="quarter" idx="1"/>
           </p:nvPr>
@@ -165,10 +171,16 @@
           <a:lstStyle/>
           <a:p>
             <a:pPr lvl="0"/>
+            <a:endParaRPr/>
           </a:p>
         </p:txBody>
       </p:sp>
     </p:spTree>
+    <p:extLst>
+      <p:ext uri="{BB962C8B-B14F-4D97-AF65-F5344CB8AC3E}">
+        <p14:creationId xmlns:p14="http://schemas.microsoft.com/office/powerpoint/2010/main" val="448227756"/>
+      </p:ext>
+    </p:extLst>
   </p:cSld>
   <p:clrMap bg1="lt1" tx1="dk1" bg2="lt2" tx2="dk2" accent1="accent1" accent2="accent2" accent3="accent3" accent4="accent4" accent5="accent5" accent6="accent6" hlink="hlink" folHlink="folHlink"/>
   <p:notesStyle>
@@ -276,7 +288,7 @@
 </file>
 
 <file path=ppt/slideLayouts/slideLayout1.xml><?xml version="1.0" encoding="utf-8"?>
-<p:sldLayout xmlns:a="http://schemas.openxmlformats.org/drawingml/2006/main" xmlns:r="http://schemas.openxmlformats.org/officeDocument/2006/relationships" xmlns:p="http://schemas.openxmlformats.org/presentationml/2006/main" type="tx" showMasterSp="0" showMasterPhAnim="1">
+<p:sldLayout xmlns:a="http://schemas.openxmlformats.org/drawingml/2006/main" xmlns:r="http://schemas.openxmlformats.org/officeDocument/2006/relationships" xmlns:p="http://schemas.openxmlformats.org/presentationml/2006/main" showMasterSp="0" type="tx">
   <p:cSld name="Diapositive de titre">
     <p:spTree>
       <p:nvGrpSpPr>
@@ -378,6 +390,7 @@
                   </a:solidFill>
                 </a:defRPr>
               </a:pPr>
+              <a:endParaRPr/>
             </a:p>
           </p:txBody>
         </p:sp>
@@ -412,7 +425,7 @@
               </a:cxnLst>
               <a:rect l="0" t="0" r="r" b="b"/>
               <a:pathLst>
-                <a:path w="21600" h="21600" fill="norm" stroke="1" extrusionOk="0">
+                <a:path w="21600" h="21600" extrusionOk="0">
                   <a:moveTo>
                     <a:pt x="10800" y="21600"/>
                   </a:moveTo>
@@ -494,6 +507,7 @@
                   </a:solidFill>
                 </a:defRPr>
               </a:pPr>
+              <a:endParaRPr/>
             </a:p>
           </p:txBody>
         </p:sp>
@@ -528,7 +542,7 @@
               </a:cxnLst>
               <a:rect l="0" t="0" r="r" b="b"/>
               <a:pathLst>
-                <a:path w="21600" h="21600" fill="norm" stroke="1" extrusionOk="0">
+                <a:path w="21600" h="21600" extrusionOk="0">
                   <a:moveTo>
                     <a:pt x="10800" y="21600"/>
                   </a:moveTo>
@@ -610,6 +624,7 @@
                   </a:solidFill>
                 </a:defRPr>
               </a:pPr>
+              <a:endParaRPr/>
             </a:p>
           </p:txBody>
         </p:sp>
@@ -657,6 +672,7 @@
                   </a:solidFill>
                 </a:defRPr>
               </a:pPr>
+              <a:endParaRPr/>
             </a:p>
           </p:txBody>
         </p:sp>
@@ -691,7 +707,7 @@
               </a:cxnLst>
               <a:rect l="0" t="0" r="r" b="b"/>
               <a:pathLst>
-                <a:path w="21600" h="21600" fill="norm" stroke="1" extrusionOk="0">
+                <a:path w="21600" h="21600" extrusionOk="0">
                   <a:moveTo>
                     <a:pt x="10800" y="21600"/>
                   </a:moveTo>
@@ -773,6 +789,7 @@
                   </a:solidFill>
                 </a:defRPr>
               </a:pPr>
+              <a:endParaRPr/>
             </a:p>
           </p:txBody>
         </p:sp>
@@ -807,7 +824,7 @@
               </a:cxnLst>
               <a:rect l="0" t="0" r="r" b="b"/>
               <a:pathLst>
-                <a:path w="21600" h="21600" fill="norm" stroke="1" extrusionOk="0">
+                <a:path w="21600" h="21600" extrusionOk="0">
                   <a:moveTo>
                     <a:pt x="3375" y="21600"/>
                   </a:moveTo>
@@ -863,6 +880,7 @@
                   </a:solidFill>
                 </a:defRPr>
               </a:pPr>
+              <a:endParaRPr/>
             </a:p>
           </p:txBody>
         </p:sp>
@@ -897,7 +915,7 @@
               </a:cxnLst>
               <a:rect l="0" t="0" r="r" b="b"/>
               <a:pathLst>
-                <a:path w="21600" h="21600" fill="norm" stroke="1" extrusionOk="0">
+                <a:path w="21600" h="21600" extrusionOk="0">
                   <a:moveTo>
                     <a:pt x="20233" y="21600"/>
                   </a:moveTo>
@@ -953,6 +971,7 @@
                   </a:solidFill>
                 </a:defRPr>
               </a:pPr>
+              <a:endParaRPr/>
             </a:p>
           </p:txBody>
         </p:sp>
@@ -987,7 +1006,7 @@
               </a:cxnLst>
               <a:rect l="0" t="0" r="r" b="b"/>
               <a:pathLst>
-                <a:path w="21600" h="21600" fill="norm" stroke="1" extrusionOk="0">
+                <a:path w="21600" h="21600" extrusionOk="0">
                   <a:moveTo>
                     <a:pt x="10800" y="21600"/>
                   </a:moveTo>
@@ -1069,6 +1088,7 @@
                   </a:solidFill>
                 </a:defRPr>
               </a:pPr>
+              <a:endParaRPr/>
             </a:p>
           </p:txBody>
         </p:sp>
@@ -1103,7 +1123,7 @@
               </a:cxnLst>
               <a:rect l="0" t="0" r="r" b="b"/>
               <a:pathLst>
-                <a:path w="21600" h="21600" fill="norm" stroke="1" extrusionOk="0">
+                <a:path w="21600" h="21600" extrusionOk="0">
                   <a:moveTo>
                     <a:pt x="20215" y="21600"/>
                   </a:moveTo>
@@ -1159,6 +1179,7 @@
                   </a:solidFill>
                 </a:defRPr>
               </a:pPr>
+              <a:endParaRPr/>
             </a:p>
           </p:txBody>
         </p:sp>
@@ -1193,7 +1214,7 @@
               </a:cxnLst>
               <a:rect l="0" t="0" r="r" b="b"/>
               <a:pathLst>
-                <a:path w="21600" h="21600" fill="norm" stroke="1" extrusionOk="0">
+                <a:path w="21600" h="21600" extrusionOk="0">
                   <a:moveTo>
                     <a:pt x="21600" y="21600"/>
                   </a:moveTo>
@@ -1249,6 +1270,7 @@
                   </a:solidFill>
                 </a:defRPr>
               </a:pPr>
+              <a:endParaRPr/>
             </a:p>
           </p:txBody>
         </p:sp>
@@ -1283,7 +1305,7 @@
               </a:cxnLst>
               <a:rect l="0" t="0" r="r" b="b"/>
               <a:pathLst>
-                <a:path w="21600" h="21600" fill="norm" stroke="1" extrusionOk="0">
+                <a:path w="21600" h="21600" extrusionOk="0">
                   <a:moveTo>
                     <a:pt x="10800" y="21600"/>
                   </a:moveTo>
@@ -1365,6 +1387,7 @@
                   </a:solidFill>
                 </a:defRPr>
               </a:pPr>
+              <a:endParaRPr/>
             </a:p>
           </p:txBody>
         </p:sp>
@@ -1399,7 +1422,7 @@
               </a:cxnLst>
               <a:rect l="0" t="0" r="r" b="b"/>
               <a:pathLst>
-                <a:path w="21600" h="21600" fill="norm" stroke="1" extrusionOk="0">
+                <a:path w="21600" h="21600" extrusionOk="0">
                   <a:moveTo>
                     <a:pt x="10800" y="21600"/>
                   </a:moveTo>
@@ -1481,6 +1504,7 @@
                   </a:solidFill>
                 </a:defRPr>
               </a:pPr>
+              <a:endParaRPr/>
             </a:p>
           </p:txBody>
         </p:sp>
@@ -1515,7 +1539,7 @@
               </a:cxnLst>
               <a:rect l="0" t="0" r="r" b="b"/>
               <a:pathLst>
-                <a:path w="21600" h="21600" fill="norm" stroke="1" extrusionOk="0">
+                <a:path w="21600" h="21600" extrusionOk="0">
                   <a:moveTo>
                     <a:pt x="20618" y="21600"/>
                   </a:moveTo>
@@ -1571,6 +1595,7 @@
                   </a:solidFill>
                 </a:defRPr>
               </a:pPr>
+              <a:endParaRPr/>
             </a:p>
           </p:txBody>
         </p:sp>
@@ -1605,7 +1630,7 @@
               </a:cxnLst>
               <a:rect l="0" t="0" r="r" b="b"/>
               <a:pathLst>
-                <a:path w="19694" h="21600" fill="norm" stroke="1" extrusionOk="0">
+                <a:path w="19694" h="21600" extrusionOk="0">
                   <a:moveTo>
                     <a:pt x="9847" y="21600"/>
                   </a:moveTo>
@@ -1707,6 +1732,7 @@
                   </a:solidFill>
                 </a:defRPr>
               </a:pPr>
+              <a:endParaRPr/>
             </a:p>
           </p:txBody>
         </p:sp>
@@ -1741,7 +1767,7 @@
               </a:cxnLst>
               <a:rect l="0" t="0" r="r" b="b"/>
               <a:pathLst>
-                <a:path w="21600" h="21600" fill="norm" stroke="1" extrusionOk="0">
+                <a:path w="21600" h="21600" extrusionOk="0">
                   <a:moveTo>
                     <a:pt x="3375" y="21600"/>
                   </a:moveTo>
@@ -1797,6 +1823,7 @@
                   </a:solidFill>
                 </a:defRPr>
               </a:pPr>
+              <a:endParaRPr/>
             </a:p>
           </p:txBody>
         </p:sp>
@@ -1831,7 +1858,7 @@
               </a:cxnLst>
               <a:rect l="0" t="0" r="r" b="b"/>
               <a:pathLst>
-                <a:path w="21600" h="21600" fill="norm" stroke="1" extrusionOk="0">
+                <a:path w="21600" h="21600" extrusionOk="0">
                   <a:moveTo>
                     <a:pt x="10800" y="21600"/>
                   </a:moveTo>
@@ -1913,6 +1940,7 @@
                   </a:solidFill>
                 </a:defRPr>
               </a:pPr>
+              <a:endParaRPr/>
             </a:p>
           </p:txBody>
         </p:sp>
@@ -1947,7 +1975,7 @@
               </a:cxnLst>
               <a:rect l="0" t="0" r="r" b="b"/>
               <a:pathLst>
-                <a:path w="21600" h="21600" fill="norm" stroke="1" extrusionOk="0">
+                <a:path w="21600" h="21600" extrusionOk="0">
                   <a:moveTo>
                     <a:pt x="10800" y="21600"/>
                   </a:moveTo>
@@ -2029,6 +2057,7 @@
                   </a:solidFill>
                 </a:defRPr>
               </a:pPr>
+              <a:endParaRPr/>
             </a:p>
           </p:txBody>
         </p:sp>
@@ -2063,7 +2092,7 @@
               </a:cxnLst>
               <a:rect l="0" t="0" r="r" b="b"/>
               <a:pathLst>
-                <a:path w="21600" h="21600" fill="norm" stroke="1" extrusionOk="0">
+                <a:path w="21600" h="21600" extrusionOk="0">
                   <a:moveTo>
                     <a:pt x="21600" y="21600"/>
                   </a:moveTo>
@@ -2119,6 +2148,7 @@
                   </a:solidFill>
                 </a:defRPr>
               </a:pPr>
+              <a:endParaRPr/>
             </a:p>
           </p:txBody>
         </p:sp>
@@ -2153,7 +2183,7 @@
               </a:cxnLst>
               <a:rect l="0" t="0" r="r" b="b"/>
               <a:pathLst>
-                <a:path w="21600" h="21600" fill="norm" stroke="1" extrusionOk="0">
+                <a:path w="21600" h="21600" extrusionOk="0">
                   <a:moveTo>
                     <a:pt x="11127" y="21600"/>
                   </a:moveTo>
@@ -2235,6 +2265,7 @@
                   </a:solidFill>
                 </a:defRPr>
               </a:pPr>
+              <a:endParaRPr/>
             </a:p>
           </p:txBody>
         </p:sp>
@@ -2269,7 +2300,7 @@
               </a:cxnLst>
               <a:rect l="0" t="0" r="r" b="b"/>
               <a:pathLst>
-                <a:path w="21600" h="21600" fill="norm" stroke="1" extrusionOk="0">
+                <a:path w="21600" h="21600" extrusionOk="0">
                   <a:moveTo>
                     <a:pt x="10800" y="21600"/>
                   </a:moveTo>
@@ -2351,6 +2382,7 @@
                   </a:solidFill>
                 </a:defRPr>
               </a:pPr>
+              <a:endParaRPr/>
             </a:p>
           </p:txBody>
         </p:sp>
@@ -2385,7 +2417,7 @@
               </a:cxnLst>
               <a:rect l="0" t="0" r="r" b="b"/>
               <a:pathLst>
-                <a:path w="21600" h="21600" fill="norm" stroke="1" extrusionOk="0">
+                <a:path w="21600" h="21600" extrusionOk="0">
                   <a:moveTo>
                     <a:pt x="17743" y="21600"/>
                   </a:moveTo>
@@ -2435,6 +2467,7 @@
                   </a:solidFill>
                 </a:defRPr>
               </a:pPr>
+              <a:endParaRPr/>
             </a:p>
           </p:txBody>
         </p:sp>
@@ -2469,7 +2502,7 @@
               </a:cxnLst>
               <a:rect l="0" t="0" r="r" b="b"/>
               <a:pathLst>
-                <a:path w="21600" h="21600" fill="norm" stroke="1" extrusionOk="0">
+                <a:path w="21600" h="21600" extrusionOk="0">
                   <a:moveTo>
                     <a:pt x="10800" y="21600"/>
                   </a:moveTo>
@@ -2551,6 +2584,7 @@
                   </a:solidFill>
                 </a:defRPr>
               </a:pPr>
+              <a:endParaRPr/>
             </a:p>
           </p:txBody>
         </p:sp>
@@ -2585,7 +2619,7 @@
               </a:cxnLst>
               <a:rect l="0" t="0" r="r" b="b"/>
               <a:pathLst>
-                <a:path w="21600" h="21600" fill="norm" stroke="1" extrusionOk="0">
+                <a:path w="21600" h="21600" extrusionOk="0">
                   <a:moveTo>
                     <a:pt x="3086" y="21600"/>
                   </a:moveTo>
@@ -2635,6 +2669,7 @@
                   </a:solidFill>
                 </a:defRPr>
               </a:pPr>
+              <a:endParaRPr/>
             </a:p>
           </p:txBody>
         </p:sp>
@@ -2669,7 +2704,7 @@
               </a:cxnLst>
               <a:rect l="0" t="0" r="r" b="b"/>
               <a:pathLst>
-                <a:path w="21600" h="21600" fill="norm" stroke="1" extrusionOk="0">
+                <a:path w="21600" h="21600" extrusionOk="0">
                   <a:moveTo>
                     <a:pt x="10800" y="21600"/>
                   </a:moveTo>
@@ -2751,6 +2786,7 @@
                   </a:solidFill>
                 </a:defRPr>
               </a:pPr>
+              <a:endParaRPr/>
             </a:p>
           </p:txBody>
         </p:sp>
@@ -2785,7 +2821,7 @@
               </a:cxnLst>
               <a:rect l="0" t="0" r="r" b="b"/>
               <a:pathLst>
-                <a:path w="21600" h="21600" fill="norm" stroke="1" extrusionOk="0">
+                <a:path w="21600" h="21600" extrusionOk="0">
                   <a:moveTo>
                     <a:pt x="21600" y="21600"/>
                   </a:moveTo>
@@ -2847,6 +2883,7 @@
                   </a:solidFill>
                 </a:defRPr>
               </a:pPr>
+              <a:endParaRPr/>
             </a:p>
           </p:txBody>
         </p:sp>
@@ -2881,7 +2918,7 @@
               </a:cxnLst>
               <a:rect l="0" t="0" r="r" b="b"/>
               <a:pathLst>
-                <a:path w="21600" h="21600" fill="norm" stroke="1" extrusionOk="0">
+                <a:path w="21600" h="21600" extrusionOk="0">
                   <a:moveTo>
                     <a:pt x="10800" y="21600"/>
                   </a:moveTo>
@@ -2963,6 +3000,7 @@
                   </a:solidFill>
                 </a:defRPr>
               </a:pPr>
+              <a:endParaRPr/>
             </a:p>
           </p:txBody>
         </p:sp>
@@ -2997,7 +3035,7 @@
               </a:cxnLst>
               <a:rect l="0" t="0" r="r" b="b"/>
               <a:pathLst>
-                <a:path w="21600" h="21600" fill="norm" stroke="1" extrusionOk="0">
+                <a:path w="21600" h="21600" extrusionOk="0">
                   <a:moveTo>
                     <a:pt x="21600" y="21600"/>
                   </a:moveTo>
@@ -3059,6 +3097,7 @@
                   </a:solidFill>
                 </a:defRPr>
               </a:pPr>
+              <a:endParaRPr/>
             </a:p>
           </p:txBody>
         </p:sp>
@@ -3093,7 +3132,7 @@
               </a:cxnLst>
               <a:rect l="0" t="0" r="r" b="b"/>
               <a:pathLst>
-                <a:path w="21600" h="21600" fill="norm" stroke="1" extrusionOk="0">
+                <a:path w="21600" h="21600" extrusionOk="0">
                   <a:moveTo>
                     <a:pt x="10800" y="21600"/>
                   </a:moveTo>
@@ -3175,6 +3214,7 @@
                   </a:solidFill>
                 </a:defRPr>
               </a:pPr>
+              <a:endParaRPr/>
             </a:p>
           </p:txBody>
         </p:sp>
@@ -3222,6 +3262,7 @@
                   </a:solidFill>
                 </a:defRPr>
               </a:pPr>
+              <a:endParaRPr/>
             </a:p>
           </p:txBody>
         </p:sp>
@@ -3256,7 +3297,7 @@
               </a:cxnLst>
               <a:rect l="0" t="0" r="r" b="b"/>
               <a:pathLst>
-                <a:path w="21600" h="21600" fill="norm" stroke="1" extrusionOk="0">
+                <a:path w="21600" h="21600" extrusionOk="0">
                   <a:moveTo>
                     <a:pt x="10800" y="21600"/>
                   </a:moveTo>
@@ -3338,6 +3379,7 @@
                   </a:solidFill>
                 </a:defRPr>
               </a:pPr>
+              <a:endParaRPr/>
             </a:p>
           </p:txBody>
         </p:sp>
@@ -3372,7 +3414,7 @@
               </a:cxnLst>
               <a:rect l="0" t="0" r="r" b="b"/>
               <a:pathLst>
-                <a:path w="21600" h="21600" fill="norm" stroke="1" extrusionOk="0">
+                <a:path w="21600" h="21600" extrusionOk="0">
                   <a:moveTo>
                     <a:pt x="21600" y="21600"/>
                   </a:moveTo>
@@ -3428,6 +3470,7 @@
                   </a:solidFill>
                 </a:defRPr>
               </a:pPr>
+              <a:endParaRPr/>
             </a:p>
           </p:txBody>
         </p:sp>
@@ -3462,7 +3505,7 @@
               </a:cxnLst>
               <a:rect l="0" t="0" r="r" b="b"/>
               <a:pathLst>
-                <a:path w="21600" h="21600" fill="norm" stroke="1" extrusionOk="0">
+                <a:path w="21600" h="21600" extrusionOk="0">
                   <a:moveTo>
                     <a:pt x="1920" y="21600"/>
                   </a:moveTo>
@@ -3518,6 +3561,7 @@
                   </a:solidFill>
                 </a:defRPr>
               </a:pPr>
+              <a:endParaRPr/>
             </a:p>
           </p:txBody>
         </p:sp>
@@ -3552,7 +3596,7 @@
               </a:cxnLst>
               <a:rect l="0" t="0" r="r" b="b"/>
               <a:pathLst>
-                <a:path w="21600" h="21600" fill="norm" stroke="1" extrusionOk="0">
+                <a:path w="21600" h="21600" extrusionOk="0">
                   <a:moveTo>
                     <a:pt x="11109" y="21600"/>
                   </a:moveTo>
@@ -3634,6 +3678,7 @@
                   </a:solidFill>
                 </a:defRPr>
               </a:pPr>
+              <a:endParaRPr/>
             </a:p>
           </p:txBody>
         </p:sp>
@@ -3668,7 +3713,7 @@
               </a:cxnLst>
               <a:rect l="0" t="0" r="r" b="b"/>
               <a:pathLst>
-                <a:path w="21600" h="21600" fill="norm" stroke="1" extrusionOk="0">
+                <a:path w="21600" h="21600" extrusionOk="0">
                   <a:moveTo>
                     <a:pt x="21600" y="21600"/>
                   </a:moveTo>
@@ -3730,6 +3775,7 @@
                   </a:solidFill>
                 </a:defRPr>
               </a:pPr>
+              <a:endParaRPr/>
             </a:p>
           </p:txBody>
         </p:sp>
@@ -3764,7 +3810,7 @@
               </a:cxnLst>
               <a:rect l="0" t="0" r="r" b="b"/>
               <a:pathLst>
-                <a:path w="21600" h="21600" fill="norm" stroke="1" extrusionOk="0">
+                <a:path w="21600" h="21600" extrusionOk="0">
                   <a:moveTo>
                     <a:pt x="21600" y="21600"/>
                   </a:moveTo>
@@ -3820,6 +3866,7 @@
                   </a:solidFill>
                 </a:defRPr>
               </a:pPr>
+              <a:endParaRPr/>
             </a:p>
           </p:txBody>
         </p:sp>
@@ -3854,7 +3901,7 @@
               </a:cxnLst>
               <a:rect l="0" t="0" r="r" b="b"/>
               <a:pathLst>
-                <a:path w="21600" h="21600" fill="norm" stroke="1" extrusionOk="0">
+                <a:path w="21600" h="21600" extrusionOk="0">
                   <a:moveTo>
                     <a:pt x="11270" y="21600"/>
                   </a:moveTo>
@@ -3936,6 +3983,7 @@
                   </a:solidFill>
                 </a:defRPr>
               </a:pPr>
+              <a:endParaRPr/>
             </a:p>
           </p:txBody>
         </p:sp>
@@ -3970,7 +4018,7 @@
               </a:cxnLst>
               <a:rect l="0" t="0" r="r" b="b"/>
               <a:pathLst>
-                <a:path w="21600" h="21600" fill="norm" stroke="1" extrusionOk="0">
+                <a:path w="21600" h="21600" extrusionOk="0">
                   <a:moveTo>
                     <a:pt x="2880" y="21600"/>
                   </a:moveTo>
@@ -4026,6 +4074,7 @@
                   </a:solidFill>
                 </a:defRPr>
               </a:pPr>
+              <a:endParaRPr/>
             </a:p>
           </p:txBody>
         </p:sp>
@@ -4060,7 +4109,7 @@
               </a:cxnLst>
               <a:rect l="0" t="0" r="r" b="b"/>
               <a:pathLst>
-                <a:path w="21600" h="21600" fill="norm" stroke="1" extrusionOk="0">
+                <a:path w="21600" h="21600" extrusionOk="0">
                   <a:moveTo>
                     <a:pt x="10330" y="21600"/>
                   </a:moveTo>
@@ -4142,6 +4191,7 @@
                   </a:solidFill>
                 </a:defRPr>
               </a:pPr>
+              <a:endParaRPr/>
             </a:p>
           </p:txBody>
         </p:sp>
@@ -4176,7 +4226,7 @@
               </a:cxnLst>
               <a:rect l="0" t="0" r="r" b="b"/>
               <a:pathLst>
-                <a:path w="21600" h="21600" fill="norm" stroke="1" extrusionOk="0">
+                <a:path w="21600" h="21600" extrusionOk="0">
                   <a:moveTo>
                     <a:pt x="1800" y="21600"/>
                   </a:moveTo>
@@ -4232,6 +4282,7 @@
                   </a:solidFill>
                 </a:defRPr>
               </a:pPr>
+              <a:endParaRPr/>
             </a:p>
           </p:txBody>
         </p:sp>
@@ -4266,7 +4317,7 @@
               </a:cxnLst>
               <a:rect l="0" t="0" r="r" b="b"/>
               <a:pathLst>
-                <a:path w="21600" h="21600" fill="norm" stroke="1" extrusionOk="0">
+                <a:path w="21600" h="21600" extrusionOk="0">
                   <a:moveTo>
                     <a:pt x="11270" y="21600"/>
                   </a:moveTo>
@@ -4348,6 +4399,7 @@
                   </a:solidFill>
                 </a:defRPr>
               </a:pPr>
+              <a:endParaRPr/>
             </a:p>
           </p:txBody>
         </p:sp>
@@ -4395,6 +4447,7 @@
                   </a:solidFill>
                 </a:defRPr>
               </a:pPr>
+              <a:endParaRPr/>
             </a:p>
           </p:txBody>
         </p:sp>
@@ -4429,7 +4482,7 @@
               </a:cxnLst>
               <a:rect l="0" t="0" r="r" b="b"/>
               <a:pathLst>
-                <a:path w="21600" h="21600" fill="norm" stroke="1" extrusionOk="0">
+                <a:path w="21600" h="21600" extrusionOk="0">
                   <a:moveTo>
                     <a:pt x="1385" y="21600"/>
                   </a:moveTo>
@@ -4485,6 +4538,7 @@
                   </a:solidFill>
                 </a:defRPr>
               </a:pPr>
+              <a:endParaRPr/>
             </a:p>
           </p:txBody>
         </p:sp>
@@ -4519,7 +4573,7 @@
               </a:cxnLst>
               <a:rect l="0" t="0" r="r" b="b"/>
               <a:pathLst>
-                <a:path w="21600" h="21600" fill="norm" stroke="1" extrusionOk="0">
+                <a:path w="21600" h="21600" extrusionOk="0">
                   <a:moveTo>
                     <a:pt x="10800" y="21600"/>
                   </a:moveTo>
@@ -4601,6 +4655,7 @@
                   </a:solidFill>
                 </a:defRPr>
               </a:pPr>
+              <a:endParaRPr/>
             </a:p>
           </p:txBody>
         </p:sp>
@@ -4635,7 +4690,7 @@
               </a:cxnLst>
               <a:rect l="0" t="0" r="r" b="b"/>
               <a:pathLst>
-                <a:path w="21600" h="21600" fill="norm" stroke="1" extrusionOk="0">
+                <a:path w="21600" h="21600" extrusionOk="0">
                   <a:moveTo>
                     <a:pt x="21600" y="21600"/>
                   </a:moveTo>
@@ -4691,6 +4746,7 @@
                   </a:solidFill>
                 </a:defRPr>
               </a:pPr>
+              <a:endParaRPr/>
             </a:p>
           </p:txBody>
         </p:sp>
@@ -4725,7 +4781,7 @@
               </a:cxnLst>
               <a:rect l="0" t="0" r="r" b="b"/>
               <a:pathLst>
-                <a:path w="21600" h="21600" fill="norm" stroke="1" extrusionOk="0">
+                <a:path w="21600" h="21600" extrusionOk="0">
                   <a:moveTo>
                     <a:pt x="10800" y="21600"/>
                   </a:moveTo>
@@ -4807,6 +4863,7 @@
                   </a:solidFill>
                 </a:defRPr>
               </a:pPr>
+              <a:endParaRPr/>
             </a:p>
           </p:txBody>
         </p:sp>
@@ -4841,7 +4898,7 @@
               </a:cxnLst>
               <a:rect l="0" t="0" r="r" b="b"/>
               <a:pathLst>
-                <a:path w="21600" h="21600" fill="norm" stroke="1" extrusionOk="0">
+                <a:path w="21600" h="21600" extrusionOk="0">
                   <a:moveTo>
                     <a:pt x="10800" y="21600"/>
                   </a:moveTo>
@@ -4923,6 +4980,7 @@
                   </a:solidFill>
                 </a:defRPr>
               </a:pPr>
+              <a:endParaRPr/>
             </a:p>
           </p:txBody>
         </p:sp>
@@ -4957,7 +5015,7 @@
               </a:cxnLst>
               <a:rect l="0" t="0" r="r" b="b"/>
               <a:pathLst>
-                <a:path w="21600" h="21600" fill="norm" stroke="1" extrusionOk="0">
+                <a:path w="21600" h="21600" extrusionOk="0">
                   <a:moveTo>
                     <a:pt x="1662" y="21600"/>
                   </a:moveTo>
@@ -5013,6 +5071,7 @@
                   </a:solidFill>
                 </a:defRPr>
               </a:pPr>
+              <a:endParaRPr/>
             </a:p>
           </p:txBody>
         </p:sp>
@@ -5047,7 +5106,7 @@
               </a:cxnLst>
               <a:rect l="0" t="0" r="r" b="b"/>
               <a:pathLst>
-                <a:path w="21600" h="21600" fill="norm" stroke="1" extrusionOk="0">
+                <a:path w="21600" h="21600" extrusionOk="0">
                   <a:moveTo>
                     <a:pt x="3375" y="21600"/>
                   </a:moveTo>
@@ -5103,6 +5162,7 @@
                   </a:solidFill>
                 </a:defRPr>
               </a:pPr>
+              <a:endParaRPr/>
             </a:p>
           </p:txBody>
         </p:sp>
@@ -5137,7 +5197,7 @@
               </a:cxnLst>
               <a:rect l="0" t="0" r="r" b="b"/>
               <a:pathLst>
-                <a:path w="21600" h="21600" fill="norm" stroke="1" extrusionOk="0">
+                <a:path w="21600" h="21600" extrusionOk="0">
                   <a:moveTo>
                     <a:pt x="10800" y="21600"/>
                   </a:moveTo>
@@ -5219,6 +5279,7 @@
                   </a:solidFill>
                 </a:defRPr>
               </a:pPr>
+              <a:endParaRPr/>
             </a:p>
           </p:txBody>
         </p:sp>
@@ -5253,7 +5314,7 @@
               </a:cxnLst>
               <a:rect l="0" t="0" r="r" b="b"/>
               <a:pathLst>
-                <a:path w="21600" h="21600" fill="norm" stroke="1" extrusionOk="0">
+                <a:path w="21600" h="21600" extrusionOk="0">
                   <a:moveTo>
                     <a:pt x="10800" y="21600"/>
                   </a:moveTo>
@@ -5335,6 +5396,7 @@
                   </a:solidFill>
                 </a:defRPr>
               </a:pPr>
+              <a:endParaRPr/>
             </a:p>
           </p:txBody>
         </p:sp>
@@ -5369,7 +5431,7 @@
               </a:cxnLst>
               <a:rect l="0" t="0" r="r" b="b"/>
               <a:pathLst>
-                <a:path w="21600" h="21600" fill="norm" stroke="1" extrusionOk="0">
+                <a:path w="21600" h="21600" extrusionOk="0">
                   <a:moveTo>
                     <a:pt x="982" y="21600"/>
                   </a:moveTo>
@@ -5425,6 +5487,7 @@
                   </a:solidFill>
                 </a:defRPr>
               </a:pPr>
+              <a:endParaRPr/>
             </a:p>
           </p:txBody>
         </p:sp>
@@ -5459,7 +5522,7 @@
               </a:cxnLst>
               <a:rect l="0" t="0" r="r" b="b"/>
               <a:pathLst>
-                <a:path w="20618" h="21600" fill="norm" stroke="1" extrusionOk="0">
+                <a:path w="20618" h="21600" extrusionOk="0">
                   <a:moveTo>
                     <a:pt x="10473" y="21600"/>
                   </a:moveTo>
@@ -5571,6 +5634,7 @@
                   </a:solidFill>
                 </a:defRPr>
               </a:pPr>
+              <a:endParaRPr/>
             </a:p>
           </p:txBody>
         </p:sp>
@@ -5605,7 +5669,7 @@
               </a:cxnLst>
               <a:rect l="0" t="0" r="r" b="b"/>
               <a:pathLst>
-                <a:path w="21600" h="21600" fill="norm" stroke="1" extrusionOk="0">
+                <a:path w="21600" h="21600" extrusionOk="0">
                   <a:moveTo>
                     <a:pt x="19396" y="21600"/>
                   </a:moveTo>
@@ -5667,6 +5731,7 @@
                   </a:solidFill>
                 </a:defRPr>
               </a:pPr>
+              <a:endParaRPr/>
             </a:p>
           </p:txBody>
         </p:sp>
@@ -5701,7 +5766,7 @@
               </a:cxnLst>
               <a:rect l="0" t="0" r="r" b="b"/>
               <a:pathLst>
-                <a:path w="21600" h="21600" fill="norm" stroke="1" extrusionOk="0">
+                <a:path w="21600" h="21600" extrusionOk="0">
                   <a:moveTo>
                     <a:pt x="11077" y="21600"/>
                   </a:moveTo>
@@ -5783,6 +5848,7 @@
                   </a:solidFill>
                 </a:defRPr>
               </a:pPr>
+              <a:endParaRPr/>
             </a:p>
           </p:txBody>
         </p:sp>
@@ -5790,7 +5856,9 @@
       <p:sp>
         <p:nvSpPr>
           <p:cNvPr id="102" name="Shape 102"/>
-          <p:cNvSpPr/>
+          <p:cNvSpPr>
+            <a:spLocks noGrp="1"/>
+          </p:cNvSpPr>
           <p:nvPr>
             <p:ph type="title"/>
           </p:nvPr>
@@ -5813,14 +5881,14 @@
           </a:lstStyle>
           <a:p>
             <a:pPr lvl="0">
-              <a:defRPr cap="none" sz="1800">
+              <a:defRPr sz="1800" cap="none">
                 <a:solidFill>
                   <a:srgbClr val="000000"/>
                 </a:solidFill>
               </a:defRPr>
             </a:pPr>
             <a:r>
-              <a:rPr cap="all" sz="4800">
+              <a:rPr sz="4800" cap="all">
                 <a:solidFill>
                   <a:srgbClr val="FFFFFF"/>
                 </a:solidFill>
@@ -5833,7 +5901,9 @@
       <p:sp>
         <p:nvSpPr>
           <p:cNvPr id="103" name="Shape 103"/>
-          <p:cNvSpPr/>
+          <p:cNvSpPr>
+            <a:spLocks noGrp="1"/>
+          </p:cNvSpPr>
           <p:nvPr>
             <p:ph type="body" idx="1"/>
           </p:nvPr>
@@ -5854,7 +5924,7 @@
               <a:buSzTx/>
               <a:buFontTx/>
               <a:buNone/>
-              <a:defRPr cap="all" sz="2000">
+              <a:defRPr sz="2000" cap="all">
                 <a:solidFill>
                   <a:srgbClr val="82FFFF"/>
                 </a:solidFill>
@@ -5864,7 +5934,7 @@
               <a:buSzTx/>
               <a:buFontTx/>
               <a:buNone/>
-              <a:defRPr cap="all" sz="2000">
+              <a:defRPr sz="2000" cap="all">
                 <a:solidFill>
                   <a:srgbClr val="82FFFF"/>
                 </a:solidFill>
@@ -5874,7 +5944,7 @@
               <a:buSzTx/>
               <a:buFontTx/>
               <a:buNone/>
-              <a:defRPr cap="all" sz="2000">
+              <a:defRPr sz="2000" cap="all">
                 <a:solidFill>
                   <a:srgbClr val="82FFFF"/>
                 </a:solidFill>
@@ -5884,7 +5954,7 @@
               <a:buSzTx/>
               <a:buFontTx/>
               <a:buNone/>
-              <a:defRPr cap="all" sz="2000">
+              <a:defRPr sz="2000" cap="all">
                 <a:solidFill>
                   <a:srgbClr val="82FFFF"/>
                 </a:solidFill>
@@ -5894,7 +5964,7 @@
               <a:buSzTx/>
               <a:buFontTx/>
               <a:buNone/>
-              <a:defRPr cap="all" sz="2000">
+              <a:defRPr sz="2000" cap="all">
                 <a:solidFill>
                   <a:srgbClr val="82FFFF"/>
                 </a:solidFill>
@@ -5903,102 +5973,82 @@
           </a:lstStyle>
           <a:p>
             <a:pPr lvl="0">
-              <a:defRPr cap="none" sz="1800">
+              <a:defRPr sz="1800" cap="none">
                 <a:solidFill>
                   <a:srgbClr val="000000"/>
                 </a:solidFill>
               </a:defRPr>
             </a:pPr>
             <a:r>
-              <a:rPr cap="all" sz="2000">
+              <a:rPr sz="2000" cap="all">
                 <a:solidFill>
                   <a:srgbClr val="82FFFF"/>
                 </a:solidFill>
               </a:rPr>
               <a:t>Texte niveau 1</a:t>
             </a:r>
-            <a:endParaRPr cap="all" sz="2000">
-              <a:solidFill>
-                <a:srgbClr val="82FFFF"/>
-              </a:solidFill>
-            </a:endParaRPr>
           </a:p>
           <a:p>
             <a:pPr lvl="1">
-              <a:defRPr cap="none" sz="1800">
+              <a:defRPr sz="1800" cap="none">
                 <a:solidFill>
                   <a:srgbClr val="000000"/>
                 </a:solidFill>
               </a:defRPr>
             </a:pPr>
             <a:r>
-              <a:rPr cap="all" sz="2000">
+              <a:rPr sz="2000" cap="all">
                 <a:solidFill>
                   <a:srgbClr val="82FFFF"/>
                 </a:solidFill>
               </a:rPr>
               <a:t>Texte niveau 2</a:t>
             </a:r>
-            <a:endParaRPr cap="all" sz="2000">
-              <a:solidFill>
-                <a:srgbClr val="82FFFF"/>
-              </a:solidFill>
-            </a:endParaRPr>
           </a:p>
           <a:p>
             <a:pPr lvl="2">
-              <a:defRPr cap="none" sz="1800">
+              <a:defRPr sz="1800" cap="none">
                 <a:solidFill>
                   <a:srgbClr val="000000"/>
                 </a:solidFill>
               </a:defRPr>
             </a:pPr>
             <a:r>
-              <a:rPr cap="all" sz="2000">
+              <a:rPr sz="2000" cap="all">
                 <a:solidFill>
                   <a:srgbClr val="82FFFF"/>
                 </a:solidFill>
               </a:rPr>
               <a:t>Texte niveau 3</a:t>
             </a:r>
-            <a:endParaRPr cap="all" sz="2000">
-              <a:solidFill>
-                <a:srgbClr val="82FFFF"/>
-              </a:solidFill>
-            </a:endParaRPr>
           </a:p>
           <a:p>
             <a:pPr lvl="3">
-              <a:defRPr cap="none" sz="1800">
+              <a:defRPr sz="1800" cap="none">
                 <a:solidFill>
                   <a:srgbClr val="000000"/>
                 </a:solidFill>
               </a:defRPr>
             </a:pPr>
             <a:r>
-              <a:rPr cap="all" sz="2000">
+              <a:rPr sz="2000" cap="all">
                 <a:solidFill>
                   <a:srgbClr val="82FFFF"/>
                 </a:solidFill>
               </a:rPr>
               <a:t>Texte niveau 4</a:t>
             </a:r>
-            <a:endParaRPr cap="all" sz="2000">
-              <a:solidFill>
-                <a:srgbClr val="82FFFF"/>
-              </a:solidFill>
-            </a:endParaRPr>
           </a:p>
           <a:p>
             <a:pPr lvl="4">
-              <a:defRPr cap="none" sz="1800">
+              <a:defRPr sz="1800" cap="none">
                 <a:solidFill>
                   <a:srgbClr val="000000"/>
                 </a:solidFill>
               </a:defRPr>
             </a:pPr>
             <a:r>
-              <a:rPr cap="all" sz="2000">
+              <a:rPr sz="2000" cap="all">
                 <a:solidFill>
                   <a:srgbClr val="82FFFF"/>
                 </a:solidFill>
@@ -6011,7 +6061,9 @@
       <p:sp>
         <p:nvSpPr>
           <p:cNvPr id="104" name="Shape 104"/>
-          <p:cNvSpPr/>
+          <p:cNvSpPr>
+            <a:spLocks noGrp="1"/>
+          </p:cNvSpPr>
           <p:nvPr>
             <p:ph type="sldNum" sz="quarter" idx="2"/>
           </p:nvPr>
@@ -6030,7 +6082,10 @@
           <a:lstStyle/>
           <a:p>
             <a:pPr lvl="0"/>
-            <a:fld id="{86CB4B4D-7CA3-9044-876B-883B54F8677D}" type="slidenum"/>
+            <a:fld id="{86CB4B4D-7CA3-9044-876B-883B54F8677D}" type="slidenum">
+              <a:t>‹N°›</a:t>
+            </a:fld>
+            <a:endParaRPr/>
           </a:p>
         </p:txBody>
       </p:sp>
@@ -6039,12 +6094,12 @@
   <p:clrMapOvr>
     <a:masterClrMapping/>
   </p:clrMapOvr>
-  <p:transition spd="med" advClick="1"/>
+  <p:transition spd="med"/>
 </p:sldLayout>
 </file>
 
 <file path=ppt/slideLayouts/slideLayout10.xml><?xml version="1.0" encoding="utf-8"?>
-<p:sldLayout xmlns:a="http://schemas.openxmlformats.org/drawingml/2006/main" xmlns:r="http://schemas.openxmlformats.org/officeDocument/2006/relationships" xmlns:p="http://schemas.openxmlformats.org/presentationml/2006/main" type="tx" showMasterSp="1" showMasterPhAnim="1">
+<p:sldLayout xmlns:a="http://schemas.openxmlformats.org/drawingml/2006/main" xmlns:r="http://schemas.openxmlformats.org/officeDocument/2006/relationships" xmlns:p="http://schemas.openxmlformats.org/presentationml/2006/main" type="tx">
   <p:cSld name="Image panoramique avec légende">
     <p:spTree>
       <p:nvGrpSpPr>
@@ -6063,7 +6118,9 @@
       <p:sp>
         <p:nvSpPr>
           <p:cNvPr id="175" name="Shape 175"/>
-          <p:cNvSpPr/>
+          <p:cNvSpPr>
+            <a:spLocks noGrp="1"/>
+          </p:cNvSpPr>
           <p:nvPr>
             <p:ph type="title"/>
           </p:nvPr>
@@ -6086,14 +6143,14 @@
           </a:lstStyle>
           <a:p>
             <a:pPr lvl="0">
-              <a:defRPr cap="none" sz="1800">
+              <a:defRPr sz="1800" cap="none">
                 <a:solidFill>
                   <a:srgbClr val="000000"/>
                 </a:solidFill>
               </a:defRPr>
             </a:pPr>
             <a:r>
-              <a:rPr cap="all" sz="3200">
+              <a:rPr sz="3200" cap="all">
                 <a:solidFill>
                   <a:srgbClr val="FFFFFF"/>
                 </a:solidFill>
@@ -6106,7 +6163,9 @@
       <p:sp>
         <p:nvSpPr>
           <p:cNvPr id="176" name="Shape 176"/>
-          <p:cNvSpPr/>
+          <p:cNvSpPr>
+            <a:spLocks noGrp="1"/>
+          </p:cNvSpPr>
           <p:nvPr>
             <p:ph type="body" idx="1"/>
           </p:nvPr>
@@ -6170,11 +6229,6 @@
               </a:rPr>
               <a:t>Texte niveau 1</a:t>
             </a:r>
-            <a:endParaRPr sz="1600">
-              <a:solidFill>
-                <a:srgbClr val="FFFFFF"/>
-              </a:solidFill>
-            </a:endParaRPr>
           </a:p>
           <a:p>
             <a:pPr lvl="1">
@@ -6192,11 +6246,6 @@
               </a:rPr>
               <a:t>Texte niveau 2</a:t>
             </a:r>
-            <a:endParaRPr sz="1600">
-              <a:solidFill>
-                <a:srgbClr val="FFFFFF"/>
-              </a:solidFill>
-            </a:endParaRPr>
           </a:p>
           <a:p>
             <a:pPr lvl="2">
@@ -6214,11 +6263,6 @@
               </a:rPr>
               <a:t>Texte niveau 3</a:t>
             </a:r>
-            <a:endParaRPr sz="1600">
-              <a:solidFill>
-                <a:srgbClr val="FFFFFF"/>
-              </a:solidFill>
-            </a:endParaRPr>
           </a:p>
           <a:p>
             <a:pPr lvl="3">
@@ -6236,11 +6280,6 @@
               </a:rPr>
               <a:t>Texte niveau 4</a:t>
             </a:r>
-            <a:endParaRPr sz="1600">
-              <a:solidFill>
-                <a:srgbClr val="FFFFFF"/>
-              </a:solidFill>
-            </a:endParaRPr>
           </a:p>
           <a:p>
             <a:pPr lvl="4">
@@ -6264,7 +6303,9 @@
       <p:sp>
         <p:nvSpPr>
           <p:cNvPr id="177" name="Shape 177"/>
-          <p:cNvSpPr/>
+          <p:cNvSpPr>
+            <a:spLocks noGrp="1"/>
+          </p:cNvSpPr>
           <p:nvPr>
             <p:ph type="sldNum" sz="quarter" idx="2"/>
           </p:nvPr>
@@ -6279,7 +6320,10 @@
           <a:lstStyle/>
           <a:p>
             <a:pPr lvl="0"/>
-            <a:fld id="{86CB4B4D-7CA3-9044-876B-883B54F8677D}" type="slidenum"/>
+            <a:fld id="{86CB4B4D-7CA3-9044-876B-883B54F8677D}" type="slidenum">
+              <a:t>‹N°›</a:t>
+            </a:fld>
+            <a:endParaRPr/>
           </a:p>
         </p:txBody>
       </p:sp>
@@ -6288,12 +6332,12 @@
   <p:clrMapOvr>
     <a:masterClrMapping/>
   </p:clrMapOvr>
-  <p:transition spd="med" advClick="1"/>
+  <p:transition spd="med"/>
 </p:sldLayout>
 </file>
 
 <file path=ppt/slideLayouts/slideLayout11.xml><?xml version="1.0" encoding="utf-8"?>
-<p:sldLayout xmlns:a="http://schemas.openxmlformats.org/drawingml/2006/main" xmlns:r="http://schemas.openxmlformats.org/officeDocument/2006/relationships" xmlns:p="http://schemas.openxmlformats.org/presentationml/2006/main" type="tx" showMasterSp="1" showMasterPhAnim="1">
+<p:sldLayout xmlns:a="http://schemas.openxmlformats.org/drawingml/2006/main" xmlns:r="http://schemas.openxmlformats.org/officeDocument/2006/relationships" xmlns:p="http://schemas.openxmlformats.org/presentationml/2006/main" type="tx">
   <p:cSld name="Titre et légende">
     <p:spTree>
       <p:nvGrpSpPr>
@@ -6312,7 +6356,9 @@
       <p:sp>
         <p:nvSpPr>
           <p:cNvPr id="179" name="Shape 179"/>
-          <p:cNvSpPr/>
+          <p:cNvSpPr>
+            <a:spLocks noGrp="1"/>
+          </p:cNvSpPr>
           <p:nvPr>
             <p:ph type="title"/>
           </p:nvPr>
@@ -6331,14 +6377,14 @@
           <a:lstStyle/>
           <a:p>
             <a:pPr lvl="0">
-              <a:defRPr cap="none" sz="1800">
+              <a:defRPr sz="1800" cap="none">
                 <a:solidFill>
                   <a:srgbClr val="000000"/>
                 </a:solidFill>
               </a:defRPr>
             </a:pPr>
             <a:r>
-              <a:rPr cap="all" sz="3600">
+              <a:rPr sz="3600" cap="all">
                 <a:solidFill>
                   <a:srgbClr val="FFFFFF"/>
                 </a:solidFill>
@@ -6351,7 +6397,9 @@
       <p:sp>
         <p:nvSpPr>
           <p:cNvPr id="180" name="Shape 180"/>
-          <p:cNvSpPr/>
+          <p:cNvSpPr>
+            <a:spLocks noGrp="1"/>
+          </p:cNvSpPr>
           <p:nvPr>
             <p:ph type="body" idx="1"/>
           </p:nvPr>
@@ -6415,11 +6463,6 @@
               </a:rPr>
               <a:t>Texte niveau 1</a:t>
             </a:r>
-            <a:endParaRPr>
-              <a:solidFill>
-                <a:srgbClr val="FFFFFF"/>
-              </a:solidFill>
-            </a:endParaRPr>
           </a:p>
           <a:p>
             <a:pPr lvl="1">
@@ -6437,11 +6480,6 @@
               </a:rPr>
               <a:t>Texte niveau 2</a:t>
             </a:r>
-            <a:endParaRPr>
-              <a:solidFill>
-                <a:srgbClr val="FFFFFF"/>
-              </a:solidFill>
-            </a:endParaRPr>
           </a:p>
           <a:p>
             <a:pPr lvl="2">
@@ -6459,11 +6497,6 @@
               </a:rPr>
               <a:t>Texte niveau 3</a:t>
             </a:r>
-            <a:endParaRPr>
-              <a:solidFill>
-                <a:srgbClr val="FFFFFF"/>
-              </a:solidFill>
-            </a:endParaRPr>
           </a:p>
           <a:p>
             <a:pPr lvl="3">
@@ -6481,11 +6514,6 @@
               </a:rPr>
               <a:t>Texte niveau 4</a:t>
             </a:r>
-            <a:endParaRPr>
-              <a:solidFill>
-                <a:srgbClr val="FFFFFF"/>
-              </a:solidFill>
-            </a:endParaRPr>
           </a:p>
           <a:p>
             <a:pPr lvl="4">
@@ -6509,7 +6537,9 @@
       <p:sp>
         <p:nvSpPr>
           <p:cNvPr id="181" name="Shape 181"/>
-          <p:cNvSpPr/>
+          <p:cNvSpPr>
+            <a:spLocks noGrp="1"/>
+          </p:cNvSpPr>
           <p:nvPr>
             <p:ph type="sldNum" sz="quarter" idx="2"/>
           </p:nvPr>
@@ -6524,7 +6554,10 @@
           <a:lstStyle/>
           <a:p>
             <a:pPr lvl="0"/>
-            <a:fld id="{86CB4B4D-7CA3-9044-876B-883B54F8677D}" type="slidenum"/>
+            <a:fld id="{86CB4B4D-7CA3-9044-876B-883B54F8677D}" type="slidenum">
+              <a:t>‹N°›</a:t>
+            </a:fld>
+            <a:endParaRPr/>
           </a:p>
         </p:txBody>
       </p:sp>
@@ -6533,12 +6566,12 @@
   <p:clrMapOvr>
     <a:masterClrMapping/>
   </p:clrMapOvr>
-  <p:transition spd="med" advClick="1"/>
+  <p:transition spd="med"/>
 </p:sldLayout>
 </file>
 
 <file path=ppt/slideLayouts/slideLayout12.xml><?xml version="1.0" encoding="utf-8"?>
-<p:sldLayout xmlns:a="http://schemas.openxmlformats.org/drawingml/2006/main" xmlns:r="http://schemas.openxmlformats.org/officeDocument/2006/relationships" xmlns:p="http://schemas.openxmlformats.org/presentationml/2006/main" type="tx" showMasterSp="1" showMasterPhAnim="1">
+<p:sldLayout xmlns:a="http://schemas.openxmlformats.org/drawingml/2006/main" xmlns:r="http://schemas.openxmlformats.org/officeDocument/2006/relationships" xmlns:p="http://schemas.openxmlformats.org/presentationml/2006/main" type="tx">
   <p:cSld name="Citation avec légende">
     <p:spTree>
       <p:nvGrpSpPr>
@@ -6557,7 +6590,9 @@
       <p:sp>
         <p:nvSpPr>
           <p:cNvPr id="183" name="Shape 183"/>
-          <p:cNvSpPr/>
+          <p:cNvSpPr>
+            <a:spLocks noGrp="1"/>
+          </p:cNvSpPr>
           <p:nvPr>
             <p:ph type="title"/>
           </p:nvPr>
@@ -6576,14 +6611,14 @@
           <a:lstStyle/>
           <a:p>
             <a:pPr lvl="0">
-              <a:defRPr cap="none" sz="1800">
+              <a:defRPr sz="1800" cap="none">
                 <a:solidFill>
                   <a:srgbClr val="000000"/>
                 </a:solidFill>
               </a:defRPr>
             </a:pPr>
             <a:r>
-              <a:rPr cap="all" sz="3600">
+              <a:rPr sz="3600" cap="all">
                 <a:solidFill>
                   <a:srgbClr val="FFFFFF"/>
                 </a:solidFill>
@@ -6596,7 +6631,9 @@
       <p:sp>
         <p:nvSpPr>
           <p:cNvPr id="184" name="Shape 184"/>
-          <p:cNvSpPr/>
+          <p:cNvSpPr>
+            <a:spLocks noGrp="1"/>
+          </p:cNvSpPr>
           <p:nvPr>
             <p:ph type="body" idx="1"/>
           </p:nvPr>
@@ -6660,11 +6697,6 @@
               </a:rPr>
               <a:t>Texte niveau 1</a:t>
             </a:r>
-            <a:endParaRPr sz="1400">
-              <a:solidFill>
-                <a:srgbClr val="FFFFFF"/>
-              </a:solidFill>
-            </a:endParaRPr>
           </a:p>
           <a:p>
             <a:pPr lvl="1">
@@ -6682,11 +6714,6 @@
               </a:rPr>
               <a:t>Texte niveau 2</a:t>
             </a:r>
-            <a:endParaRPr sz="1400">
-              <a:solidFill>
-                <a:srgbClr val="FFFFFF"/>
-              </a:solidFill>
-            </a:endParaRPr>
           </a:p>
           <a:p>
             <a:pPr lvl="2">
@@ -6704,11 +6731,6 @@
               </a:rPr>
               <a:t>Texte niveau 3</a:t>
             </a:r>
-            <a:endParaRPr sz="1400">
-              <a:solidFill>
-                <a:srgbClr val="FFFFFF"/>
-              </a:solidFill>
-            </a:endParaRPr>
           </a:p>
           <a:p>
             <a:pPr lvl="3">
@@ -6726,11 +6748,6 @@
               </a:rPr>
               <a:t>Texte niveau 4</a:t>
             </a:r>
-            <a:endParaRPr sz="1400">
-              <a:solidFill>
-                <a:srgbClr val="FFFFFF"/>
-              </a:solidFill>
-            </a:endParaRPr>
           </a:p>
           <a:p>
             <a:pPr lvl="4">
@@ -6754,7 +6771,9 @@
       <p:sp>
         <p:nvSpPr>
           <p:cNvPr id="185" name="Shape 185"/>
-          <p:cNvSpPr/>
+          <p:cNvSpPr>
+            <a:spLocks noGrp="1"/>
+          </p:cNvSpPr>
           <p:nvPr>
             <p:ph type="sldNum" sz="quarter" idx="2"/>
           </p:nvPr>
@@ -6769,7 +6788,10 @@
           <a:lstStyle/>
           <a:p>
             <a:pPr lvl="0"/>
-            <a:fld id="{86CB4B4D-7CA3-9044-876B-883B54F8677D}" type="slidenum"/>
+            <a:fld id="{86CB4B4D-7CA3-9044-876B-883B54F8677D}" type="slidenum">
+              <a:t>‹N°›</a:t>
+            </a:fld>
+            <a:endParaRPr/>
           </a:p>
         </p:txBody>
       </p:sp>
@@ -6792,7 +6814,7 @@
           </a:ln>
           <a:extLst>
             <a:ext uri="{C572A759-6A51-4108-AA02-DFA0A04FC94B}">
-              <ma14:wrappingTextBoxFlag xmlns:ma14="http://schemas.microsoft.com/office/mac/drawingml/2011/main" val="1"/>
+              <ma14:wrappingTextBoxFlag xmlns:ma14="http://schemas.microsoft.com/office/mac/drawingml/2011/main" xmlns="" val="1"/>
             </a:ext>
           </a:extLst>
         </p:spPr>
@@ -6802,7 +6824,7 @@
           </a:bodyPr>
           <a:lstStyle>
             <a:lvl1pPr algn="r">
-              <a:defRPr cap="all" sz="8000">
+              <a:defRPr sz="8000" cap="all">
                 <a:solidFill>
                   <a:srgbClr val="FFFFFF"/>
                 </a:solidFill>
@@ -6811,14 +6833,14 @@
           </a:lstStyle>
           <a:p>
             <a:pPr lvl="0">
-              <a:defRPr cap="none" sz="1800">
+              <a:defRPr sz="1800" cap="none">
                 <a:solidFill>
                   <a:srgbClr val="000000"/>
                 </a:solidFill>
               </a:defRPr>
             </a:pPr>
             <a:r>
-              <a:rPr cap="all" sz="8000">
+              <a:rPr sz="8000" cap="all">
                 <a:solidFill>
                   <a:srgbClr val="FFFFFF"/>
                 </a:solidFill>
@@ -6847,7 +6869,7 @@
           </a:ln>
           <a:extLst>
             <a:ext uri="{C572A759-6A51-4108-AA02-DFA0A04FC94B}">
-              <ma14:wrappingTextBoxFlag xmlns:ma14="http://schemas.microsoft.com/office/mac/drawingml/2011/main" val="1"/>
+              <ma14:wrappingTextBoxFlag xmlns:ma14="http://schemas.microsoft.com/office/mac/drawingml/2011/main" xmlns="" val="1"/>
             </a:ext>
           </a:extLst>
         </p:spPr>
@@ -6857,7 +6879,7 @@
           </a:bodyPr>
           <a:lstStyle>
             <a:lvl1pPr algn="r">
-              <a:defRPr cap="all" sz="8000">
+              <a:defRPr sz="8000" cap="all">
                 <a:solidFill>
                   <a:srgbClr val="FFFFFF"/>
                 </a:solidFill>
@@ -6866,14 +6888,14 @@
           </a:lstStyle>
           <a:p>
             <a:pPr lvl="0">
-              <a:defRPr cap="none" sz="1800">
+              <a:defRPr sz="1800" cap="none">
                 <a:solidFill>
                   <a:srgbClr val="000000"/>
                 </a:solidFill>
               </a:defRPr>
             </a:pPr>
             <a:r>
-              <a:rPr cap="all" sz="8000">
+              <a:rPr sz="8000" cap="all">
                 <a:solidFill>
                   <a:srgbClr val="FFFFFF"/>
                 </a:solidFill>
@@ -6888,12 +6910,12 @@
   <p:clrMapOvr>
     <a:masterClrMapping/>
   </p:clrMapOvr>
-  <p:transition spd="med" advClick="1"/>
+  <p:transition spd="med"/>
 </p:sldLayout>
 </file>
 
 <file path=ppt/slideLayouts/slideLayout13.xml><?xml version="1.0" encoding="utf-8"?>
-<p:sldLayout xmlns:a="http://schemas.openxmlformats.org/drawingml/2006/main" xmlns:r="http://schemas.openxmlformats.org/officeDocument/2006/relationships" xmlns:p="http://schemas.openxmlformats.org/presentationml/2006/main" type="tx" showMasterSp="1" showMasterPhAnim="1">
+<p:sldLayout xmlns:a="http://schemas.openxmlformats.org/drawingml/2006/main" xmlns:r="http://schemas.openxmlformats.org/officeDocument/2006/relationships" xmlns:p="http://schemas.openxmlformats.org/presentationml/2006/main" type="tx">
   <p:cSld name="Carte nom">
     <p:spTree>
       <p:nvGrpSpPr>
@@ -6912,7 +6934,9 @@
       <p:sp>
         <p:nvSpPr>
           <p:cNvPr id="189" name="Shape 189"/>
-          <p:cNvSpPr/>
+          <p:cNvSpPr>
+            <a:spLocks noGrp="1"/>
+          </p:cNvSpPr>
           <p:nvPr>
             <p:ph type="title"/>
           </p:nvPr>
@@ -6931,14 +6955,14 @@
           <a:lstStyle/>
           <a:p>
             <a:pPr lvl="0">
-              <a:defRPr cap="none" sz="1800">
+              <a:defRPr sz="1800" cap="none">
                 <a:solidFill>
                   <a:srgbClr val="000000"/>
                 </a:solidFill>
               </a:defRPr>
             </a:pPr>
             <a:r>
-              <a:rPr cap="all" sz="3600">
+              <a:rPr sz="3600" cap="all">
                 <a:solidFill>
                   <a:srgbClr val="FFFFFF"/>
                 </a:solidFill>
@@ -6951,7 +6975,9 @@
       <p:sp>
         <p:nvSpPr>
           <p:cNvPr id="190" name="Shape 190"/>
-          <p:cNvSpPr/>
+          <p:cNvSpPr>
+            <a:spLocks noGrp="1"/>
+          </p:cNvSpPr>
           <p:nvPr>
             <p:ph type="body" idx="1"/>
           </p:nvPr>
@@ -7015,11 +7041,6 @@
               </a:rPr>
               <a:t>Texte niveau 1</a:t>
             </a:r>
-            <a:endParaRPr>
-              <a:solidFill>
-                <a:srgbClr val="FFFFFF"/>
-              </a:solidFill>
-            </a:endParaRPr>
           </a:p>
           <a:p>
             <a:pPr lvl="1">
@@ -7037,11 +7058,6 @@
               </a:rPr>
               <a:t>Texte niveau 2</a:t>
             </a:r>
-            <a:endParaRPr>
-              <a:solidFill>
-                <a:srgbClr val="FFFFFF"/>
-              </a:solidFill>
-            </a:endParaRPr>
           </a:p>
           <a:p>
             <a:pPr lvl="2">
@@ -7059,11 +7075,6 @@
               </a:rPr>
               <a:t>Texte niveau 3</a:t>
             </a:r>
-            <a:endParaRPr>
-              <a:solidFill>
-                <a:srgbClr val="FFFFFF"/>
-              </a:solidFill>
-            </a:endParaRPr>
           </a:p>
           <a:p>
             <a:pPr lvl="3">
@@ -7081,11 +7092,6 @@
               </a:rPr>
               <a:t>Texte niveau 4</a:t>
             </a:r>
-            <a:endParaRPr>
-              <a:solidFill>
-                <a:srgbClr val="FFFFFF"/>
-              </a:solidFill>
-            </a:endParaRPr>
           </a:p>
           <a:p>
             <a:pPr lvl="4">
@@ -7109,7 +7115,9 @@
       <p:sp>
         <p:nvSpPr>
           <p:cNvPr id="191" name="Shape 191"/>
-          <p:cNvSpPr/>
+          <p:cNvSpPr>
+            <a:spLocks noGrp="1"/>
+          </p:cNvSpPr>
           <p:nvPr>
             <p:ph type="sldNum" sz="quarter" idx="2"/>
           </p:nvPr>
@@ -7124,7 +7132,10 @@
           <a:lstStyle/>
           <a:p>
             <a:pPr lvl="0"/>
-            <a:fld id="{86CB4B4D-7CA3-9044-876B-883B54F8677D}" type="slidenum"/>
+            <a:fld id="{86CB4B4D-7CA3-9044-876B-883B54F8677D}" type="slidenum">
+              <a:t>‹N°›</a:t>
+            </a:fld>
+            <a:endParaRPr/>
           </a:p>
         </p:txBody>
       </p:sp>
@@ -7133,12 +7144,12 @@
   <p:clrMapOvr>
     <a:masterClrMapping/>
   </p:clrMapOvr>
-  <p:transition spd="med" advClick="1"/>
+  <p:transition spd="med"/>
 </p:sldLayout>
 </file>
 
 <file path=ppt/slideLayouts/slideLayout14.xml><?xml version="1.0" encoding="utf-8"?>
-<p:sldLayout xmlns:a="http://schemas.openxmlformats.org/drawingml/2006/main" xmlns:r="http://schemas.openxmlformats.org/officeDocument/2006/relationships" xmlns:p="http://schemas.openxmlformats.org/presentationml/2006/main" type="tx" showMasterSp="1" showMasterPhAnim="1">
+<p:sldLayout xmlns:a="http://schemas.openxmlformats.org/drawingml/2006/main" xmlns:r="http://schemas.openxmlformats.org/officeDocument/2006/relationships" xmlns:p="http://schemas.openxmlformats.org/presentationml/2006/main" type="tx">
   <p:cSld name="3 colonnes">
     <p:spTree>
       <p:nvGrpSpPr>
@@ -7157,7 +7168,9 @@
       <p:sp>
         <p:nvSpPr>
           <p:cNvPr id="193" name="Shape 193"/>
-          <p:cNvSpPr/>
+          <p:cNvSpPr>
+            <a:spLocks noGrp="1"/>
+          </p:cNvSpPr>
           <p:nvPr>
             <p:ph type="title"/>
           </p:nvPr>
@@ -7176,14 +7189,14 @@
           <a:lstStyle/>
           <a:p>
             <a:pPr lvl="0">
-              <a:defRPr cap="none" sz="1800">
+              <a:defRPr sz="1800" cap="none">
                 <a:solidFill>
                   <a:srgbClr val="000000"/>
                 </a:solidFill>
               </a:defRPr>
             </a:pPr>
             <a:r>
-              <a:rPr cap="all" sz="3600">
+              <a:rPr sz="3600" cap="all">
                 <a:solidFill>
                   <a:srgbClr val="FFFFFF"/>
                 </a:solidFill>
@@ -7196,7 +7209,9 @@
       <p:sp>
         <p:nvSpPr>
           <p:cNvPr id="194" name="Shape 194"/>
-          <p:cNvSpPr/>
+          <p:cNvSpPr>
+            <a:spLocks noGrp="1"/>
+          </p:cNvSpPr>
           <p:nvPr>
             <p:ph type="body" idx="1"/>
           </p:nvPr>
@@ -7263,102 +7278,82 @@
           </a:lstStyle>
           <a:p>
             <a:pPr lvl="0">
-              <a:defRPr cap="none" sz="1800">
+              <a:defRPr sz="1800" cap="none">
                 <a:solidFill>
                   <a:srgbClr val="000000"/>
                 </a:solidFill>
               </a:defRPr>
             </a:pPr>
             <a:r>
-              <a:rPr cap="all" sz="2400">
+              <a:rPr sz="2400" cap="all">
                 <a:solidFill>
                   <a:srgbClr val="FFFFFF"/>
                 </a:solidFill>
               </a:rPr>
               <a:t>Texte niveau 1</a:t>
             </a:r>
-            <a:endParaRPr cap="all" sz="2400">
-              <a:solidFill>
-                <a:srgbClr val="FFFFFF"/>
-              </a:solidFill>
-            </a:endParaRPr>
           </a:p>
           <a:p>
             <a:pPr lvl="1">
-              <a:defRPr cap="none" sz="1800">
+              <a:defRPr sz="1800" cap="none">
                 <a:solidFill>
                   <a:srgbClr val="000000"/>
                 </a:solidFill>
               </a:defRPr>
             </a:pPr>
             <a:r>
-              <a:rPr cap="all" sz="2400">
+              <a:rPr sz="2400" cap="all">
                 <a:solidFill>
                   <a:srgbClr val="FFFFFF"/>
                 </a:solidFill>
               </a:rPr>
               <a:t>Texte niveau 2</a:t>
             </a:r>
-            <a:endParaRPr cap="all" sz="2400">
-              <a:solidFill>
-                <a:srgbClr val="FFFFFF"/>
-              </a:solidFill>
-            </a:endParaRPr>
           </a:p>
           <a:p>
             <a:pPr lvl="2">
-              <a:defRPr cap="none" sz="1800">
+              <a:defRPr sz="1800" cap="none">
                 <a:solidFill>
                   <a:srgbClr val="000000"/>
                 </a:solidFill>
               </a:defRPr>
             </a:pPr>
             <a:r>
-              <a:rPr cap="all" sz="2400">
+              <a:rPr sz="2400" cap="all">
                 <a:solidFill>
                   <a:srgbClr val="FFFFFF"/>
                 </a:solidFill>
               </a:rPr>
               <a:t>Texte niveau 3</a:t>
             </a:r>
-            <a:endParaRPr cap="all" sz="2400">
-              <a:solidFill>
-                <a:srgbClr val="FFFFFF"/>
-              </a:solidFill>
-            </a:endParaRPr>
           </a:p>
           <a:p>
             <a:pPr lvl="3">
-              <a:defRPr cap="none" sz="1800">
+              <a:defRPr sz="1800" cap="none">
                 <a:solidFill>
                   <a:srgbClr val="000000"/>
                 </a:solidFill>
               </a:defRPr>
             </a:pPr>
             <a:r>
-              <a:rPr cap="all" sz="2400">
+              <a:rPr sz="2400" cap="all">
                 <a:solidFill>
                   <a:srgbClr val="FFFFFF"/>
                 </a:solidFill>
               </a:rPr>
               <a:t>Texte niveau 4</a:t>
             </a:r>
-            <a:endParaRPr cap="all" sz="2400">
-              <a:solidFill>
-                <a:srgbClr val="FFFFFF"/>
-              </a:solidFill>
-            </a:endParaRPr>
           </a:p>
           <a:p>
             <a:pPr lvl="4">
-              <a:defRPr cap="none" sz="1800">
+              <a:defRPr sz="1800" cap="none">
                 <a:solidFill>
                   <a:srgbClr val="000000"/>
                 </a:solidFill>
               </a:defRPr>
             </a:pPr>
             <a:r>
-              <a:rPr cap="all" sz="2400">
+              <a:rPr sz="2400" cap="all">
                 <a:solidFill>
                   <a:srgbClr val="FFFFFF"/>
                 </a:solidFill>
@@ -7371,7 +7366,9 @@
       <p:sp>
         <p:nvSpPr>
           <p:cNvPr id="195" name="Shape 195"/>
-          <p:cNvSpPr/>
+          <p:cNvSpPr>
+            <a:spLocks noGrp="1"/>
+          </p:cNvSpPr>
           <p:nvPr>
             <p:ph type="sldNum" sz="quarter" idx="2"/>
           </p:nvPr>
@@ -7386,7 +7383,10 @@
           <a:lstStyle/>
           <a:p>
             <a:pPr lvl="0"/>
-            <a:fld id="{86CB4B4D-7CA3-9044-876B-883B54F8677D}" type="slidenum"/>
+            <a:fld id="{86CB4B4D-7CA3-9044-876B-883B54F8677D}" type="slidenum">
+              <a:t>‹N°›</a:t>
+            </a:fld>
+            <a:endParaRPr/>
           </a:p>
         </p:txBody>
       </p:sp>
@@ -7395,12 +7395,12 @@
   <p:clrMapOvr>
     <a:masterClrMapping/>
   </p:clrMapOvr>
-  <p:transition spd="med" advClick="1"/>
+  <p:transition spd="med"/>
 </p:sldLayout>
 </file>
 
 <file path=ppt/slideLayouts/slideLayout15.xml><?xml version="1.0" encoding="utf-8"?>
-<p:sldLayout xmlns:a="http://schemas.openxmlformats.org/drawingml/2006/main" xmlns:r="http://schemas.openxmlformats.org/officeDocument/2006/relationships" xmlns:p="http://schemas.openxmlformats.org/presentationml/2006/main" type="tx" showMasterSp="1" showMasterPhAnim="1">
+<p:sldLayout xmlns:a="http://schemas.openxmlformats.org/drawingml/2006/main" xmlns:r="http://schemas.openxmlformats.org/officeDocument/2006/relationships" xmlns:p="http://schemas.openxmlformats.org/presentationml/2006/main" type="tx">
   <p:cSld name="3 colonnes d’image">
     <p:spTree>
       <p:nvGrpSpPr>
@@ -7419,7 +7419,9 @@
       <p:sp>
         <p:nvSpPr>
           <p:cNvPr id="197" name="Shape 197"/>
-          <p:cNvSpPr/>
+          <p:cNvSpPr>
+            <a:spLocks noGrp="1"/>
+          </p:cNvSpPr>
           <p:nvPr>
             <p:ph type="title"/>
           </p:nvPr>
@@ -7438,14 +7440,14 @@
           <a:lstStyle/>
           <a:p>
             <a:pPr lvl="0">
-              <a:defRPr cap="none" sz="1800">
+              <a:defRPr sz="1800" cap="none">
                 <a:solidFill>
                   <a:srgbClr val="000000"/>
                 </a:solidFill>
               </a:defRPr>
             </a:pPr>
             <a:r>
-              <a:rPr cap="all" sz="3600">
+              <a:rPr sz="3600" cap="all">
                 <a:solidFill>
                   <a:srgbClr val="FFFFFF"/>
                 </a:solidFill>
@@ -7458,7 +7460,9 @@
       <p:sp>
         <p:nvSpPr>
           <p:cNvPr id="198" name="Shape 198"/>
-          <p:cNvSpPr/>
+          <p:cNvSpPr>
+            <a:spLocks noGrp="1"/>
+          </p:cNvSpPr>
           <p:nvPr>
             <p:ph type="body" idx="1"/>
           </p:nvPr>
@@ -7484,7 +7488,7 @@
               <a:buSzTx/>
               <a:buFontTx/>
               <a:buNone/>
-              <a:defRPr cap="all" sz="2000"/>
+              <a:defRPr sz="2000" cap="all"/>
             </a:lvl1pPr>
             <a:lvl2pPr marL="0" indent="457200">
               <a:lnSpc>
@@ -7493,7 +7497,7 @@
               <a:buSzTx/>
               <a:buFontTx/>
               <a:buNone/>
-              <a:defRPr cap="all" sz="2000"/>
+              <a:defRPr sz="2000" cap="all"/>
             </a:lvl2pPr>
             <a:lvl3pPr marL="0" indent="914400">
               <a:lnSpc>
@@ -7502,7 +7506,7 @@
               <a:buSzTx/>
               <a:buFontTx/>
               <a:buNone/>
-              <a:defRPr cap="all" sz="2000"/>
+              <a:defRPr sz="2000" cap="all"/>
             </a:lvl3pPr>
             <a:lvl4pPr marL="0" indent="1371600">
               <a:lnSpc>
@@ -7511,7 +7515,7 @@
               <a:buSzTx/>
               <a:buFontTx/>
               <a:buNone/>
-              <a:defRPr cap="all" sz="2000"/>
+              <a:defRPr sz="2000" cap="all"/>
             </a:lvl4pPr>
             <a:lvl5pPr marL="0" indent="1828800">
               <a:lnSpc>
@@ -7520,107 +7524,87 @@
               <a:buSzTx/>
               <a:buFontTx/>
               <a:buNone/>
-              <a:defRPr cap="all" sz="2000"/>
+              <a:defRPr sz="2000" cap="all"/>
             </a:lvl5pPr>
           </a:lstStyle>
           <a:p>
             <a:pPr lvl="0">
-              <a:defRPr cap="none" sz="1800">
+              <a:defRPr sz="1800" cap="none">
                 <a:solidFill>
                   <a:srgbClr val="000000"/>
                 </a:solidFill>
               </a:defRPr>
             </a:pPr>
             <a:r>
-              <a:rPr cap="all" sz="2000">
+              <a:rPr sz="2000" cap="all">
                 <a:solidFill>
                   <a:srgbClr val="FFFFFF"/>
                 </a:solidFill>
               </a:rPr>
               <a:t>Texte niveau 1</a:t>
             </a:r>
-            <a:endParaRPr cap="all" sz="2000">
-              <a:solidFill>
-                <a:srgbClr val="FFFFFF"/>
-              </a:solidFill>
-            </a:endParaRPr>
           </a:p>
           <a:p>
             <a:pPr lvl="1">
-              <a:defRPr cap="none" sz="1800">
+              <a:defRPr sz="1800" cap="none">
                 <a:solidFill>
                   <a:srgbClr val="000000"/>
                 </a:solidFill>
               </a:defRPr>
             </a:pPr>
             <a:r>
-              <a:rPr cap="all" sz="2000">
+              <a:rPr sz="2000" cap="all">
                 <a:solidFill>
                   <a:srgbClr val="FFFFFF"/>
                 </a:solidFill>
               </a:rPr>
               <a:t>Texte niveau 2</a:t>
             </a:r>
-            <a:endParaRPr cap="all" sz="2000">
-              <a:solidFill>
-                <a:srgbClr val="FFFFFF"/>
-              </a:solidFill>
-            </a:endParaRPr>
           </a:p>
           <a:p>
             <a:pPr lvl="2">
-              <a:defRPr cap="none" sz="1800">
+              <a:defRPr sz="1800" cap="none">
                 <a:solidFill>
                   <a:srgbClr val="000000"/>
                 </a:solidFill>
               </a:defRPr>
             </a:pPr>
             <a:r>
-              <a:rPr cap="all" sz="2000">
+              <a:rPr sz="2000" cap="all">
                 <a:solidFill>
                   <a:srgbClr val="FFFFFF"/>
                 </a:solidFill>
               </a:rPr>
               <a:t>Texte niveau 3</a:t>
             </a:r>
-            <a:endParaRPr cap="all" sz="2000">
-              <a:solidFill>
-                <a:srgbClr val="FFFFFF"/>
-              </a:solidFill>
-            </a:endParaRPr>
           </a:p>
           <a:p>
             <a:pPr lvl="3">
-              <a:defRPr cap="none" sz="1800">
+              <a:defRPr sz="1800" cap="none">
                 <a:solidFill>
                   <a:srgbClr val="000000"/>
                 </a:solidFill>
               </a:defRPr>
             </a:pPr>
             <a:r>
-              <a:rPr cap="all" sz="2000">
+              <a:rPr sz="2000" cap="all">
                 <a:solidFill>
                   <a:srgbClr val="FFFFFF"/>
                 </a:solidFill>
               </a:rPr>
               <a:t>Texte niveau 4</a:t>
             </a:r>
-            <a:endParaRPr cap="all" sz="2000">
-              <a:solidFill>
-                <a:srgbClr val="FFFFFF"/>
-              </a:solidFill>
-            </a:endParaRPr>
           </a:p>
           <a:p>
             <a:pPr lvl="4">
-              <a:defRPr cap="none" sz="1800">
+              <a:defRPr sz="1800" cap="none">
                 <a:solidFill>
                   <a:srgbClr val="000000"/>
                 </a:solidFill>
               </a:defRPr>
             </a:pPr>
             <a:r>
-              <a:rPr cap="all" sz="2000">
+              <a:rPr sz="2000" cap="all">
                 <a:solidFill>
                   <a:srgbClr val="FFFFFF"/>
                 </a:solidFill>
@@ -7633,7 +7617,9 @@
       <p:sp>
         <p:nvSpPr>
           <p:cNvPr id="199" name="Shape 199"/>
-          <p:cNvSpPr/>
+          <p:cNvSpPr>
+            <a:spLocks noGrp="1"/>
+          </p:cNvSpPr>
           <p:nvPr>
             <p:ph type="sldNum" sz="quarter" idx="2"/>
           </p:nvPr>
@@ -7648,7 +7634,10 @@
           <a:lstStyle/>
           <a:p>
             <a:pPr lvl="0"/>
-            <a:fld id="{86CB4B4D-7CA3-9044-876B-883B54F8677D}" type="slidenum"/>
+            <a:fld id="{86CB4B4D-7CA3-9044-876B-883B54F8677D}" type="slidenum">
+              <a:t>‹N°›</a:t>
+            </a:fld>
+            <a:endParaRPr/>
           </a:p>
         </p:txBody>
       </p:sp>
@@ -7657,12 +7646,12 @@
   <p:clrMapOvr>
     <a:masterClrMapping/>
   </p:clrMapOvr>
-  <p:transition spd="med" advClick="1"/>
+  <p:transition spd="med"/>
 </p:sldLayout>
 </file>
 
 <file path=ppt/slideLayouts/slideLayout16.xml><?xml version="1.0" encoding="utf-8"?>
-<p:sldLayout xmlns:a="http://schemas.openxmlformats.org/drawingml/2006/main" xmlns:r="http://schemas.openxmlformats.org/officeDocument/2006/relationships" xmlns:p="http://schemas.openxmlformats.org/presentationml/2006/main" type="tx" showMasterSp="1" showMasterPhAnim="1">
+<p:sldLayout xmlns:a="http://schemas.openxmlformats.org/drawingml/2006/main" xmlns:r="http://schemas.openxmlformats.org/officeDocument/2006/relationships" xmlns:p="http://schemas.openxmlformats.org/presentationml/2006/main" type="tx">
   <p:cSld name="Titre et texte vertical">
     <p:spTree>
       <p:nvGrpSpPr>
@@ -7681,7 +7670,9 @@
       <p:sp>
         <p:nvSpPr>
           <p:cNvPr id="201" name="Shape 201"/>
-          <p:cNvSpPr/>
+          <p:cNvSpPr>
+            <a:spLocks noGrp="1"/>
+          </p:cNvSpPr>
           <p:nvPr>
             <p:ph type="title"/>
           </p:nvPr>
@@ -7700,14 +7691,14 @@
           <a:lstStyle/>
           <a:p>
             <a:pPr lvl="0">
-              <a:defRPr cap="none" sz="1800">
+              <a:defRPr sz="1800" cap="none">
                 <a:solidFill>
                   <a:srgbClr val="000000"/>
                 </a:solidFill>
               </a:defRPr>
             </a:pPr>
             <a:r>
-              <a:rPr cap="all" sz="3600">
+              <a:rPr sz="3600" cap="all">
                 <a:solidFill>
                   <a:srgbClr val="FFFFFF"/>
                 </a:solidFill>
@@ -7720,7 +7711,9 @@
       <p:sp>
         <p:nvSpPr>
           <p:cNvPr id="202" name="Shape 202"/>
-          <p:cNvSpPr/>
+          <p:cNvSpPr>
+            <a:spLocks noGrp="1"/>
+          </p:cNvSpPr>
           <p:nvPr>
             <p:ph type="body" idx="1"/>
           </p:nvPr>
@@ -7753,11 +7746,6 @@
               </a:rPr>
               <a:t>Texte niveau 1</a:t>
             </a:r>
-            <a:endParaRPr sz="2400">
-              <a:solidFill>
-                <a:srgbClr val="FFFFFF"/>
-              </a:solidFill>
-            </a:endParaRPr>
           </a:p>
           <a:p>
             <a:pPr lvl="1">
@@ -7775,11 +7763,6 @@
               </a:rPr>
               <a:t>Texte niveau 2</a:t>
             </a:r>
-            <a:endParaRPr sz="2400">
-              <a:solidFill>
-                <a:srgbClr val="FFFFFF"/>
-              </a:solidFill>
-            </a:endParaRPr>
           </a:p>
           <a:p>
             <a:pPr lvl="2">
@@ -7797,11 +7780,6 @@
               </a:rPr>
               <a:t>Texte niveau 3</a:t>
             </a:r>
-            <a:endParaRPr sz="2400">
-              <a:solidFill>
-                <a:srgbClr val="FFFFFF"/>
-              </a:solidFill>
-            </a:endParaRPr>
           </a:p>
           <a:p>
             <a:pPr lvl="3">
@@ -7819,11 +7797,6 @@
               </a:rPr>
               <a:t>Texte niveau 4</a:t>
             </a:r>
-            <a:endParaRPr sz="2400">
-              <a:solidFill>
-                <a:srgbClr val="FFFFFF"/>
-              </a:solidFill>
-            </a:endParaRPr>
           </a:p>
           <a:p>
             <a:pPr lvl="4">
@@ -7847,7 +7820,9 @@
       <p:sp>
         <p:nvSpPr>
           <p:cNvPr id="203" name="Shape 203"/>
-          <p:cNvSpPr/>
+          <p:cNvSpPr>
+            <a:spLocks noGrp="1"/>
+          </p:cNvSpPr>
           <p:nvPr>
             <p:ph type="sldNum" sz="quarter" idx="2"/>
           </p:nvPr>
@@ -7862,7 +7837,10 @@
           <a:lstStyle/>
           <a:p>
             <a:pPr lvl="0"/>
-            <a:fld id="{86CB4B4D-7CA3-9044-876B-883B54F8677D}" type="slidenum"/>
+            <a:fld id="{86CB4B4D-7CA3-9044-876B-883B54F8677D}" type="slidenum">
+              <a:t>‹N°›</a:t>
+            </a:fld>
+            <a:endParaRPr/>
           </a:p>
         </p:txBody>
       </p:sp>
@@ -7871,12 +7849,12 @@
   <p:clrMapOvr>
     <a:masterClrMapping/>
   </p:clrMapOvr>
-  <p:transition spd="med" advClick="1"/>
+  <p:transition spd="med"/>
 </p:sldLayout>
 </file>
 
 <file path=ppt/slideLayouts/slideLayout17.xml><?xml version="1.0" encoding="utf-8"?>
-<p:sldLayout xmlns:a="http://schemas.openxmlformats.org/drawingml/2006/main" xmlns:r="http://schemas.openxmlformats.org/officeDocument/2006/relationships" xmlns:p="http://schemas.openxmlformats.org/presentationml/2006/main" type="tx" showMasterSp="1" showMasterPhAnim="1">
+<p:sldLayout xmlns:a="http://schemas.openxmlformats.org/drawingml/2006/main" xmlns:r="http://schemas.openxmlformats.org/officeDocument/2006/relationships" xmlns:p="http://schemas.openxmlformats.org/presentationml/2006/main" type="tx">
   <p:cSld name="Titre vertical et texte">
     <p:spTree>
       <p:nvGrpSpPr>
@@ -7895,7 +7873,9 @@
       <p:sp>
         <p:nvSpPr>
           <p:cNvPr id="205" name="Shape 205"/>
-          <p:cNvSpPr/>
+          <p:cNvSpPr>
+            <a:spLocks noGrp="1"/>
+          </p:cNvSpPr>
           <p:nvPr>
             <p:ph type="title"/>
           </p:nvPr>
@@ -7910,14 +7890,14 @@
           <a:lstStyle/>
           <a:p>
             <a:pPr lvl="0">
-              <a:defRPr cap="none" sz="1800">
+              <a:defRPr sz="1800" cap="none">
                 <a:solidFill>
                   <a:srgbClr val="000000"/>
                 </a:solidFill>
               </a:defRPr>
             </a:pPr>
             <a:r>
-              <a:rPr cap="all" sz="3600">
+              <a:rPr sz="3600" cap="all">
                 <a:solidFill>
                   <a:srgbClr val="FFFFFF"/>
                 </a:solidFill>
@@ -7930,7 +7910,9 @@
       <p:sp>
         <p:nvSpPr>
           <p:cNvPr id="206" name="Shape 206"/>
-          <p:cNvSpPr/>
+          <p:cNvSpPr>
+            <a:spLocks noGrp="1"/>
+          </p:cNvSpPr>
           <p:nvPr>
             <p:ph type="body" idx="1"/>
           </p:nvPr>
@@ -7959,11 +7941,6 @@
               </a:rPr>
               <a:t>Texte niveau 1</a:t>
             </a:r>
-            <a:endParaRPr sz="2400">
-              <a:solidFill>
-                <a:srgbClr val="FFFFFF"/>
-              </a:solidFill>
-            </a:endParaRPr>
           </a:p>
           <a:p>
             <a:pPr lvl="1">
@@ -7981,11 +7958,6 @@
               </a:rPr>
               <a:t>Texte niveau 2</a:t>
             </a:r>
-            <a:endParaRPr sz="2400">
-              <a:solidFill>
-                <a:srgbClr val="FFFFFF"/>
-              </a:solidFill>
-            </a:endParaRPr>
           </a:p>
           <a:p>
             <a:pPr lvl="2">
@@ -8003,11 +7975,6 @@
               </a:rPr>
               <a:t>Texte niveau 3</a:t>
             </a:r>
-            <a:endParaRPr sz="2400">
-              <a:solidFill>
-                <a:srgbClr val="FFFFFF"/>
-              </a:solidFill>
-            </a:endParaRPr>
           </a:p>
           <a:p>
             <a:pPr lvl="3">
@@ -8025,11 +7992,6 @@
               </a:rPr>
               <a:t>Texte niveau 4</a:t>
             </a:r>
-            <a:endParaRPr sz="2400">
-              <a:solidFill>
-                <a:srgbClr val="FFFFFF"/>
-              </a:solidFill>
-            </a:endParaRPr>
           </a:p>
           <a:p>
             <a:pPr lvl="4">
@@ -8053,7 +8015,9 @@
       <p:sp>
         <p:nvSpPr>
           <p:cNvPr id="207" name="Shape 207"/>
-          <p:cNvSpPr/>
+          <p:cNvSpPr>
+            <a:spLocks noGrp="1"/>
+          </p:cNvSpPr>
           <p:nvPr>
             <p:ph type="sldNum" sz="quarter" idx="2"/>
           </p:nvPr>
@@ -8068,7 +8032,10 @@
           <a:lstStyle/>
           <a:p>
             <a:pPr lvl="0"/>
-            <a:fld id="{86CB4B4D-7CA3-9044-876B-883B54F8677D}" type="slidenum"/>
+            <a:fld id="{86CB4B4D-7CA3-9044-876B-883B54F8677D}" type="slidenum">
+              <a:t>‹N°›</a:t>
+            </a:fld>
+            <a:endParaRPr/>
           </a:p>
         </p:txBody>
       </p:sp>
@@ -8077,12 +8044,12 @@
   <p:clrMapOvr>
     <a:masterClrMapping/>
   </p:clrMapOvr>
-  <p:transition spd="med" advClick="1"/>
+  <p:transition spd="med"/>
 </p:sldLayout>
 </file>
 
 <file path=ppt/slideLayouts/slideLayout2.xml><?xml version="1.0" encoding="utf-8"?>
-<p:sldLayout xmlns:a="http://schemas.openxmlformats.org/drawingml/2006/main" xmlns:r="http://schemas.openxmlformats.org/officeDocument/2006/relationships" xmlns:p="http://schemas.openxmlformats.org/presentationml/2006/main" type="tx" showMasterSp="0" showMasterPhAnim="1">
+<p:sldLayout xmlns:a="http://schemas.openxmlformats.org/drawingml/2006/main" xmlns:r="http://schemas.openxmlformats.org/officeDocument/2006/relationships" xmlns:p="http://schemas.openxmlformats.org/presentationml/2006/main" showMasterSp="0" type="tx">
   <p:cSld name="Titre et contenu">
     <p:spTree>
       <p:nvGrpSpPr>
@@ -8198,6 +8165,7 @@
                     </a:solidFill>
                   </a:defRPr>
                 </a:pPr>
+                <a:endParaRPr/>
               </a:p>
             </p:txBody>
           </p:sp>
@@ -8232,7 +8200,7 @@
                 </a:cxnLst>
                 <a:rect l="0" t="0" r="r" b="b"/>
                 <a:pathLst>
-                  <a:path w="21600" h="21600" fill="norm" stroke="1" extrusionOk="0">
+                  <a:path w="21600" h="21600" extrusionOk="0">
                     <a:moveTo>
                       <a:pt x="10800" y="21600"/>
                     </a:moveTo>
@@ -8314,6 +8282,7 @@
                     </a:solidFill>
                   </a:defRPr>
                 </a:pPr>
+                <a:endParaRPr/>
               </a:p>
             </p:txBody>
           </p:sp>
@@ -8348,7 +8317,7 @@
                 </a:cxnLst>
                 <a:rect l="0" t="0" r="r" b="b"/>
                 <a:pathLst>
-                  <a:path w="21600" h="21600" fill="norm" stroke="1" extrusionOk="0">
+                  <a:path w="21600" h="21600" extrusionOk="0">
                     <a:moveTo>
                       <a:pt x="10800" y="21600"/>
                     </a:moveTo>
@@ -8430,6 +8399,7 @@
                     </a:solidFill>
                   </a:defRPr>
                 </a:pPr>
+                <a:endParaRPr/>
               </a:p>
             </p:txBody>
           </p:sp>
@@ -8464,7 +8434,7 @@
                 </a:cxnLst>
                 <a:rect l="0" t="0" r="r" b="b"/>
                 <a:pathLst>
-                  <a:path w="21600" h="21600" fill="norm" stroke="1" extrusionOk="0">
+                  <a:path w="21600" h="21600" extrusionOk="0">
                     <a:moveTo>
                       <a:pt x="20209" y="21600"/>
                     </a:moveTo>
@@ -8520,6 +8490,7 @@
                     </a:solidFill>
                   </a:defRPr>
                 </a:pPr>
+                <a:endParaRPr/>
               </a:p>
             </p:txBody>
           </p:sp>
@@ -8554,7 +8525,7 @@
                 </a:cxnLst>
                 <a:rect l="0" t="0" r="r" b="b"/>
                 <a:pathLst>
-                  <a:path w="21600" h="21600" fill="norm" stroke="1" extrusionOk="0">
+                  <a:path w="21600" h="21600" extrusionOk="0">
                     <a:moveTo>
                       <a:pt x="10800" y="21600"/>
                     </a:moveTo>
@@ -8636,6 +8607,7 @@
                     </a:solidFill>
                   </a:defRPr>
                 </a:pPr>
+                <a:endParaRPr/>
               </a:p>
             </p:txBody>
           </p:sp>
@@ -8670,7 +8642,7 @@
                 </a:cxnLst>
                 <a:rect l="0" t="0" r="r" b="b"/>
                 <a:pathLst>
-                  <a:path w="21600" h="21600" fill="norm" stroke="1" extrusionOk="0">
+                  <a:path w="21600" h="21600" extrusionOk="0">
                     <a:moveTo>
                       <a:pt x="20488" y="21600"/>
                     </a:moveTo>
@@ -8726,6 +8698,7 @@
                     </a:solidFill>
                   </a:defRPr>
                 </a:pPr>
+                <a:endParaRPr/>
               </a:p>
             </p:txBody>
           </p:sp>
@@ -8760,7 +8733,7 @@
                 </a:cxnLst>
                 <a:rect l="0" t="0" r="r" b="b"/>
                 <a:pathLst>
-                  <a:path w="21600" h="21600" fill="norm" stroke="1" extrusionOk="0">
+                  <a:path w="21600" h="21600" extrusionOk="0">
                     <a:moveTo>
                       <a:pt x="21600" y="21600"/>
                     </a:moveTo>
@@ -8816,6 +8789,7 @@
                     </a:solidFill>
                   </a:defRPr>
                 </a:pPr>
+                <a:endParaRPr/>
               </a:p>
             </p:txBody>
           </p:sp>
@@ -8850,7 +8824,7 @@
                 </a:cxnLst>
                 <a:rect l="0" t="0" r="r" b="b"/>
                 <a:pathLst>
-                  <a:path w="21600" h="21600" fill="norm" stroke="1" extrusionOk="0">
+                  <a:path w="21600" h="21600" extrusionOk="0">
                     <a:moveTo>
                       <a:pt x="10800" y="21600"/>
                     </a:moveTo>
@@ -8932,6 +8906,7 @@
                     </a:solidFill>
                   </a:defRPr>
                 </a:pPr>
+                <a:endParaRPr/>
               </a:p>
             </p:txBody>
           </p:sp>
@@ -8966,7 +8941,7 @@
                 </a:cxnLst>
                 <a:rect l="0" t="0" r="r" b="b"/>
                 <a:pathLst>
-                  <a:path w="21600" h="21600" fill="norm" stroke="1" extrusionOk="0">
+                  <a:path w="21600" h="21600" extrusionOk="0">
                     <a:moveTo>
                       <a:pt x="10800" y="21600"/>
                     </a:moveTo>
@@ -9048,6 +9023,7 @@
                     </a:solidFill>
                   </a:defRPr>
                 </a:pPr>
+                <a:endParaRPr/>
               </a:p>
             </p:txBody>
           </p:sp>
@@ -9082,7 +9058,7 @@
                 </a:cxnLst>
                 <a:rect l="0" t="0" r="r" b="b"/>
                 <a:pathLst>
-                  <a:path w="21600" h="21600" fill="norm" stroke="1" extrusionOk="0">
+                  <a:path w="21600" h="21600" extrusionOk="0">
                     <a:moveTo>
                       <a:pt x="20869" y="21600"/>
                     </a:moveTo>
@@ -9138,6 +9114,7 @@
                     </a:solidFill>
                   </a:defRPr>
                 </a:pPr>
+                <a:endParaRPr/>
               </a:p>
             </p:txBody>
           </p:sp>
@@ -9172,7 +9149,7 @@
                 </a:cxnLst>
                 <a:rect l="0" t="0" r="r" b="b"/>
                 <a:pathLst>
-                  <a:path w="19694" h="21600" fill="norm" stroke="1" extrusionOk="0">
+                  <a:path w="19694" h="21600" extrusionOk="0">
                     <a:moveTo>
                       <a:pt x="9847" y="21600"/>
                     </a:moveTo>
@@ -9274,6 +9251,7 @@
                     </a:solidFill>
                   </a:defRPr>
                 </a:pPr>
+                <a:endParaRPr/>
               </a:p>
             </p:txBody>
           </p:sp>
@@ -9308,7 +9286,7 @@
                 </a:cxnLst>
                 <a:rect l="0" t="0" r="r" b="b"/>
                 <a:pathLst>
-                  <a:path w="21600" h="21600" fill="norm" stroke="1" extrusionOk="0">
+                  <a:path w="21600" h="21600" extrusionOk="0">
                     <a:moveTo>
                       <a:pt x="1662" y="21600"/>
                     </a:moveTo>
@@ -9358,6 +9336,7 @@
                     </a:solidFill>
                   </a:defRPr>
                 </a:pPr>
+                <a:endParaRPr/>
               </a:p>
             </p:txBody>
           </p:sp>
@@ -9392,7 +9371,7 @@
                 </a:cxnLst>
                 <a:rect l="0" t="0" r="r" b="b"/>
                 <a:pathLst>
-                  <a:path w="21600" h="21600" fill="norm" stroke="1" extrusionOk="0">
+                  <a:path w="21600" h="21600" extrusionOk="0">
                     <a:moveTo>
                       <a:pt x="21600" y="21600"/>
                     </a:moveTo>
@@ -9448,6 +9427,7 @@
                     </a:solidFill>
                   </a:defRPr>
                 </a:pPr>
+                <a:endParaRPr/>
               </a:p>
             </p:txBody>
           </p:sp>
@@ -9482,7 +9462,7 @@
                 </a:cxnLst>
                 <a:rect l="0" t="0" r="r" b="b"/>
                 <a:pathLst>
-                  <a:path w="21600" h="21600" fill="norm" stroke="1" extrusionOk="0">
+                  <a:path w="21600" h="21600" extrusionOk="0">
                     <a:moveTo>
                       <a:pt x="21600" y="21600"/>
                     </a:moveTo>
@@ -9538,6 +9518,7 @@
                     </a:solidFill>
                   </a:defRPr>
                 </a:pPr>
+                <a:endParaRPr/>
               </a:p>
             </p:txBody>
           </p:sp>
@@ -9572,7 +9553,7 @@
                 </a:cxnLst>
                 <a:rect l="0" t="0" r="r" b="b"/>
                 <a:pathLst>
-                  <a:path w="21600" h="21600" fill="norm" stroke="1" extrusionOk="0">
+                  <a:path w="21600" h="21600" extrusionOk="0">
                     <a:moveTo>
                       <a:pt x="10800" y="21600"/>
                     </a:moveTo>
@@ -9654,6 +9635,7 @@
                     </a:solidFill>
                   </a:defRPr>
                 </a:pPr>
+                <a:endParaRPr/>
               </a:p>
             </p:txBody>
           </p:sp>
@@ -9701,6 +9683,7 @@
                     </a:solidFill>
                   </a:defRPr>
                 </a:pPr>
+                <a:endParaRPr/>
               </a:p>
             </p:txBody>
           </p:sp>
@@ -9735,7 +9718,7 @@
                 </a:cxnLst>
                 <a:rect l="0" t="0" r="r" b="b"/>
                 <a:pathLst>
-                  <a:path w="21600" h="21600" fill="norm" stroke="1" extrusionOk="0">
+                  <a:path w="21600" h="21600" extrusionOk="0">
                     <a:moveTo>
                       <a:pt x="1391" y="21600"/>
                     </a:moveTo>
@@ -9791,6 +9774,7 @@
                     </a:solidFill>
                   </a:defRPr>
                 </a:pPr>
+                <a:endParaRPr/>
               </a:p>
             </p:txBody>
           </p:sp>
@@ -9825,7 +9809,7 @@
                 </a:cxnLst>
                 <a:rect l="0" t="0" r="r" b="b"/>
                 <a:pathLst>
-                  <a:path w="21600" h="21600" fill="norm" stroke="1" extrusionOk="0">
+                  <a:path w="21600" h="21600" extrusionOk="0">
                     <a:moveTo>
                       <a:pt x="10800" y="21600"/>
                     </a:moveTo>
@@ -9907,6 +9891,7 @@
                     </a:solidFill>
                   </a:defRPr>
                 </a:pPr>
+                <a:endParaRPr/>
               </a:p>
             </p:txBody>
           </p:sp>
@@ -9941,7 +9926,7 @@
                 </a:cxnLst>
                 <a:rect l="0" t="0" r="r" b="b"/>
                 <a:pathLst>
-                  <a:path w="21600" h="21600" fill="norm" stroke="1" extrusionOk="0">
+                  <a:path w="21600" h="21600" extrusionOk="0">
                     <a:moveTo>
                       <a:pt x="21600" y="21600"/>
                     </a:moveTo>
@@ -9997,6 +9982,7 @@
                     </a:solidFill>
                   </a:defRPr>
                 </a:pPr>
+                <a:endParaRPr/>
               </a:p>
             </p:txBody>
           </p:sp>
@@ -10031,7 +10017,7 @@
                 </a:cxnLst>
                 <a:rect l="0" t="0" r="r" b="b"/>
                 <a:pathLst>
-                  <a:path w="21600" h="21600" fill="norm" stroke="1" extrusionOk="0">
+                  <a:path w="21600" h="21600" extrusionOk="0">
                     <a:moveTo>
                       <a:pt x="10800" y="21600"/>
                     </a:moveTo>
@@ -10113,6 +10099,7 @@
                     </a:solidFill>
                   </a:defRPr>
                 </a:pPr>
+                <a:endParaRPr/>
               </a:p>
             </p:txBody>
           </p:sp>
@@ -10147,7 +10134,7 @@
                 </a:cxnLst>
                 <a:rect l="0" t="0" r="r" b="b"/>
                 <a:pathLst>
-                  <a:path w="21600" h="21600" fill="norm" stroke="1" extrusionOk="0">
+                  <a:path w="21600" h="21600" extrusionOk="0">
                     <a:moveTo>
                       <a:pt x="1647" y="21600"/>
                     </a:moveTo>
@@ -10206,6 +10193,7 @@
                     </a:solidFill>
                   </a:defRPr>
                 </a:pPr>
+                <a:endParaRPr/>
               </a:p>
             </p:txBody>
           </p:sp>
@@ -10240,7 +10228,7 @@
                 </a:cxnLst>
                 <a:rect l="0" t="0" r="r" b="b"/>
                 <a:pathLst>
-                  <a:path w="21600" h="21600" fill="norm" stroke="1" extrusionOk="0">
+                  <a:path w="21600" h="21600" extrusionOk="0">
                     <a:moveTo>
                       <a:pt x="3375" y="21600"/>
                     </a:moveTo>
@@ -10296,6 +10284,7 @@
                     </a:solidFill>
                   </a:defRPr>
                 </a:pPr>
+                <a:endParaRPr/>
               </a:p>
             </p:txBody>
           </p:sp>
@@ -10330,7 +10319,7 @@
                 </a:cxnLst>
                 <a:rect l="0" t="0" r="r" b="b"/>
                 <a:pathLst>
-                  <a:path w="21600" h="21600" fill="norm" stroke="1" extrusionOk="0">
+                  <a:path w="21600" h="21600" extrusionOk="0">
                     <a:moveTo>
                       <a:pt x="10800" y="21600"/>
                     </a:moveTo>
@@ -10412,6 +10401,7 @@
                     </a:solidFill>
                   </a:defRPr>
                 </a:pPr>
+                <a:endParaRPr/>
               </a:p>
             </p:txBody>
           </p:sp>
@@ -10446,7 +10436,7 @@
                 </a:cxnLst>
                 <a:rect l="0" t="0" r="r" b="b"/>
                 <a:pathLst>
-                  <a:path w="21600" h="21600" fill="norm" stroke="1" extrusionOk="0">
+                  <a:path w="21600" h="21600" extrusionOk="0">
                     <a:moveTo>
                       <a:pt x="10800" y="21600"/>
                     </a:moveTo>
@@ -10528,6 +10518,7 @@
                     </a:solidFill>
                   </a:defRPr>
                 </a:pPr>
+                <a:endParaRPr/>
               </a:p>
             </p:txBody>
           </p:sp>
@@ -10562,7 +10553,7 @@
                 </a:cxnLst>
                 <a:rect l="0" t="0" r="r" b="b"/>
                 <a:pathLst>
-                  <a:path w="21600" h="21600" fill="norm" stroke="1" extrusionOk="0">
+                  <a:path w="21600" h="21600" extrusionOk="0">
                     <a:moveTo>
                       <a:pt x="1232" y="21600"/>
                     </a:moveTo>
@@ -10621,6 +10612,7 @@
                     </a:solidFill>
                   </a:defRPr>
                 </a:pPr>
+                <a:endParaRPr/>
               </a:p>
             </p:txBody>
           </p:sp>
@@ -10655,7 +10647,7 @@
                 </a:cxnLst>
                 <a:rect l="0" t="0" r="r" b="b"/>
                 <a:pathLst>
-                  <a:path w="20618" h="21600" fill="norm" stroke="1" extrusionOk="0">
+                  <a:path w="20618" h="21600" extrusionOk="0">
                     <a:moveTo>
                       <a:pt x="10473" y="21600"/>
                     </a:moveTo>
@@ -10767,6 +10759,7 @@
                     </a:solidFill>
                   </a:defRPr>
                 </a:pPr>
+                <a:endParaRPr/>
               </a:p>
             </p:txBody>
           </p:sp>
@@ -10816,7 +10809,7 @@
                 </a:cxnLst>
                 <a:rect l="0" t="0" r="r" b="b"/>
                 <a:pathLst>
-                  <a:path w="21600" h="21600" fill="norm" stroke="1" extrusionOk="0">
+                  <a:path w="21600" h="21600" extrusionOk="0">
                     <a:moveTo>
                       <a:pt x="986" y="21600"/>
                     </a:moveTo>
@@ -10876,6 +10869,7 @@
                     </a:solidFill>
                   </a:defRPr>
                 </a:pPr>
+                <a:endParaRPr/>
               </a:p>
             </p:txBody>
           </p:sp>
@@ -10910,7 +10904,7 @@
                 </a:cxnLst>
                 <a:rect l="0" t="0" r="r" b="b"/>
                 <a:pathLst>
-                  <a:path w="20618" h="21600" fill="norm" stroke="1" extrusionOk="0">
+                  <a:path w="20618" h="21600" extrusionOk="0">
                     <a:moveTo>
                       <a:pt x="10145" y="21600"/>
                     </a:moveTo>
@@ -11021,6 +11015,7 @@
                     </a:solidFill>
                   </a:defRPr>
                 </a:pPr>
+                <a:endParaRPr/>
               </a:p>
             </p:txBody>
           </p:sp>
@@ -11055,7 +11050,7 @@
                 </a:cxnLst>
                 <a:rect l="0" t="0" r="r" b="b"/>
                 <a:pathLst>
-                  <a:path w="21600" h="21600" fill="norm" stroke="1" extrusionOk="0">
+                  <a:path w="21600" h="21600" extrusionOk="0">
                     <a:moveTo>
                       <a:pt x="10800" y="21600"/>
                     </a:moveTo>
@@ -11141,6 +11136,7 @@
                     </a:solidFill>
                   </a:defRPr>
                 </a:pPr>
+                <a:endParaRPr/>
               </a:p>
             </p:txBody>
           </p:sp>
@@ -11175,7 +11171,7 @@
                 </a:cxnLst>
                 <a:rect l="0" t="0" r="r" b="b"/>
                 <a:pathLst>
-                  <a:path w="21600" h="21600" fill="norm" stroke="1" extrusionOk="0">
+                  <a:path w="21600" h="21600" extrusionOk="0">
                     <a:moveTo>
                       <a:pt x="1723" y="21600"/>
                     </a:moveTo>
@@ -11235,6 +11231,7 @@
                     </a:solidFill>
                   </a:defRPr>
                 </a:pPr>
+                <a:endParaRPr/>
               </a:p>
             </p:txBody>
           </p:sp>
@@ -11269,7 +11266,7 @@
                 </a:cxnLst>
                 <a:rect l="0" t="0" r="r" b="b"/>
                 <a:pathLst>
-                  <a:path w="21600" h="21600" fill="norm" stroke="1" extrusionOk="0">
+                  <a:path w="21600" h="21600" extrusionOk="0">
                     <a:moveTo>
                       <a:pt x="11127" y="21600"/>
                     </a:moveTo>
@@ -11355,6 +11352,7 @@
                     </a:solidFill>
                   </a:defRPr>
                 </a:pPr>
+                <a:endParaRPr/>
               </a:p>
             </p:txBody>
           </p:sp>
@@ -11389,7 +11387,7 @@
                 </a:cxnLst>
                 <a:rect l="0" t="0" r="r" b="b"/>
                 <a:pathLst>
-                  <a:path w="21600" h="21600" fill="norm" stroke="1" extrusionOk="0">
+                  <a:path w="21600" h="21600" extrusionOk="0">
                     <a:moveTo>
                       <a:pt x="1688" y="21600"/>
                     </a:moveTo>
@@ -11455,6 +11453,7 @@
                     </a:solidFill>
                   </a:defRPr>
                 </a:pPr>
+                <a:endParaRPr/>
               </a:p>
             </p:txBody>
           </p:sp>
@@ -11489,7 +11488,7 @@
                 </a:cxnLst>
                 <a:rect l="0" t="0" r="r" b="b"/>
                 <a:pathLst>
-                  <a:path w="21600" h="21600" fill="norm" stroke="1" extrusionOk="0">
+                  <a:path w="21600" h="21600" extrusionOk="0">
                     <a:moveTo>
                       <a:pt x="10800" y="21600"/>
                     </a:moveTo>
@@ -11575,6 +11574,7 @@
                     </a:solidFill>
                   </a:defRPr>
                 </a:pPr>
+                <a:endParaRPr/>
               </a:p>
             </p:txBody>
           </p:sp>
@@ -11609,7 +11609,7 @@
                 </a:cxnLst>
                 <a:rect l="0" t="0" r="r" b="b"/>
                 <a:pathLst>
-                  <a:path w="21600" h="21600" fill="norm" stroke="1" extrusionOk="0">
+                  <a:path w="21600" h="21600" extrusionOk="0">
                     <a:moveTo>
                       <a:pt x="2004" y="21600"/>
                     </a:moveTo>
@@ -11675,6 +11675,7 @@
                     </a:solidFill>
                   </a:defRPr>
                 </a:pPr>
+                <a:endParaRPr/>
               </a:p>
             </p:txBody>
           </p:sp>
@@ -11709,7 +11710,7 @@
                 </a:cxnLst>
                 <a:rect l="0" t="0" r="r" b="b"/>
                 <a:pathLst>
-                  <a:path w="21600" h="21600" fill="norm" stroke="1" extrusionOk="0">
+                  <a:path w="21600" h="21600" extrusionOk="0">
                     <a:moveTo>
                       <a:pt x="10800" y="21600"/>
                     </a:moveTo>
@@ -11795,6 +11796,7 @@
                     </a:solidFill>
                   </a:defRPr>
                 </a:pPr>
+                <a:endParaRPr/>
               </a:p>
             </p:txBody>
           </p:sp>
@@ -11846,6 +11848,7 @@
                     </a:solidFill>
                   </a:defRPr>
                 </a:pPr>
+                <a:endParaRPr/>
               </a:p>
             </p:txBody>
           </p:sp>
@@ -11854,7 +11857,9 @@
       <p:sp>
         <p:nvSpPr>
           <p:cNvPr id="146" name="Shape 146"/>
-          <p:cNvSpPr/>
+          <p:cNvSpPr>
+            <a:spLocks noGrp="1"/>
+          </p:cNvSpPr>
           <p:nvPr>
             <p:ph type="title"/>
           </p:nvPr>
@@ -11873,14 +11878,14 @@
           <a:lstStyle/>
           <a:p>
             <a:pPr lvl="0">
-              <a:defRPr cap="none" sz="1800">
+              <a:defRPr sz="1800" cap="none">
                 <a:solidFill>
                   <a:srgbClr val="000000"/>
                 </a:solidFill>
               </a:defRPr>
             </a:pPr>
             <a:r>
-              <a:rPr cap="all" sz="3600">
+              <a:rPr sz="3600" cap="all">
                 <a:solidFill>
                   <a:srgbClr val="FFFFFF"/>
                 </a:solidFill>
@@ -11893,7 +11898,9 @@
       <p:sp>
         <p:nvSpPr>
           <p:cNvPr id="147" name="Shape 147"/>
-          <p:cNvSpPr/>
+          <p:cNvSpPr>
+            <a:spLocks noGrp="1"/>
+          </p:cNvSpPr>
           <p:nvPr>
             <p:ph type="body" idx="1"/>
           </p:nvPr>
@@ -11926,11 +11933,6 @@
               </a:rPr>
               <a:t>Texte niveau 1</a:t>
             </a:r>
-            <a:endParaRPr sz="2400">
-              <a:solidFill>
-                <a:srgbClr val="FFFFFF"/>
-              </a:solidFill>
-            </a:endParaRPr>
           </a:p>
           <a:p>
             <a:pPr lvl="1">
@@ -11948,11 +11950,6 @@
               </a:rPr>
               <a:t>Texte niveau 2</a:t>
             </a:r>
-            <a:endParaRPr sz="2400">
-              <a:solidFill>
-                <a:srgbClr val="FFFFFF"/>
-              </a:solidFill>
-            </a:endParaRPr>
           </a:p>
           <a:p>
             <a:pPr lvl="2">
@@ -11970,11 +11967,6 @@
               </a:rPr>
               <a:t>Texte niveau 3</a:t>
             </a:r>
-            <a:endParaRPr sz="2400">
-              <a:solidFill>
-                <a:srgbClr val="FFFFFF"/>
-              </a:solidFill>
-            </a:endParaRPr>
           </a:p>
           <a:p>
             <a:pPr lvl="3">
@@ -11992,11 +11984,6 @@
               </a:rPr>
               <a:t>Texte niveau 4</a:t>
             </a:r>
-            <a:endParaRPr sz="2400">
-              <a:solidFill>
-                <a:srgbClr val="FFFFFF"/>
-              </a:solidFill>
-            </a:endParaRPr>
           </a:p>
           <a:p>
             <a:pPr lvl="4">
@@ -12020,7 +12007,9 @@
       <p:sp>
         <p:nvSpPr>
           <p:cNvPr id="148" name="Shape 148"/>
-          <p:cNvSpPr/>
+          <p:cNvSpPr>
+            <a:spLocks noGrp="1"/>
+          </p:cNvSpPr>
           <p:nvPr>
             <p:ph type="sldNum" sz="quarter" idx="2"/>
           </p:nvPr>
@@ -12035,7 +12024,10 @@
           <a:lstStyle/>
           <a:p>
             <a:pPr lvl="0"/>
-            <a:fld id="{86CB4B4D-7CA3-9044-876B-883B54F8677D}" type="slidenum"/>
+            <a:fld id="{86CB4B4D-7CA3-9044-876B-883B54F8677D}" type="slidenum">
+              <a:t>‹N°›</a:t>
+            </a:fld>
+            <a:endParaRPr/>
           </a:p>
         </p:txBody>
       </p:sp>
@@ -12044,12 +12036,12 @@
   <p:clrMapOvr>
     <a:masterClrMapping/>
   </p:clrMapOvr>
-  <p:transition spd="med" advClick="1"/>
+  <p:transition spd="med"/>
 </p:sldLayout>
 </file>
 
 <file path=ppt/slideLayouts/slideLayout3.xml><?xml version="1.0" encoding="utf-8"?>
-<p:sldLayout xmlns:a="http://schemas.openxmlformats.org/drawingml/2006/main" xmlns:r="http://schemas.openxmlformats.org/officeDocument/2006/relationships" xmlns:p="http://schemas.openxmlformats.org/presentationml/2006/main" type="tx" showMasterSp="1" showMasterPhAnim="1">
+<p:sldLayout xmlns:a="http://schemas.openxmlformats.org/drawingml/2006/main" xmlns:r="http://schemas.openxmlformats.org/officeDocument/2006/relationships" xmlns:p="http://schemas.openxmlformats.org/presentationml/2006/main" type="tx">
   <p:cSld name="Titre de section">
     <p:spTree>
       <p:nvGrpSpPr>
@@ -12068,7 +12060,9 @@
       <p:sp>
         <p:nvSpPr>
           <p:cNvPr id="150" name="Shape 150"/>
-          <p:cNvSpPr/>
+          <p:cNvSpPr>
+            <a:spLocks noGrp="1"/>
+          </p:cNvSpPr>
           <p:nvPr>
             <p:ph type="title"/>
           </p:nvPr>
@@ -12087,14 +12081,14 @@
           <a:lstStyle/>
           <a:p>
             <a:pPr lvl="0">
-              <a:defRPr cap="none" sz="1800">
+              <a:defRPr sz="1800" cap="none">
                 <a:solidFill>
                   <a:srgbClr val="000000"/>
                 </a:solidFill>
               </a:defRPr>
             </a:pPr>
             <a:r>
-              <a:rPr cap="all" sz="3600">
+              <a:rPr sz="3600" cap="all">
                 <a:solidFill>
                   <a:srgbClr val="FFFFFF"/>
                 </a:solidFill>
@@ -12107,7 +12101,9 @@
       <p:sp>
         <p:nvSpPr>
           <p:cNvPr id="151" name="Shape 151"/>
-          <p:cNvSpPr/>
+          <p:cNvSpPr>
+            <a:spLocks noGrp="1"/>
+          </p:cNvSpPr>
           <p:nvPr>
             <p:ph type="body" idx="1"/>
           </p:nvPr>
@@ -12128,31 +12124,31 @@
               <a:buSzTx/>
               <a:buFontTx/>
               <a:buNone/>
-              <a:defRPr cap="all" sz="1800"/>
+              <a:defRPr sz="1800" cap="all"/>
             </a:lvl1pPr>
             <a:lvl2pPr marL="0" indent="457200">
               <a:buSzTx/>
               <a:buFontTx/>
               <a:buNone/>
-              <a:defRPr cap="all" sz="1800"/>
+              <a:defRPr sz="1800" cap="all"/>
             </a:lvl2pPr>
             <a:lvl3pPr marL="0" indent="914400">
               <a:buSzTx/>
               <a:buFontTx/>
               <a:buNone/>
-              <a:defRPr cap="all" sz="1800"/>
+              <a:defRPr sz="1800" cap="all"/>
             </a:lvl3pPr>
             <a:lvl4pPr marL="0" indent="1371600">
               <a:buSzTx/>
               <a:buFontTx/>
               <a:buNone/>
-              <a:defRPr cap="all" sz="1800"/>
+              <a:defRPr sz="1800" cap="all"/>
             </a:lvl4pPr>
             <a:lvl5pPr marL="0" indent="1828800">
               <a:buSzTx/>
               <a:buFontTx/>
               <a:buNone/>
-              <a:defRPr cap="all" sz="1800"/>
+              <a:defRPr sz="1800" cap="all"/>
             </a:lvl5pPr>
           </a:lstStyle>
           <a:p>
@@ -12171,11 +12167,6 @@
               </a:rPr>
               <a:t>Texte niveau 1</a:t>
             </a:r>
-            <a:endParaRPr cap="all">
-              <a:solidFill>
-                <a:srgbClr val="FFFFFF"/>
-              </a:solidFill>
-            </a:endParaRPr>
           </a:p>
           <a:p>
             <a:pPr lvl="1">
@@ -12193,11 +12184,6 @@
               </a:rPr>
               <a:t>Texte niveau 2</a:t>
             </a:r>
-            <a:endParaRPr cap="all">
-              <a:solidFill>
-                <a:srgbClr val="FFFFFF"/>
-              </a:solidFill>
-            </a:endParaRPr>
           </a:p>
           <a:p>
             <a:pPr lvl="2">
@@ -12215,11 +12201,6 @@
               </a:rPr>
               <a:t>Texte niveau 3</a:t>
             </a:r>
-            <a:endParaRPr cap="all">
-              <a:solidFill>
-                <a:srgbClr val="FFFFFF"/>
-              </a:solidFill>
-            </a:endParaRPr>
           </a:p>
           <a:p>
             <a:pPr lvl="3">
@@ -12237,11 +12218,6 @@
               </a:rPr>
               <a:t>Texte niveau 4</a:t>
             </a:r>
-            <a:endParaRPr cap="all">
-              <a:solidFill>
-                <a:srgbClr val="FFFFFF"/>
-              </a:solidFill>
-            </a:endParaRPr>
           </a:p>
           <a:p>
             <a:pPr lvl="4">
@@ -12265,7 +12241,9 @@
       <p:sp>
         <p:nvSpPr>
           <p:cNvPr id="152" name="Shape 152"/>
-          <p:cNvSpPr/>
+          <p:cNvSpPr>
+            <a:spLocks noGrp="1"/>
+          </p:cNvSpPr>
           <p:nvPr>
             <p:ph type="sldNum" sz="quarter" idx="2"/>
           </p:nvPr>
@@ -12280,7 +12258,10 @@
           <a:lstStyle/>
           <a:p>
             <a:pPr lvl="0"/>
-            <a:fld id="{86CB4B4D-7CA3-9044-876B-883B54F8677D}" type="slidenum"/>
+            <a:fld id="{86CB4B4D-7CA3-9044-876B-883B54F8677D}" type="slidenum">
+              <a:t>‹N°›</a:t>
+            </a:fld>
+            <a:endParaRPr/>
           </a:p>
         </p:txBody>
       </p:sp>
@@ -12289,12 +12270,12 @@
   <p:clrMapOvr>
     <a:masterClrMapping/>
   </p:clrMapOvr>
-  <p:transition spd="med" advClick="1"/>
+  <p:transition spd="med"/>
 </p:sldLayout>
 </file>
 
 <file path=ppt/slideLayouts/slideLayout4.xml><?xml version="1.0" encoding="utf-8"?>
-<p:sldLayout xmlns:a="http://schemas.openxmlformats.org/drawingml/2006/main" xmlns:r="http://schemas.openxmlformats.org/officeDocument/2006/relationships" xmlns:p="http://schemas.openxmlformats.org/presentationml/2006/main" type="tx" showMasterSp="1" showMasterPhAnim="1">
+<p:sldLayout xmlns:a="http://schemas.openxmlformats.org/drawingml/2006/main" xmlns:r="http://schemas.openxmlformats.org/officeDocument/2006/relationships" xmlns:p="http://schemas.openxmlformats.org/presentationml/2006/main" type="tx">
   <p:cSld name="Deux contenus">
     <p:spTree>
       <p:nvGrpSpPr>
@@ -12313,7 +12294,9 @@
       <p:sp>
         <p:nvSpPr>
           <p:cNvPr id="154" name="Shape 154"/>
-          <p:cNvSpPr/>
+          <p:cNvSpPr>
+            <a:spLocks noGrp="1"/>
+          </p:cNvSpPr>
           <p:nvPr>
             <p:ph type="title"/>
           </p:nvPr>
@@ -12332,14 +12315,14 @@
           <a:lstStyle/>
           <a:p>
             <a:pPr lvl="0">
-              <a:defRPr cap="none" sz="1800">
+              <a:defRPr sz="1800" cap="none">
                 <a:solidFill>
                   <a:srgbClr val="000000"/>
                 </a:solidFill>
               </a:defRPr>
             </a:pPr>
             <a:r>
-              <a:rPr cap="all" sz="3600">
+              <a:rPr sz="3600" cap="all">
                 <a:solidFill>
                   <a:srgbClr val="FFFFFF"/>
                 </a:solidFill>
@@ -12352,7 +12335,9 @@
       <p:sp>
         <p:nvSpPr>
           <p:cNvPr id="155" name="Shape 155"/>
-          <p:cNvSpPr/>
+          <p:cNvSpPr>
+            <a:spLocks noGrp="1"/>
+          </p:cNvSpPr>
           <p:nvPr>
             <p:ph type="body" idx="1"/>
           </p:nvPr>
@@ -12385,11 +12370,6 @@
               </a:rPr>
               <a:t>Texte niveau 1</a:t>
             </a:r>
-            <a:endParaRPr sz="2400">
-              <a:solidFill>
-                <a:srgbClr val="FFFFFF"/>
-              </a:solidFill>
-            </a:endParaRPr>
           </a:p>
           <a:p>
             <a:pPr lvl="1">
@@ -12407,11 +12387,6 @@
               </a:rPr>
               <a:t>Texte niveau 2</a:t>
             </a:r>
-            <a:endParaRPr sz="2400">
-              <a:solidFill>
-                <a:srgbClr val="FFFFFF"/>
-              </a:solidFill>
-            </a:endParaRPr>
           </a:p>
           <a:p>
             <a:pPr lvl="2">
@@ -12429,11 +12404,6 @@
               </a:rPr>
               <a:t>Texte niveau 3</a:t>
             </a:r>
-            <a:endParaRPr sz="2400">
-              <a:solidFill>
-                <a:srgbClr val="FFFFFF"/>
-              </a:solidFill>
-            </a:endParaRPr>
           </a:p>
           <a:p>
             <a:pPr lvl="3">
@@ -12451,11 +12421,6 @@
               </a:rPr>
               <a:t>Texte niveau 4</a:t>
             </a:r>
-            <a:endParaRPr sz="2400">
-              <a:solidFill>
-                <a:srgbClr val="FFFFFF"/>
-              </a:solidFill>
-            </a:endParaRPr>
           </a:p>
           <a:p>
             <a:pPr lvl="4">
@@ -12479,7 +12444,9 @@
       <p:sp>
         <p:nvSpPr>
           <p:cNvPr id="156" name="Shape 156"/>
-          <p:cNvSpPr/>
+          <p:cNvSpPr>
+            <a:spLocks noGrp="1"/>
+          </p:cNvSpPr>
           <p:nvPr>
             <p:ph type="sldNum" sz="quarter" idx="2"/>
           </p:nvPr>
@@ -12494,7 +12461,10 @@
           <a:lstStyle/>
           <a:p>
             <a:pPr lvl="0"/>
-            <a:fld id="{86CB4B4D-7CA3-9044-876B-883B54F8677D}" type="slidenum"/>
+            <a:fld id="{86CB4B4D-7CA3-9044-876B-883B54F8677D}" type="slidenum">
+              <a:t>‹N°›</a:t>
+            </a:fld>
+            <a:endParaRPr/>
           </a:p>
         </p:txBody>
       </p:sp>
@@ -12503,12 +12473,12 @@
   <p:clrMapOvr>
     <a:masterClrMapping/>
   </p:clrMapOvr>
-  <p:transition spd="med" advClick="1"/>
+  <p:transition spd="med"/>
 </p:sldLayout>
 </file>
 
 <file path=ppt/slideLayouts/slideLayout5.xml><?xml version="1.0" encoding="utf-8"?>
-<p:sldLayout xmlns:a="http://schemas.openxmlformats.org/drawingml/2006/main" xmlns:r="http://schemas.openxmlformats.org/officeDocument/2006/relationships" xmlns:p="http://schemas.openxmlformats.org/presentationml/2006/main" type="tx" showMasterSp="1" showMasterPhAnim="1">
+<p:sldLayout xmlns:a="http://schemas.openxmlformats.org/drawingml/2006/main" xmlns:r="http://schemas.openxmlformats.org/officeDocument/2006/relationships" xmlns:p="http://schemas.openxmlformats.org/presentationml/2006/main" type="tx">
   <p:cSld name="Comparaison">
     <p:spTree>
       <p:nvGrpSpPr>
@@ -12527,7 +12497,9 @@
       <p:sp>
         <p:nvSpPr>
           <p:cNvPr id="158" name="Shape 158"/>
-          <p:cNvSpPr/>
+          <p:cNvSpPr>
+            <a:spLocks noGrp="1"/>
+          </p:cNvSpPr>
           <p:nvPr>
             <p:ph type="title"/>
           </p:nvPr>
@@ -12546,14 +12518,14 @@
           <a:lstStyle/>
           <a:p>
             <a:pPr lvl="0">
-              <a:defRPr cap="none" sz="1800">
+              <a:defRPr sz="1800" cap="none">
                 <a:solidFill>
                   <a:srgbClr val="000000"/>
                 </a:solidFill>
               </a:defRPr>
             </a:pPr>
             <a:r>
-              <a:rPr cap="all" sz="3600">
+              <a:rPr sz="3600" cap="all">
                 <a:solidFill>
                   <a:srgbClr val="FFFFFF"/>
                 </a:solidFill>
@@ -12566,7 +12538,9 @@
       <p:sp>
         <p:nvSpPr>
           <p:cNvPr id="159" name="Shape 159"/>
-          <p:cNvSpPr/>
+          <p:cNvSpPr>
+            <a:spLocks noGrp="1"/>
+          </p:cNvSpPr>
           <p:nvPr>
             <p:ph type="body" idx="1"/>
           </p:nvPr>
@@ -12631,102 +12605,82 @@
           </a:lstStyle>
           <a:p>
             <a:pPr lvl="0">
-              <a:defRPr cap="none" sz="1800">
+              <a:defRPr sz="1800" cap="none">
                 <a:solidFill>
                   <a:srgbClr val="000000"/>
                 </a:solidFill>
               </a:defRPr>
             </a:pPr>
             <a:r>
-              <a:rPr cap="all" sz="2400">
+              <a:rPr sz="2400" cap="all">
                 <a:solidFill>
                   <a:srgbClr val="FFFFFF"/>
                 </a:solidFill>
               </a:rPr>
               <a:t>Texte niveau 1</a:t>
             </a:r>
-            <a:endParaRPr cap="all" sz="2400">
-              <a:solidFill>
-                <a:srgbClr val="FFFFFF"/>
-              </a:solidFill>
-            </a:endParaRPr>
           </a:p>
           <a:p>
             <a:pPr lvl="1">
-              <a:defRPr cap="none" sz="1800">
+              <a:defRPr sz="1800" cap="none">
                 <a:solidFill>
                   <a:srgbClr val="000000"/>
                 </a:solidFill>
               </a:defRPr>
             </a:pPr>
             <a:r>
-              <a:rPr cap="all" sz="2400">
+              <a:rPr sz="2400" cap="all">
                 <a:solidFill>
                   <a:srgbClr val="FFFFFF"/>
                 </a:solidFill>
               </a:rPr>
               <a:t>Texte niveau 2</a:t>
             </a:r>
-            <a:endParaRPr cap="all" sz="2400">
-              <a:solidFill>
-                <a:srgbClr val="FFFFFF"/>
-              </a:solidFill>
-            </a:endParaRPr>
           </a:p>
           <a:p>
             <a:pPr lvl="2">
-              <a:defRPr cap="none" sz="1800">
+              <a:defRPr sz="1800" cap="none">
                 <a:solidFill>
                   <a:srgbClr val="000000"/>
                 </a:solidFill>
               </a:defRPr>
             </a:pPr>
             <a:r>
-              <a:rPr cap="all" sz="2400">
+              <a:rPr sz="2400" cap="all">
                 <a:solidFill>
                   <a:srgbClr val="FFFFFF"/>
                 </a:solidFill>
               </a:rPr>
               <a:t>Texte niveau 3</a:t>
             </a:r>
-            <a:endParaRPr cap="all" sz="2400">
-              <a:solidFill>
-                <a:srgbClr val="FFFFFF"/>
-              </a:solidFill>
-            </a:endParaRPr>
           </a:p>
           <a:p>
             <a:pPr lvl="3">
-              <a:defRPr cap="none" sz="1800">
+              <a:defRPr sz="1800" cap="none">
                 <a:solidFill>
                   <a:srgbClr val="000000"/>
                 </a:solidFill>
               </a:defRPr>
             </a:pPr>
             <a:r>
-              <a:rPr cap="all" sz="2400">
+              <a:rPr sz="2400" cap="all">
                 <a:solidFill>
                   <a:srgbClr val="FFFFFF"/>
                 </a:solidFill>
               </a:rPr>
               <a:t>Texte niveau 4</a:t>
             </a:r>
-            <a:endParaRPr cap="all" sz="2400">
-              <a:solidFill>
-                <a:srgbClr val="FFFFFF"/>
-              </a:solidFill>
-            </a:endParaRPr>
           </a:p>
           <a:p>
             <a:pPr lvl="4">
-              <a:defRPr cap="none" sz="1800">
+              <a:defRPr sz="1800" cap="none">
                 <a:solidFill>
                   <a:srgbClr val="000000"/>
                 </a:solidFill>
               </a:defRPr>
             </a:pPr>
             <a:r>
-              <a:rPr cap="all" sz="2400">
+              <a:rPr sz="2400" cap="all">
                 <a:solidFill>
                   <a:srgbClr val="FFFFFF"/>
                 </a:solidFill>
@@ -12739,7 +12693,9 @@
       <p:sp>
         <p:nvSpPr>
           <p:cNvPr id="160" name="Shape 160"/>
-          <p:cNvSpPr/>
+          <p:cNvSpPr>
+            <a:spLocks noGrp="1"/>
+          </p:cNvSpPr>
           <p:nvPr>
             <p:ph type="sldNum" sz="quarter" idx="2"/>
           </p:nvPr>
@@ -12754,7 +12710,10 @@
           <a:lstStyle/>
           <a:p>
             <a:pPr lvl="0"/>
-            <a:fld id="{86CB4B4D-7CA3-9044-876B-883B54F8677D}" type="slidenum"/>
+            <a:fld id="{86CB4B4D-7CA3-9044-876B-883B54F8677D}" type="slidenum">
+              <a:t>‹N°›</a:t>
+            </a:fld>
+            <a:endParaRPr/>
           </a:p>
         </p:txBody>
       </p:sp>
@@ -12763,12 +12722,12 @@
   <p:clrMapOvr>
     <a:masterClrMapping/>
   </p:clrMapOvr>
-  <p:transition spd="med" advClick="1"/>
+  <p:transition spd="med"/>
 </p:sldLayout>
 </file>
 
 <file path=ppt/slideLayouts/slideLayout6.xml><?xml version="1.0" encoding="utf-8"?>
-<p:sldLayout xmlns:a="http://schemas.openxmlformats.org/drawingml/2006/main" xmlns:r="http://schemas.openxmlformats.org/officeDocument/2006/relationships" xmlns:p="http://schemas.openxmlformats.org/presentationml/2006/main" type="tx" showMasterSp="1" showMasterPhAnim="1">
+<p:sldLayout xmlns:a="http://schemas.openxmlformats.org/drawingml/2006/main" xmlns:r="http://schemas.openxmlformats.org/officeDocument/2006/relationships" xmlns:p="http://schemas.openxmlformats.org/presentationml/2006/main" type="tx">
   <p:cSld name="Titre seul">
     <p:spTree>
       <p:nvGrpSpPr>
@@ -12787,7 +12746,9 @@
       <p:sp>
         <p:nvSpPr>
           <p:cNvPr id="162" name="Shape 162"/>
-          <p:cNvSpPr/>
+          <p:cNvSpPr>
+            <a:spLocks noGrp="1"/>
+          </p:cNvSpPr>
           <p:nvPr>
             <p:ph type="title"/>
           </p:nvPr>
@@ -12806,14 +12767,14 @@
           <a:lstStyle/>
           <a:p>
             <a:pPr lvl="0">
-              <a:defRPr cap="none" sz="1800">
+              <a:defRPr sz="1800" cap="none">
                 <a:solidFill>
                   <a:srgbClr val="000000"/>
                 </a:solidFill>
               </a:defRPr>
             </a:pPr>
             <a:r>
-              <a:rPr cap="all" sz="3600">
+              <a:rPr sz="3600" cap="all">
                 <a:solidFill>
                   <a:srgbClr val="FFFFFF"/>
                 </a:solidFill>
@@ -12826,7 +12787,9 @@
       <p:sp>
         <p:nvSpPr>
           <p:cNvPr id="163" name="Shape 163"/>
-          <p:cNvSpPr/>
+          <p:cNvSpPr>
+            <a:spLocks noGrp="1"/>
+          </p:cNvSpPr>
           <p:nvPr>
             <p:ph type="sldNum" sz="quarter" idx="2"/>
           </p:nvPr>
@@ -12841,7 +12804,10 @@
           <a:lstStyle/>
           <a:p>
             <a:pPr lvl="0"/>
-            <a:fld id="{86CB4B4D-7CA3-9044-876B-883B54F8677D}" type="slidenum"/>
+            <a:fld id="{86CB4B4D-7CA3-9044-876B-883B54F8677D}" type="slidenum">
+              <a:t>‹N°›</a:t>
+            </a:fld>
+            <a:endParaRPr/>
           </a:p>
         </p:txBody>
       </p:sp>
@@ -12850,12 +12816,12 @@
   <p:clrMapOvr>
     <a:masterClrMapping/>
   </p:clrMapOvr>
-  <p:transition spd="med" advClick="1"/>
+  <p:transition spd="med"/>
 </p:sldLayout>
 </file>
 
 <file path=ppt/slideLayouts/slideLayout7.xml><?xml version="1.0" encoding="utf-8"?>
-<p:sldLayout xmlns:a="http://schemas.openxmlformats.org/drawingml/2006/main" xmlns:r="http://schemas.openxmlformats.org/officeDocument/2006/relationships" xmlns:p="http://schemas.openxmlformats.org/presentationml/2006/main" type="tx" showMasterSp="1" showMasterPhAnim="1">
+<p:sldLayout xmlns:a="http://schemas.openxmlformats.org/drawingml/2006/main" xmlns:r="http://schemas.openxmlformats.org/officeDocument/2006/relationships" xmlns:p="http://schemas.openxmlformats.org/presentationml/2006/main" type="tx">
   <p:cSld name="Vide">
     <p:spTree>
       <p:nvGrpSpPr>
@@ -12874,7 +12840,9 @@
       <p:sp>
         <p:nvSpPr>
           <p:cNvPr id="165" name="Shape 165"/>
-          <p:cNvSpPr/>
+          <p:cNvSpPr>
+            <a:spLocks noGrp="1"/>
+          </p:cNvSpPr>
           <p:nvPr>
             <p:ph type="sldNum" sz="quarter" idx="2"/>
           </p:nvPr>
@@ -12889,7 +12857,10 @@
           <a:lstStyle/>
           <a:p>
             <a:pPr lvl="0"/>
-            <a:fld id="{86CB4B4D-7CA3-9044-876B-883B54F8677D}" type="slidenum"/>
+            <a:fld id="{86CB4B4D-7CA3-9044-876B-883B54F8677D}" type="slidenum">
+              <a:t>‹N°›</a:t>
+            </a:fld>
+            <a:endParaRPr/>
           </a:p>
         </p:txBody>
       </p:sp>
@@ -12898,12 +12869,12 @@
   <p:clrMapOvr>
     <a:masterClrMapping/>
   </p:clrMapOvr>
-  <p:transition spd="med" advClick="1"/>
+  <p:transition spd="med"/>
 </p:sldLayout>
 </file>
 
 <file path=ppt/slideLayouts/slideLayout8.xml><?xml version="1.0" encoding="utf-8"?>
-<p:sldLayout xmlns:a="http://schemas.openxmlformats.org/drawingml/2006/main" xmlns:r="http://schemas.openxmlformats.org/officeDocument/2006/relationships" xmlns:p="http://schemas.openxmlformats.org/presentationml/2006/main" type="tx" showMasterSp="1" showMasterPhAnim="1">
+<p:sldLayout xmlns:a="http://schemas.openxmlformats.org/drawingml/2006/main" xmlns:r="http://schemas.openxmlformats.org/officeDocument/2006/relationships" xmlns:p="http://schemas.openxmlformats.org/presentationml/2006/main" type="tx">
   <p:cSld name="Contenu avec légende">
     <p:spTree>
       <p:nvGrpSpPr>
@@ -12922,7 +12893,9 @@
       <p:sp>
         <p:nvSpPr>
           <p:cNvPr id="167" name="Shape 167"/>
-          <p:cNvSpPr/>
+          <p:cNvSpPr>
+            <a:spLocks noGrp="1"/>
+          </p:cNvSpPr>
           <p:nvPr>
             <p:ph type="title"/>
           </p:nvPr>
@@ -12945,14 +12918,14 @@
           </a:lstStyle>
           <a:p>
             <a:pPr lvl="0">
-              <a:defRPr cap="none" sz="1800">
+              <a:defRPr sz="1800" cap="none">
                 <a:solidFill>
                   <a:srgbClr val="000000"/>
                 </a:solidFill>
               </a:defRPr>
             </a:pPr>
             <a:r>
-              <a:rPr cap="all" sz="3200">
+              <a:rPr sz="3200" cap="all">
                 <a:solidFill>
                   <a:srgbClr val="FFFFFF"/>
                 </a:solidFill>
@@ -12965,7 +12938,9 @@
       <p:sp>
         <p:nvSpPr>
           <p:cNvPr id="168" name="Shape 168"/>
-          <p:cNvSpPr/>
+          <p:cNvSpPr>
+            <a:spLocks noGrp="1"/>
+          </p:cNvSpPr>
           <p:nvPr>
             <p:ph type="body" idx="1"/>
           </p:nvPr>
@@ -12998,11 +12973,6 @@
               </a:rPr>
               <a:t>Texte niveau 1</a:t>
             </a:r>
-            <a:endParaRPr sz="2400">
-              <a:solidFill>
-                <a:srgbClr val="FFFFFF"/>
-              </a:solidFill>
-            </a:endParaRPr>
           </a:p>
           <a:p>
             <a:pPr lvl="1">
@@ -13020,11 +12990,6 @@
               </a:rPr>
               <a:t>Texte niveau 2</a:t>
             </a:r>
-            <a:endParaRPr sz="2400">
-              <a:solidFill>
-                <a:srgbClr val="FFFFFF"/>
-              </a:solidFill>
-            </a:endParaRPr>
           </a:p>
           <a:p>
             <a:pPr lvl="2">
@@ -13042,11 +13007,6 @@
               </a:rPr>
               <a:t>Texte niveau 3</a:t>
             </a:r>
-            <a:endParaRPr sz="2400">
-              <a:solidFill>
-                <a:srgbClr val="FFFFFF"/>
-              </a:solidFill>
-            </a:endParaRPr>
           </a:p>
           <a:p>
             <a:pPr lvl="3">
@@ -13064,11 +13024,6 @@
               </a:rPr>
               <a:t>Texte niveau 4</a:t>
             </a:r>
-            <a:endParaRPr sz="2400">
-              <a:solidFill>
-                <a:srgbClr val="FFFFFF"/>
-              </a:solidFill>
-            </a:endParaRPr>
           </a:p>
           <a:p>
             <a:pPr lvl="4">
@@ -13092,7 +13047,9 @@
       <p:sp>
         <p:nvSpPr>
           <p:cNvPr id="169" name="Shape 169"/>
-          <p:cNvSpPr/>
+          <p:cNvSpPr>
+            <a:spLocks noGrp="1"/>
+          </p:cNvSpPr>
           <p:nvPr>
             <p:ph type="sldNum" sz="quarter" idx="2"/>
           </p:nvPr>
@@ -13107,7 +13064,10 @@
           <a:lstStyle/>
           <a:p>
             <a:pPr lvl="0"/>
-            <a:fld id="{86CB4B4D-7CA3-9044-876B-883B54F8677D}" type="slidenum"/>
+            <a:fld id="{86CB4B4D-7CA3-9044-876B-883B54F8677D}" type="slidenum">
+              <a:t>‹N°›</a:t>
+            </a:fld>
+            <a:endParaRPr/>
           </a:p>
         </p:txBody>
       </p:sp>
@@ -13116,12 +13076,12 @@
   <p:clrMapOvr>
     <a:masterClrMapping/>
   </p:clrMapOvr>
-  <p:transition spd="med" advClick="1"/>
+  <p:transition spd="med"/>
 </p:sldLayout>
 </file>
 
 <file path=ppt/slideLayouts/slideLayout9.xml><?xml version="1.0" encoding="utf-8"?>
-<p:sldLayout xmlns:a="http://schemas.openxmlformats.org/drawingml/2006/main" xmlns:r="http://schemas.openxmlformats.org/officeDocument/2006/relationships" xmlns:p="http://schemas.openxmlformats.org/presentationml/2006/main" type="tx" showMasterSp="1" showMasterPhAnim="1">
+<p:sldLayout xmlns:a="http://schemas.openxmlformats.org/drawingml/2006/main" xmlns:r="http://schemas.openxmlformats.org/officeDocument/2006/relationships" xmlns:p="http://schemas.openxmlformats.org/presentationml/2006/main" type="tx">
   <p:cSld name="Image avec légende">
     <p:spTree>
       <p:nvGrpSpPr>
@@ -13140,7 +13100,9 @@
       <p:sp>
         <p:nvSpPr>
           <p:cNvPr id="171" name="Shape 171"/>
-          <p:cNvSpPr/>
+          <p:cNvSpPr>
+            <a:spLocks noGrp="1"/>
+          </p:cNvSpPr>
           <p:nvPr>
             <p:ph type="title"/>
           </p:nvPr>
@@ -13163,14 +13125,14 @@
           </a:lstStyle>
           <a:p>
             <a:pPr lvl="0">
-              <a:defRPr cap="none" sz="1800">
+              <a:defRPr sz="1800" cap="none">
                 <a:solidFill>
                   <a:srgbClr val="000000"/>
                 </a:solidFill>
               </a:defRPr>
             </a:pPr>
             <a:r>
-              <a:rPr cap="all" sz="3200">
+              <a:rPr sz="3200" cap="all">
                 <a:solidFill>
                   <a:srgbClr val="FFFFFF"/>
                 </a:solidFill>
@@ -13183,7 +13145,9 @@
       <p:sp>
         <p:nvSpPr>
           <p:cNvPr id="172" name="Shape 172"/>
-          <p:cNvSpPr/>
+          <p:cNvSpPr>
+            <a:spLocks noGrp="1"/>
+          </p:cNvSpPr>
           <p:nvPr>
             <p:ph type="body" idx="1"/>
           </p:nvPr>
@@ -13247,11 +13211,6 @@
               </a:rPr>
               <a:t>Texte niveau 1</a:t>
             </a:r>
-            <a:endParaRPr sz="1600">
-              <a:solidFill>
-                <a:srgbClr val="FFFFFF"/>
-              </a:solidFill>
-            </a:endParaRPr>
           </a:p>
           <a:p>
             <a:pPr lvl="1">
@@ -13269,11 +13228,6 @@
               </a:rPr>
               <a:t>Texte niveau 2</a:t>
             </a:r>
-            <a:endParaRPr sz="1600">
-              <a:solidFill>
-                <a:srgbClr val="FFFFFF"/>
-              </a:solidFill>
-            </a:endParaRPr>
           </a:p>
           <a:p>
             <a:pPr lvl="2">
@@ -13291,11 +13245,6 @@
               </a:rPr>
               <a:t>Texte niveau 3</a:t>
             </a:r>
-            <a:endParaRPr sz="1600">
-              <a:solidFill>
-                <a:srgbClr val="FFFFFF"/>
-              </a:solidFill>
-            </a:endParaRPr>
           </a:p>
           <a:p>
             <a:pPr lvl="3">
@@ -13313,11 +13262,6 @@
               </a:rPr>
               <a:t>Texte niveau 4</a:t>
             </a:r>
-            <a:endParaRPr sz="1600">
-              <a:solidFill>
-                <a:srgbClr val="FFFFFF"/>
-              </a:solidFill>
-            </a:endParaRPr>
           </a:p>
           <a:p>
             <a:pPr lvl="4">
@@ -13341,7 +13285,9 @@
       <p:sp>
         <p:nvSpPr>
           <p:cNvPr id="173" name="Shape 173"/>
-          <p:cNvSpPr/>
+          <p:cNvSpPr>
+            <a:spLocks noGrp="1"/>
+          </p:cNvSpPr>
           <p:nvPr>
             <p:ph type="sldNum" sz="quarter" idx="2"/>
           </p:nvPr>
@@ -13356,7 +13302,10 @@
           <a:lstStyle/>
           <a:p>
             <a:pPr lvl="0"/>
-            <a:fld id="{86CB4B4D-7CA3-9044-876B-883B54F8677D}" type="slidenum"/>
+            <a:fld id="{86CB4B4D-7CA3-9044-876B-883B54F8677D}" type="slidenum">
+              <a:t>‹N°›</a:t>
+            </a:fld>
+            <a:endParaRPr/>
           </a:p>
         </p:txBody>
       </p:sp>
@@ -13365,7 +13314,7 @@
   <p:clrMapOvr>
     <a:masterClrMapping/>
   </p:clrMapOvr>
-  <p:transition spd="med" advClick="1"/>
+  <p:transition spd="med"/>
 </p:sldLayout>
 </file>
 
@@ -13375,12 +13324,13 @@
     <p:bg>
       <p:bgPr>
         <a:blipFill rotWithShape="1">
-          <a:blip r:embed="rId2"/>
-          <a:srcRect l="0" t="0" r="0" b="0"/>
+          <a:blip r:embed="rId19"/>
+          <a:srcRect/>
           <a:stretch>
             <a:fillRect/>
           </a:stretch>
         </a:blipFill>
+        <a:effectLst/>
       </p:bgPr>
     </p:bg>
     <p:spTree>
@@ -13404,7 +13354,7 @@
           <p:nvPr/>
         </p:nvPicPr>
         <p:blipFill>
-          <a:blip r:embed="rId3">
+          <a:blip r:embed="rId20">
             <a:extLst/>
           </a:blip>
           <a:stretch>
@@ -13496,6 +13446,7 @@
                     </a:solidFill>
                   </a:defRPr>
                 </a:pPr>
+                <a:endParaRPr/>
               </a:p>
             </p:txBody>
           </p:sp>
@@ -13530,7 +13481,7 @@
                 </a:cxnLst>
                 <a:rect l="0" t="0" r="r" b="b"/>
                 <a:pathLst>
-                  <a:path w="21600" h="21600" fill="norm" stroke="1" extrusionOk="0">
+                  <a:path w="21600" h="21600" extrusionOk="0">
                     <a:moveTo>
                       <a:pt x="10800" y="21600"/>
                     </a:moveTo>
@@ -13612,6 +13563,7 @@
                     </a:solidFill>
                   </a:defRPr>
                 </a:pPr>
+                <a:endParaRPr/>
               </a:p>
             </p:txBody>
           </p:sp>
@@ -13646,7 +13598,7 @@
                 </a:cxnLst>
                 <a:rect l="0" t="0" r="r" b="b"/>
                 <a:pathLst>
-                  <a:path w="21600" h="21600" fill="norm" stroke="1" extrusionOk="0">
+                  <a:path w="21600" h="21600" extrusionOk="0">
                     <a:moveTo>
                       <a:pt x="10800" y="21600"/>
                     </a:moveTo>
@@ -13728,6 +13680,7 @@
                     </a:solidFill>
                   </a:defRPr>
                 </a:pPr>
+                <a:endParaRPr/>
               </a:p>
             </p:txBody>
           </p:sp>
@@ -13762,7 +13715,7 @@
                 </a:cxnLst>
                 <a:rect l="0" t="0" r="r" b="b"/>
                 <a:pathLst>
-                  <a:path w="21600" h="21600" fill="norm" stroke="1" extrusionOk="0">
+                  <a:path w="21600" h="21600" extrusionOk="0">
                     <a:moveTo>
                       <a:pt x="20209" y="21600"/>
                     </a:moveTo>
@@ -13818,6 +13771,7 @@
                     </a:solidFill>
                   </a:defRPr>
                 </a:pPr>
+                <a:endParaRPr/>
               </a:p>
             </p:txBody>
           </p:sp>
@@ -13852,7 +13806,7 @@
                 </a:cxnLst>
                 <a:rect l="0" t="0" r="r" b="b"/>
                 <a:pathLst>
-                  <a:path w="21600" h="21600" fill="norm" stroke="1" extrusionOk="0">
+                  <a:path w="21600" h="21600" extrusionOk="0">
                     <a:moveTo>
                       <a:pt x="10800" y="21600"/>
                     </a:moveTo>
@@ -13934,6 +13888,7 @@
                     </a:solidFill>
                   </a:defRPr>
                 </a:pPr>
+                <a:endParaRPr/>
               </a:p>
             </p:txBody>
           </p:sp>
@@ -13968,7 +13923,7 @@
                 </a:cxnLst>
                 <a:rect l="0" t="0" r="r" b="b"/>
                 <a:pathLst>
-                  <a:path w="21600" h="21600" fill="norm" stroke="1" extrusionOk="0">
+                  <a:path w="21600" h="21600" extrusionOk="0">
                     <a:moveTo>
                       <a:pt x="20488" y="21600"/>
                     </a:moveTo>
@@ -14024,6 +13979,7 @@
                     </a:solidFill>
                   </a:defRPr>
                 </a:pPr>
+                <a:endParaRPr/>
               </a:p>
             </p:txBody>
           </p:sp>
@@ -14058,7 +14014,7 @@
                 </a:cxnLst>
                 <a:rect l="0" t="0" r="r" b="b"/>
                 <a:pathLst>
-                  <a:path w="21600" h="21600" fill="norm" stroke="1" extrusionOk="0">
+                  <a:path w="21600" h="21600" extrusionOk="0">
                     <a:moveTo>
                       <a:pt x="21600" y="21600"/>
                     </a:moveTo>
@@ -14114,6 +14070,7 @@
                     </a:solidFill>
                   </a:defRPr>
                 </a:pPr>
+                <a:endParaRPr/>
               </a:p>
             </p:txBody>
           </p:sp>
@@ -14148,7 +14105,7 @@
                 </a:cxnLst>
                 <a:rect l="0" t="0" r="r" b="b"/>
                 <a:pathLst>
-                  <a:path w="21600" h="21600" fill="norm" stroke="1" extrusionOk="0">
+                  <a:path w="21600" h="21600" extrusionOk="0">
                     <a:moveTo>
                       <a:pt x="10800" y="21600"/>
                     </a:moveTo>
@@ -14230,6 +14187,7 @@
                     </a:solidFill>
                   </a:defRPr>
                 </a:pPr>
+                <a:endParaRPr/>
               </a:p>
             </p:txBody>
           </p:sp>
@@ -14264,7 +14222,7 @@
                 </a:cxnLst>
                 <a:rect l="0" t="0" r="r" b="b"/>
                 <a:pathLst>
-                  <a:path w="21600" h="21600" fill="norm" stroke="1" extrusionOk="0">
+                  <a:path w="21600" h="21600" extrusionOk="0">
                     <a:moveTo>
                       <a:pt x="10800" y="21600"/>
                     </a:moveTo>
@@ -14346,6 +14304,7 @@
                     </a:solidFill>
                   </a:defRPr>
                 </a:pPr>
+                <a:endParaRPr/>
               </a:p>
             </p:txBody>
           </p:sp>
@@ -14380,7 +14339,7 @@
                 </a:cxnLst>
                 <a:rect l="0" t="0" r="r" b="b"/>
                 <a:pathLst>
-                  <a:path w="21600" h="21600" fill="norm" stroke="1" extrusionOk="0">
+                  <a:path w="21600" h="21600" extrusionOk="0">
                     <a:moveTo>
                       <a:pt x="20869" y="21600"/>
                     </a:moveTo>
@@ -14436,6 +14395,7 @@
                     </a:solidFill>
                   </a:defRPr>
                 </a:pPr>
+                <a:endParaRPr/>
               </a:p>
             </p:txBody>
           </p:sp>
@@ -14470,7 +14430,7 @@
                 </a:cxnLst>
                 <a:rect l="0" t="0" r="r" b="b"/>
                 <a:pathLst>
-                  <a:path w="19694" h="21600" fill="norm" stroke="1" extrusionOk="0">
+                  <a:path w="19694" h="21600" extrusionOk="0">
                     <a:moveTo>
                       <a:pt x="9847" y="21600"/>
                     </a:moveTo>
@@ -14572,6 +14532,7 @@
                     </a:solidFill>
                   </a:defRPr>
                 </a:pPr>
+                <a:endParaRPr/>
               </a:p>
             </p:txBody>
           </p:sp>
@@ -14606,7 +14567,7 @@
                 </a:cxnLst>
                 <a:rect l="0" t="0" r="r" b="b"/>
                 <a:pathLst>
-                  <a:path w="21600" h="21600" fill="norm" stroke="1" extrusionOk="0">
+                  <a:path w="21600" h="21600" extrusionOk="0">
                     <a:moveTo>
                       <a:pt x="1662" y="21600"/>
                     </a:moveTo>
@@ -14656,6 +14617,7 @@
                     </a:solidFill>
                   </a:defRPr>
                 </a:pPr>
+                <a:endParaRPr/>
               </a:p>
             </p:txBody>
           </p:sp>
@@ -14690,7 +14652,7 @@
                 </a:cxnLst>
                 <a:rect l="0" t="0" r="r" b="b"/>
                 <a:pathLst>
-                  <a:path w="21600" h="21600" fill="norm" stroke="1" extrusionOk="0">
+                  <a:path w="21600" h="21600" extrusionOk="0">
                     <a:moveTo>
                       <a:pt x="21600" y="21600"/>
                     </a:moveTo>
@@ -14746,6 +14708,7 @@
                     </a:solidFill>
                   </a:defRPr>
                 </a:pPr>
+                <a:endParaRPr/>
               </a:p>
             </p:txBody>
           </p:sp>
@@ -14780,7 +14743,7 @@
                 </a:cxnLst>
                 <a:rect l="0" t="0" r="r" b="b"/>
                 <a:pathLst>
-                  <a:path w="21600" h="21600" fill="norm" stroke="1" extrusionOk="0">
+                  <a:path w="21600" h="21600" extrusionOk="0">
                     <a:moveTo>
                       <a:pt x="21600" y="21600"/>
                     </a:moveTo>
@@ -14836,6 +14799,7 @@
                     </a:solidFill>
                   </a:defRPr>
                 </a:pPr>
+                <a:endParaRPr/>
               </a:p>
             </p:txBody>
           </p:sp>
@@ -14870,7 +14834,7 @@
                 </a:cxnLst>
                 <a:rect l="0" t="0" r="r" b="b"/>
                 <a:pathLst>
-                  <a:path w="21600" h="21600" fill="norm" stroke="1" extrusionOk="0">
+                  <a:path w="21600" h="21600" extrusionOk="0">
                     <a:moveTo>
                       <a:pt x="10800" y="21600"/>
                     </a:moveTo>
@@ -14952,6 +14916,7 @@
                     </a:solidFill>
                   </a:defRPr>
                 </a:pPr>
+                <a:endParaRPr/>
               </a:p>
             </p:txBody>
           </p:sp>
@@ -14999,6 +14964,7 @@
                     </a:solidFill>
                   </a:defRPr>
                 </a:pPr>
+                <a:endParaRPr/>
               </a:p>
             </p:txBody>
           </p:sp>
@@ -15033,7 +14999,7 @@
                 </a:cxnLst>
                 <a:rect l="0" t="0" r="r" b="b"/>
                 <a:pathLst>
-                  <a:path w="21600" h="21600" fill="norm" stroke="1" extrusionOk="0">
+                  <a:path w="21600" h="21600" extrusionOk="0">
                     <a:moveTo>
                       <a:pt x="1391" y="21600"/>
                     </a:moveTo>
@@ -15089,6 +15055,7 @@
                     </a:solidFill>
                   </a:defRPr>
                 </a:pPr>
+                <a:endParaRPr/>
               </a:p>
             </p:txBody>
           </p:sp>
@@ -15123,7 +15090,7 @@
                 </a:cxnLst>
                 <a:rect l="0" t="0" r="r" b="b"/>
                 <a:pathLst>
-                  <a:path w="21600" h="21600" fill="norm" stroke="1" extrusionOk="0">
+                  <a:path w="21600" h="21600" extrusionOk="0">
                     <a:moveTo>
                       <a:pt x="10800" y="21600"/>
                     </a:moveTo>
@@ -15205,6 +15172,7 @@
                     </a:solidFill>
                   </a:defRPr>
                 </a:pPr>
+                <a:endParaRPr/>
               </a:p>
             </p:txBody>
           </p:sp>
@@ -15239,7 +15207,7 @@
                 </a:cxnLst>
                 <a:rect l="0" t="0" r="r" b="b"/>
                 <a:pathLst>
-                  <a:path w="21600" h="21600" fill="norm" stroke="1" extrusionOk="0">
+                  <a:path w="21600" h="21600" extrusionOk="0">
                     <a:moveTo>
                       <a:pt x="21600" y="21600"/>
                     </a:moveTo>
@@ -15295,6 +15263,7 @@
                     </a:solidFill>
                   </a:defRPr>
                 </a:pPr>
+                <a:endParaRPr/>
               </a:p>
             </p:txBody>
           </p:sp>
@@ -15329,7 +15298,7 @@
                 </a:cxnLst>
                 <a:rect l="0" t="0" r="r" b="b"/>
                 <a:pathLst>
-                  <a:path w="21600" h="21600" fill="norm" stroke="1" extrusionOk="0">
+                  <a:path w="21600" h="21600" extrusionOk="0">
                     <a:moveTo>
                       <a:pt x="10800" y="21600"/>
                     </a:moveTo>
@@ -15411,6 +15380,7 @@
                     </a:solidFill>
                   </a:defRPr>
                 </a:pPr>
+                <a:endParaRPr/>
               </a:p>
             </p:txBody>
           </p:sp>
@@ -15445,7 +15415,7 @@
                 </a:cxnLst>
                 <a:rect l="0" t="0" r="r" b="b"/>
                 <a:pathLst>
-                  <a:path w="21600" h="21600" fill="norm" stroke="1" extrusionOk="0">
+                  <a:path w="21600" h="21600" extrusionOk="0">
                     <a:moveTo>
                       <a:pt x="1647" y="21600"/>
                     </a:moveTo>
@@ -15504,6 +15474,7 @@
                     </a:solidFill>
                   </a:defRPr>
                 </a:pPr>
+                <a:endParaRPr/>
               </a:p>
             </p:txBody>
           </p:sp>
@@ -15538,7 +15509,7 @@
                 </a:cxnLst>
                 <a:rect l="0" t="0" r="r" b="b"/>
                 <a:pathLst>
-                  <a:path w="21600" h="21600" fill="norm" stroke="1" extrusionOk="0">
+                  <a:path w="21600" h="21600" extrusionOk="0">
                     <a:moveTo>
                       <a:pt x="3375" y="21600"/>
                     </a:moveTo>
@@ -15594,6 +15565,7 @@
                     </a:solidFill>
                   </a:defRPr>
                 </a:pPr>
+                <a:endParaRPr/>
               </a:p>
             </p:txBody>
           </p:sp>
@@ -15628,7 +15600,7 @@
                 </a:cxnLst>
                 <a:rect l="0" t="0" r="r" b="b"/>
                 <a:pathLst>
-                  <a:path w="21600" h="21600" fill="norm" stroke="1" extrusionOk="0">
+                  <a:path w="21600" h="21600" extrusionOk="0">
                     <a:moveTo>
                       <a:pt x="10800" y="21600"/>
                     </a:moveTo>
@@ -15710,6 +15682,7 @@
                     </a:solidFill>
                   </a:defRPr>
                 </a:pPr>
+                <a:endParaRPr/>
               </a:p>
             </p:txBody>
           </p:sp>
@@ -15744,7 +15717,7 @@
                 </a:cxnLst>
                 <a:rect l="0" t="0" r="r" b="b"/>
                 <a:pathLst>
-                  <a:path w="21600" h="21600" fill="norm" stroke="1" extrusionOk="0">
+                  <a:path w="21600" h="21600" extrusionOk="0">
                     <a:moveTo>
                       <a:pt x="10800" y="21600"/>
                     </a:moveTo>
@@ -15826,6 +15799,7 @@
                     </a:solidFill>
                   </a:defRPr>
                 </a:pPr>
+                <a:endParaRPr/>
               </a:p>
             </p:txBody>
           </p:sp>
@@ -15860,7 +15834,7 @@
                 </a:cxnLst>
                 <a:rect l="0" t="0" r="r" b="b"/>
                 <a:pathLst>
-                  <a:path w="21600" h="21600" fill="norm" stroke="1" extrusionOk="0">
+                  <a:path w="21600" h="21600" extrusionOk="0">
                     <a:moveTo>
                       <a:pt x="1232" y="21600"/>
                     </a:moveTo>
@@ -15919,6 +15893,7 @@
                     </a:solidFill>
                   </a:defRPr>
                 </a:pPr>
+                <a:endParaRPr/>
               </a:p>
             </p:txBody>
           </p:sp>
@@ -15953,7 +15928,7 @@
                 </a:cxnLst>
                 <a:rect l="0" t="0" r="r" b="b"/>
                 <a:pathLst>
-                  <a:path w="20618" h="21600" fill="norm" stroke="1" extrusionOk="0">
+                  <a:path w="20618" h="21600" extrusionOk="0">
                     <a:moveTo>
                       <a:pt x="10473" y="21600"/>
                     </a:moveTo>
@@ -16065,6 +16040,7 @@
                     </a:solidFill>
                   </a:defRPr>
                 </a:pPr>
+                <a:endParaRPr/>
               </a:p>
             </p:txBody>
           </p:sp>
@@ -16114,7 +16090,7 @@
                 </a:cxnLst>
                 <a:rect l="0" t="0" r="r" b="b"/>
                 <a:pathLst>
-                  <a:path w="21600" h="21600" fill="norm" stroke="1" extrusionOk="0">
+                  <a:path w="21600" h="21600" extrusionOk="0">
                     <a:moveTo>
                       <a:pt x="986" y="21600"/>
                     </a:moveTo>
@@ -16174,6 +16150,7 @@
                     </a:solidFill>
                   </a:defRPr>
                 </a:pPr>
+                <a:endParaRPr/>
               </a:p>
             </p:txBody>
           </p:sp>
@@ -16208,7 +16185,7 @@
                 </a:cxnLst>
                 <a:rect l="0" t="0" r="r" b="b"/>
                 <a:pathLst>
-                  <a:path w="20618" h="21600" fill="norm" stroke="1" extrusionOk="0">
+                  <a:path w="20618" h="21600" extrusionOk="0">
                     <a:moveTo>
                       <a:pt x="10145" y="21600"/>
                     </a:moveTo>
@@ -16319,6 +16296,7 @@
                     </a:solidFill>
                   </a:defRPr>
                 </a:pPr>
+                <a:endParaRPr/>
               </a:p>
             </p:txBody>
           </p:sp>
@@ -16353,7 +16331,7 @@
                 </a:cxnLst>
                 <a:rect l="0" t="0" r="r" b="b"/>
                 <a:pathLst>
-                  <a:path w="21600" h="21600" fill="norm" stroke="1" extrusionOk="0">
+                  <a:path w="21600" h="21600" extrusionOk="0">
                     <a:moveTo>
                       <a:pt x="10800" y="21600"/>
                     </a:moveTo>
@@ -16439,6 +16417,7 @@
                     </a:solidFill>
                   </a:defRPr>
                 </a:pPr>
+                <a:endParaRPr/>
               </a:p>
             </p:txBody>
           </p:sp>
@@ -16473,7 +16452,7 @@
                 </a:cxnLst>
                 <a:rect l="0" t="0" r="r" b="b"/>
                 <a:pathLst>
-                  <a:path w="21600" h="21600" fill="norm" stroke="1" extrusionOk="0">
+                  <a:path w="21600" h="21600" extrusionOk="0">
                     <a:moveTo>
                       <a:pt x="1723" y="21600"/>
                     </a:moveTo>
@@ -16533,6 +16512,7 @@
                     </a:solidFill>
                   </a:defRPr>
                 </a:pPr>
+                <a:endParaRPr/>
               </a:p>
             </p:txBody>
           </p:sp>
@@ -16567,7 +16547,7 @@
                 </a:cxnLst>
                 <a:rect l="0" t="0" r="r" b="b"/>
                 <a:pathLst>
-                  <a:path w="21600" h="21600" fill="norm" stroke="1" extrusionOk="0">
+                  <a:path w="21600" h="21600" extrusionOk="0">
                     <a:moveTo>
                       <a:pt x="11127" y="21600"/>
                     </a:moveTo>
@@ -16653,6 +16633,7 @@
                     </a:solidFill>
                   </a:defRPr>
                 </a:pPr>
+                <a:endParaRPr/>
               </a:p>
             </p:txBody>
           </p:sp>
@@ -16687,7 +16668,7 @@
                 </a:cxnLst>
                 <a:rect l="0" t="0" r="r" b="b"/>
                 <a:pathLst>
-                  <a:path w="21600" h="21600" fill="norm" stroke="1" extrusionOk="0">
+                  <a:path w="21600" h="21600" extrusionOk="0">
                     <a:moveTo>
                       <a:pt x="1688" y="21600"/>
                     </a:moveTo>
@@ -16753,6 +16734,7 @@
                     </a:solidFill>
                   </a:defRPr>
                 </a:pPr>
+                <a:endParaRPr/>
               </a:p>
             </p:txBody>
           </p:sp>
@@ -16787,7 +16769,7 @@
                 </a:cxnLst>
                 <a:rect l="0" t="0" r="r" b="b"/>
                 <a:pathLst>
-                  <a:path w="21600" h="21600" fill="norm" stroke="1" extrusionOk="0">
+                  <a:path w="21600" h="21600" extrusionOk="0">
                     <a:moveTo>
                       <a:pt x="10800" y="21600"/>
                     </a:moveTo>
@@ -16873,6 +16855,7 @@
                     </a:solidFill>
                   </a:defRPr>
                 </a:pPr>
+                <a:endParaRPr/>
               </a:p>
             </p:txBody>
           </p:sp>
@@ -16907,7 +16890,7 @@
                 </a:cxnLst>
                 <a:rect l="0" t="0" r="r" b="b"/>
                 <a:pathLst>
-                  <a:path w="21600" h="21600" fill="norm" stroke="1" extrusionOk="0">
+                  <a:path w="21600" h="21600" extrusionOk="0">
                     <a:moveTo>
                       <a:pt x="2004" y="21600"/>
                     </a:moveTo>
@@ -16973,6 +16956,7 @@
                     </a:solidFill>
                   </a:defRPr>
                 </a:pPr>
+                <a:endParaRPr/>
               </a:p>
             </p:txBody>
           </p:sp>
@@ -17007,7 +16991,7 @@
                 </a:cxnLst>
                 <a:rect l="0" t="0" r="r" b="b"/>
                 <a:pathLst>
-                  <a:path w="21600" h="21600" fill="norm" stroke="1" extrusionOk="0">
+                  <a:path w="21600" h="21600" extrusionOk="0">
                     <a:moveTo>
                       <a:pt x="10800" y="21600"/>
                     </a:moveTo>
@@ -17093,6 +17077,7 @@
                     </a:solidFill>
                   </a:defRPr>
                 </a:pPr>
+                <a:endParaRPr/>
               </a:p>
             </p:txBody>
           </p:sp>
@@ -17144,6 +17129,7 @@
                     </a:solidFill>
                   </a:defRPr>
                 </a:pPr>
+                <a:endParaRPr/>
               </a:p>
             </p:txBody>
           </p:sp>
@@ -17152,7 +17138,9 @@
       <p:sp>
         <p:nvSpPr>
           <p:cNvPr id="42" name="Shape 42"/>
-          <p:cNvSpPr/>
+          <p:cNvSpPr>
+            <a:spLocks noGrp="1"/>
+          </p:cNvSpPr>
           <p:nvPr>
             <p:ph type="title"/>
           </p:nvPr>
@@ -17170,25 +17158,25 @@
           </a:ln>
           <a:extLst>
             <a:ext uri="{C572A759-6A51-4108-AA02-DFA0A04FC94B}">
-              <ma14:wrappingTextBoxFlag xmlns:ma14="http://schemas.microsoft.com/office/mac/drawingml/2011/main" val="1"/>
+              <ma14:wrappingTextBoxFlag xmlns:ma14="http://schemas.microsoft.com/office/mac/drawingml/2011/main" xmlns="" val="1"/>
             </a:ext>
           </a:extLst>
         </p:spPr>
         <p:txBody>
           <a:bodyPr lIns="45719" rIns="45719" anchor="ctr">
-            <a:normAutofit fontScale="100000" lnSpcReduction="0"/>
+            <a:normAutofit/>
           </a:bodyPr>
           <a:lstStyle/>
           <a:p>
             <a:pPr lvl="0">
-              <a:defRPr cap="none" sz="1800">
+              <a:defRPr sz="1800" cap="none">
                 <a:solidFill>
                   <a:srgbClr val="000000"/>
                 </a:solidFill>
               </a:defRPr>
             </a:pPr>
             <a:r>
-              <a:rPr cap="all" sz="3600">
+              <a:rPr sz="3600" cap="all">
                 <a:solidFill>
                   <a:srgbClr val="FFFFFF"/>
                 </a:solidFill>
@@ -17201,7 +17189,9 @@
       <p:sp>
         <p:nvSpPr>
           <p:cNvPr id="43" name="Shape 43"/>
-          <p:cNvSpPr/>
+          <p:cNvSpPr>
+            <a:spLocks noGrp="1"/>
+          </p:cNvSpPr>
           <p:nvPr>
             <p:ph type="body" idx="1"/>
           </p:nvPr>
@@ -17219,13 +17209,13 @@
           </a:ln>
           <a:extLst>
             <a:ext uri="{C572A759-6A51-4108-AA02-DFA0A04FC94B}">
-              <ma14:wrappingTextBoxFlag xmlns:ma14="http://schemas.microsoft.com/office/mac/drawingml/2011/main" val="1"/>
+              <ma14:wrappingTextBoxFlag xmlns:ma14="http://schemas.microsoft.com/office/mac/drawingml/2011/main" xmlns="" val="1"/>
             </a:ext>
           </a:extLst>
         </p:spPr>
         <p:txBody>
           <a:bodyPr lIns="45719" rIns="45719">
-            <a:normAutofit fontScale="100000" lnSpcReduction="0"/>
+            <a:normAutofit/>
           </a:bodyPr>
           <a:lstStyle/>
           <a:p>
@@ -17244,11 +17234,6 @@
               </a:rPr>
               <a:t>Texte niveau 1</a:t>
             </a:r>
-            <a:endParaRPr sz="2400">
-              <a:solidFill>
-                <a:srgbClr val="FFFFFF"/>
-              </a:solidFill>
-            </a:endParaRPr>
           </a:p>
           <a:p>
             <a:pPr lvl="1">
@@ -17266,11 +17251,6 @@
               </a:rPr>
               <a:t>Texte niveau 2</a:t>
             </a:r>
-            <a:endParaRPr sz="2400">
-              <a:solidFill>
-                <a:srgbClr val="FFFFFF"/>
-              </a:solidFill>
-            </a:endParaRPr>
           </a:p>
           <a:p>
             <a:pPr lvl="2">
@@ -17288,11 +17268,6 @@
               </a:rPr>
               <a:t>Texte niveau 3</a:t>
             </a:r>
-            <a:endParaRPr sz="2400">
-              <a:solidFill>
-                <a:srgbClr val="FFFFFF"/>
-              </a:solidFill>
-            </a:endParaRPr>
           </a:p>
           <a:p>
             <a:pPr lvl="3">
@@ -17310,11 +17285,6 @@
               </a:rPr>
               <a:t>Texte niveau 4</a:t>
             </a:r>
-            <a:endParaRPr sz="2400">
-              <a:solidFill>
-                <a:srgbClr val="FFFFFF"/>
-              </a:solidFill>
-            </a:endParaRPr>
           </a:p>
           <a:p>
             <a:pPr lvl="4">
@@ -17338,7 +17308,9 @@
       <p:sp>
         <p:nvSpPr>
           <p:cNvPr id="44" name="Shape 44"/>
-          <p:cNvSpPr/>
+          <p:cNvSpPr>
+            <a:spLocks noGrp="1"/>
+          </p:cNvSpPr>
           <p:nvPr>
             <p:ph type="sldNum" sz="quarter" idx="2"/>
           </p:nvPr>
@@ -17370,7 +17342,10 @@
           </a:lstStyle>
           <a:p>
             <a:pPr lvl="0"/>
-            <a:fld id="{86CB4B4D-7CA3-9044-876B-883B54F8677D}" type="slidenum"/>
+            <a:fld id="{86CB4B4D-7CA3-9044-876B-883B54F8677D}" type="slidenum">
+              <a:t>‹N°›</a:t>
+            </a:fld>
+            <a:endParaRPr/>
           </a:p>
         </p:txBody>
       </p:sp>
@@ -17378,32 +17353,32 @@
   </p:cSld>
   <p:clrMap bg1="lt1" tx1="dk1" bg2="lt2" tx2="dk2" accent1="accent1" accent2="accent2" accent3="accent3" accent4="accent4" accent5="accent5" accent6="accent6" hlink="hlink" folHlink="folHlink"/>
   <p:sldLayoutIdLst>
-    <p:sldLayoutId id="2147483649" r:id="rId4"/>
-    <p:sldLayoutId id="2147483650" r:id="rId5"/>
-    <p:sldLayoutId id="2147483651" r:id="rId6"/>
-    <p:sldLayoutId id="2147483652" r:id="rId7"/>
-    <p:sldLayoutId id="2147483653" r:id="rId8"/>
-    <p:sldLayoutId id="2147483654" r:id="rId9"/>
-    <p:sldLayoutId id="2147483655" r:id="rId10"/>
-    <p:sldLayoutId id="2147483656" r:id="rId11"/>
-    <p:sldLayoutId id="2147483657" r:id="rId12"/>
-    <p:sldLayoutId id="2147483658" r:id="rId13"/>
-    <p:sldLayoutId id="2147483659" r:id="rId14"/>
-    <p:sldLayoutId id="2147483660" r:id="rId15"/>
-    <p:sldLayoutId id="2147483661" r:id="rId16"/>
-    <p:sldLayoutId id="2147483662" r:id="rId17"/>
-    <p:sldLayoutId id="2147483663" r:id="rId18"/>
-    <p:sldLayoutId id="2147483664" r:id="rId19"/>
-    <p:sldLayoutId id="2147483665" r:id="rId20"/>
+    <p:sldLayoutId id="2147483649" r:id="rId1"/>
+    <p:sldLayoutId id="2147483650" r:id="rId2"/>
+    <p:sldLayoutId id="2147483651" r:id="rId3"/>
+    <p:sldLayoutId id="2147483652" r:id="rId4"/>
+    <p:sldLayoutId id="2147483653" r:id="rId5"/>
+    <p:sldLayoutId id="2147483654" r:id="rId6"/>
+    <p:sldLayoutId id="2147483655" r:id="rId7"/>
+    <p:sldLayoutId id="2147483656" r:id="rId8"/>
+    <p:sldLayoutId id="2147483657" r:id="rId9"/>
+    <p:sldLayoutId id="2147483658" r:id="rId10"/>
+    <p:sldLayoutId id="2147483659" r:id="rId11"/>
+    <p:sldLayoutId id="2147483660" r:id="rId12"/>
+    <p:sldLayoutId id="2147483661" r:id="rId13"/>
+    <p:sldLayoutId id="2147483662" r:id="rId14"/>
+    <p:sldLayoutId id="2147483663" r:id="rId15"/>
+    <p:sldLayoutId id="2147483664" r:id="rId16"/>
+    <p:sldLayoutId id="2147483665" r:id="rId17"/>
   </p:sldLayoutIdLst>
-  <p:transition spd="med" advClick="1"/>
+  <p:transition spd="med"/>
   <p:txStyles>
     <p:titleStyle>
       <a:lvl1pPr>
         <a:lnSpc>
           <a:spcPct val="90000"/>
         </a:lnSpc>
-        <a:defRPr cap="all" sz="3600">
+        <a:defRPr sz="3600" cap="all">
           <a:solidFill>
             <a:srgbClr val="FFFFFF"/>
           </a:solidFill>
@@ -17417,7 +17392,7 @@
         <a:lnSpc>
           <a:spcPct val="90000"/>
         </a:lnSpc>
-        <a:defRPr cap="all" sz="3600">
+        <a:defRPr sz="3600" cap="all">
           <a:solidFill>
             <a:srgbClr val="FFFFFF"/>
           </a:solidFill>
@@ -17431,7 +17406,7 @@
         <a:lnSpc>
           <a:spcPct val="90000"/>
         </a:lnSpc>
-        <a:defRPr cap="all" sz="3600">
+        <a:defRPr sz="3600" cap="all">
           <a:solidFill>
             <a:srgbClr val="FFFFFF"/>
           </a:solidFill>
@@ -17445,7 +17420,7 @@
         <a:lnSpc>
           <a:spcPct val="90000"/>
         </a:lnSpc>
-        <a:defRPr cap="all" sz="3600">
+        <a:defRPr sz="3600" cap="all">
           <a:solidFill>
             <a:srgbClr val="FFFFFF"/>
           </a:solidFill>
@@ -17459,7 +17434,7 @@
         <a:lnSpc>
           <a:spcPct val="90000"/>
         </a:lnSpc>
-        <a:defRPr cap="all" sz="3600">
+        <a:defRPr sz="3600" cap="all">
           <a:solidFill>
             <a:srgbClr val="FFFFFF"/>
           </a:solidFill>
@@ -17473,7 +17448,7 @@
         <a:lnSpc>
           <a:spcPct val="90000"/>
         </a:lnSpc>
-        <a:defRPr cap="all" sz="3600">
+        <a:defRPr sz="3600" cap="all">
           <a:solidFill>
             <a:srgbClr val="FFFFFF"/>
           </a:solidFill>
@@ -17487,7 +17462,7 @@
         <a:lnSpc>
           <a:spcPct val="90000"/>
         </a:lnSpc>
-        <a:defRPr cap="all" sz="3600">
+        <a:defRPr sz="3600" cap="all">
           <a:solidFill>
             <a:srgbClr val="FFFFFF"/>
           </a:solidFill>
@@ -17501,7 +17476,7 @@
         <a:lnSpc>
           <a:spcPct val="90000"/>
         </a:lnSpc>
-        <a:defRPr cap="all" sz="3600">
+        <a:defRPr sz="3600" cap="all">
           <a:solidFill>
             <a:srgbClr val="FFFFFF"/>
           </a:solidFill>
@@ -17515,7 +17490,7 @@
         <a:lnSpc>
           <a:spcPct val="90000"/>
         </a:lnSpc>
-        <a:defRPr cap="all" sz="3600">
+        <a:defRPr sz="3600" cap="all">
           <a:solidFill>
             <a:srgbClr val="FFFFFF"/>
           </a:solidFill>
@@ -17814,7 +17789,7 @@
 </file>
 
 <file path=ppt/slides/slide1.xml><?xml version="1.0" encoding="utf-8"?>
-<p:sld xmlns:a="http://schemas.openxmlformats.org/drawingml/2006/main" xmlns:r="http://schemas.openxmlformats.org/officeDocument/2006/relationships" xmlns:p="http://schemas.openxmlformats.org/presentationml/2006/main" showMasterSp="1" showMasterPhAnim="1">
+<p:sld xmlns:a="http://schemas.openxmlformats.org/drawingml/2006/main" xmlns:r="http://schemas.openxmlformats.org/officeDocument/2006/relationships" xmlns:p="http://schemas.openxmlformats.org/presentationml/2006/main">
   <p:cSld>
     <p:spTree>
       <p:nvGrpSpPr>
@@ -17833,7 +17808,9 @@
       <p:sp>
         <p:nvSpPr>
           <p:cNvPr id="211" name="Shape 211"/>
-          <p:cNvSpPr/>
+          <p:cNvSpPr>
+            <a:spLocks noGrp="1"/>
+          </p:cNvSpPr>
           <p:nvPr>
             <p:ph type="title"/>
           </p:nvPr>
@@ -17854,14 +17831,14 @@
           </a:lstStyle>
           <a:p>
             <a:pPr lvl="0">
-              <a:defRPr cap="none" sz="1800">
+              <a:defRPr sz="1800" cap="none">
                 <a:solidFill>
                   <a:srgbClr val="000000"/>
                 </a:solidFill>
               </a:defRPr>
             </a:pPr>
             <a:r>
-              <a:rPr cap="all" sz="4800">
+              <a:rPr sz="4800" cap="all">
                 <a:solidFill>
                   <a:srgbClr val="FFFFFF"/>
                 </a:solidFill>
@@ -17874,7 +17851,9 @@
       <p:sp>
         <p:nvSpPr>
           <p:cNvPr id="212" name="Shape 212"/>
-          <p:cNvSpPr/>
+          <p:cNvSpPr>
+            <a:spLocks noGrp="1"/>
+          </p:cNvSpPr>
           <p:nvPr>
             <p:ph type="body" idx="1"/>
           </p:nvPr>
@@ -17897,14 +17876,14 @@
           </a:lstStyle>
           <a:p>
             <a:pPr lvl="0">
-              <a:defRPr cap="none" sz="1800">
+              <a:defRPr sz="1800" cap="none">
                 <a:solidFill>
                   <a:srgbClr val="000000"/>
                 </a:solidFill>
               </a:defRPr>
             </a:pPr>
             <a:r>
-              <a:rPr cap="all" sz="7200">
+              <a:rPr sz="7200" cap="all">
                 <a:solidFill>
                   <a:srgbClr val="82FFFF"/>
                 </a:solidFill>
@@ -17933,7 +17912,7 @@
           </a:ln>
           <a:extLst>
             <a:ext uri="{C572A759-6A51-4108-AA02-DFA0A04FC94B}">
-              <ma14:wrappingTextBoxFlag xmlns:ma14="http://schemas.microsoft.com/office/mac/drawingml/2011/main" val="1"/>
+              <ma14:wrappingTextBoxFlag xmlns:ma14="http://schemas.microsoft.com/office/mac/drawingml/2011/main" xmlns="" val="1"/>
             </a:ext>
           </a:extLst>
         </p:spPr>
@@ -17974,12 +17953,12 @@
   <p:clrMapOvr>
     <a:masterClrMapping/>
   </p:clrMapOvr>
-  <p:transition spd="med" advClick="1"/>
+  <p:transition spd="med"/>
 </p:sld>
 </file>
 
 <file path=ppt/slides/slide2.xml><?xml version="1.0" encoding="utf-8"?>
-<p:sld xmlns:a="http://schemas.openxmlformats.org/drawingml/2006/main" xmlns:r="http://schemas.openxmlformats.org/officeDocument/2006/relationships" xmlns:p="http://schemas.openxmlformats.org/presentationml/2006/main" showMasterSp="1" showMasterPhAnim="1">
+<p:sld xmlns:a="http://schemas.openxmlformats.org/drawingml/2006/main" xmlns:r="http://schemas.openxmlformats.org/officeDocument/2006/relationships" xmlns:p="http://schemas.openxmlformats.org/presentationml/2006/main">
   <p:cSld>
     <p:spTree>
       <p:nvGrpSpPr>
@@ -17998,7 +17977,9 @@
       <p:sp>
         <p:nvSpPr>
           <p:cNvPr id="215" name="Shape 215"/>
-          <p:cNvSpPr/>
+          <p:cNvSpPr>
+            <a:spLocks noGrp="1"/>
+          </p:cNvSpPr>
           <p:nvPr>
             <p:ph type="title"/>
           </p:nvPr>
@@ -18017,14 +17998,14 @@
           <a:lstStyle/>
           <a:p>
             <a:pPr lvl="0">
-              <a:defRPr cap="none" sz="1800">
+              <a:defRPr sz="1800" cap="none">
                 <a:solidFill>
                   <a:srgbClr val="000000"/>
                 </a:solidFill>
               </a:defRPr>
             </a:pPr>
             <a:r>
-              <a:rPr cap="all" sz="3600">
+              <a:rPr sz="3600" cap="all">
                 <a:solidFill>
                   <a:srgbClr val="FFFFFF"/>
                 </a:solidFill>
@@ -18037,7 +18018,9 @@
       <p:sp>
         <p:nvSpPr>
           <p:cNvPr id="216" name="Shape 216"/>
-          <p:cNvSpPr/>
+          <p:cNvSpPr>
+            <a:spLocks noGrp="1"/>
+          </p:cNvSpPr>
           <p:nvPr>
             <p:ph type="body" idx="1"/>
           </p:nvPr>
@@ -18063,14 +18046,60 @@
               </a:defRPr>
             </a:pPr>
             <a:r>
-              <a:rPr sz="2400">
+              <a:rPr sz="2400" dirty="0" err="1">
                 <a:solidFill>
                   <a:srgbClr val="FFFFFF"/>
                 </a:solidFill>
               </a:rPr>
-              <a:t>Gestion de comptes</a:t>
+              <a:t>Gestion</a:t>
             </a:r>
-            <a:endParaRPr sz="2400">
+            <a:r>
+              <a:rPr sz="2400" dirty="0">
+                <a:solidFill>
+                  <a:srgbClr val="FFFFFF"/>
+                </a:solidFill>
+              </a:rPr>
+              <a:t> de </a:t>
+            </a:r>
+            <a:r>
+              <a:rPr sz="2400" dirty="0" err="1" smtClean="0">
+                <a:solidFill>
+                  <a:srgbClr val="FFFFFF"/>
+                </a:solidFill>
+              </a:rPr>
+              <a:t>comptes</a:t>
+            </a:r>
+            <a:endParaRPr lang="fr-FR" sz="2400" dirty="0" smtClean="0">
+              <a:solidFill>
+                <a:srgbClr val="FFFFFF"/>
+              </a:solidFill>
+            </a:endParaRPr>
+          </a:p>
+          <a:p>
+            <a:pPr>
+              <a:defRPr sz="1800">
+                <a:solidFill>
+                  <a:srgbClr val="000000"/>
+                </a:solidFill>
+              </a:defRPr>
+            </a:pPr>
+            <a:r>
+              <a:rPr lang="fr-FR" sz="2000" dirty="0">
+                <a:solidFill>
+                  <a:schemeClr val="bg1"/>
+                </a:solidFill>
+              </a:rPr>
+              <a:t>Qu’est-ce qu’un vote </a:t>
+            </a:r>
+            <a:r>
+              <a:rPr lang="fr-FR" sz="2000" dirty="0" smtClean="0">
+                <a:solidFill>
+                  <a:schemeClr val="bg1"/>
+                </a:solidFill>
+              </a:rPr>
+              <a:t>?</a:t>
+            </a:r>
+            <a:endParaRPr sz="3600" dirty="0" smtClean="0">
               <a:solidFill>
                 <a:srgbClr val="FFFFFF"/>
               </a:solidFill>
@@ -18085,35 +18114,42 @@
               </a:defRPr>
             </a:pPr>
             <a:r>
-              <a:rPr sz="2400">
+              <a:rPr sz="2400" dirty="0" err="1" smtClean="0">
                 <a:solidFill>
                   <a:srgbClr val="FFFFFF"/>
                 </a:solidFill>
               </a:rPr>
-              <a:t>Gestion de votes</a:t>
+              <a:t>Gestion</a:t>
             </a:r>
-            <a:endParaRPr sz="2400">
+            <a:r>
+              <a:rPr sz="2400" dirty="0" smtClean="0">
+                <a:solidFill>
+                  <a:srgbClr val="FFFFFF"/>
+                </a:solidFill>
+              </a:rPr>
+              <a:t> </a:t>
+            </a:r>
+            <a:r>
+              <a:rPr sz="2400" dirty="0">
+                <a:solidFill>
+                  <a:srgbClr val="FFFFFF"/>
+                </a:solidFill>
+              </a:rPr>
+              <a:t>de </a:t>
+            </a:r>
+            <a:r>
+              <a:rPr sz="2400" dirty="0" smtClean="0">
+                <a:solidFill>
+                  <a:srgbClr val="FFFFFF"/>
+                </a:solidFill>
+              </a:rPr>
+              <a:t>votes</a:t>
+            </a:r>
+            <a:endParaRPr sz="2400" dirty="0">
               <a:solidFill>
                 <a:srgbClr val="FFFFFF"/>
               </a:solidFill>
             </a:endParaRPr>
-          </a:p>
-          <a:p>
-            <a:pPr lvl="0">
-              <a:defRPr sz="1800">
-                <a:solidFill>
-                  <a:srgbClr val="000000"/>
-                </a:solidFill>
-              </a:defRPr>
-            </a:pPr>
-            <a:r>
-              <a:rPr sz="2400">
-                <a:solidFill>
-                  <a:srgbClr val="FFFFFF"/>
-                </a:solidFill>
-              </a:rPr>
-              <a:t>Qu’est-ce qu’un vote ?</a:t>
-            </a:r>
           </a:p>
         </p:txBody>
       </p:sp>
@@ -18122,12 +18158,12 @@
   <p:clrMapOvr>
     <a:masterClrMapping/>
   </p:clrMapOvr>
-  <p:transition spd="med" advClick="1"/>
+  <p:transition spd="med"/>
 </p:sld>
 </file>
 
 <file path=ppt/slides/slide3.xml><?xml version="1.0" encoding="utf-8"?>
-<p:sld xmlns:a="http://schemas.openxmlformats.org/drawingml/2006/main" xmlns:r="http://schemas.openxmlformats.org/officeDocument/2006/relationships" xmlns:p="http://schemas.openxmlformats.org/presentationml/2006/main" showMasterSp="1" showMasterPhAnim="1">
+<p:sld xmlns:a="http://schemas.openxmlformats.org/drawingml/2006/main" xmlns:r="http://schemas.openxmlformats.org/officeDocument/2006/relationships" xmlns:p="http://schemas.openxmlformats.org/presentationml/2006/main">
   <p:cSld>
     <p:spTree>
       <p:nvGrpSpPr>
@@ -18146,7 +18182,9 @@
       <p:sp>
         <p:nvSpPr>
           <p:cNvPr id="218" name="Shape 218"/>
-          <p:cNvSpPr/>
+          <p:cNvSpPr>
+            <a:spLocks noGrp="1"/>
+          </p:cNvSpPr>
           <p:nvPr>
             <p:ph type="title"/>
           </p:nvPr>
@@ -18165,14 +18203,14 @@
           <a:lstStyle/>
           <a:p>
             <a:pPr lvl="0">
-              <a:defRPr cap="none" sz="1800">
+              <a:defRPr sz="1800" cap="none">
                 <a:solidFill>
                   <a:srgbClr val="000000"/>
                 </a:solidFill>
               </a:defRPr>
             </a:pPr>
             <a:r>
-              <a:rPr cap="all" sz="3600">
+              <a:rPr sz="3600" cap="all">
                 <a:solidFill>
                   <a:srgbClr val="FFFFFF"/>
                 </a:solidFill>
@@ -18214,12 +18252,12 @@
   <p:clrMapOvr>
     <a:masterClrMapping/>
   </p:clrMapOvr>
-  <p:transition spd="med" advClick="1"/>
+  <p:transition spd="med"/>
 </p:sld>
 </file>
 
 <file path=ppt/slides/slide4.xml><?xml version="1.0" encoding="utf-8"?>
-<p:sld xmlns:a="http://schemas.openxmlformats.org/drawingml/2006/main" xmlns:r="http://schemas.openxmlformats.org/officeDocument/2006/relationships" xmlns:p="http://schemas.openxmlformats.org/presentationml/2006/main" showMasterSp="1" showMasterPhAnim="1">
+<p:sld xmlns:a="http://schemas.openxmlformats.org/drawingml/2006/main" xmlns:r="http://schemas.openxmlformats.org/officeDocument/2006/relationships" xmlns:p="http://schemas.openxmlformats.org/presentationml/2006/main">
   <p:cSld>
     <p:spTree>
       <p:nvGrpSpPr>
@@ -18238,7 +18276,9 @@
       <p:sp>
         <p:nvSpPr>
           <p:cNvPr id="221" name="Shape 221"/>
-          <p:cNvSpPr/>
+          <p:cNvSpPr>
+            <a:spLocks noGrp="1"/>
+          </p:cNvSpPr>
           <p:nvPr>
             <p:ph type="title"/>
           </p:nvPr>
@@ -18257,14 +18297,14 @@
           <a:lstStyle/>
           <a:p>
             <a:pPr lvl="0">
-              <a:defRPr cap="none" sz="1800">
+              <a:defRPr sz="1800" cap="none">
                 <a:solidFill>
                   <a:srgbClr val="000000"/>
                 </a:solidFill>
               </a:defRPr>
             </a:pPr>
             <a:r>
-              <a:rPr cap="all" sz="3600">
+              <a:rPr sz="3600" cap="all">
                 <a:solidFill>
                   <a:srgbClr val="FFFFFF"/>
                 </a:solidFill>
@@ -18306,12 +18346,12 @@
   <p:clrMapOvr>
     <a:masterClrMapping/>
   </p:clrMapOvr>
-  <p:transition spd="med" advClick="1"/>
+  <p:transition spd="med"/>
 </p:sld>
 </file>
 
 <file path=ppt/slides/slide5.xml><?xml version="1.0" encoding="utf-8"?>
-<p:sld xmlns:a="http://schemas.openxmlformats.org/drawingml/2006/main" xmlns:r="http://schemas.openxmlformats.org/officeDocument/2006/relationships" xmlns:p="http://schemas.openxmlformats.org/presentationml/2006/main" showMasterSp="1" showMasterPhAnim="1">
+<p:sld xmlns:a="http://schemas.openxmlformats.org/drawingml/2006/main" xmlns:r="http://schemas.openxmlformats.org/officeDocument/2006/relationships" xmlns:p="http://schemas.openxmlformats.org/presentationml/2006/main">
   <p:cSld>
     <p:spTree>
       <p:nvGrpSpPr>
@@ -18330,7 +18370,9 @@
       <p:sp>
         <p:nvSpPr>
           <p:cNvPr id="224" name="Shape 224"/>
-          <p:cNvSpPr/>
+          <p:cNvSpPr>
+            <a:spLocks noGrp="1"/>
+          </p:cNvSpPr>
           <p:nvPr>
             <p:ph type="title"/>
           </p:nvPr>
@@ -18349,14 +18391,14 @@
           <a:lstStyle/>
           <a:p>
             <a:pPr lvl="0">
-              <a:defRPr cap="none" sz="1800">
+              <a:defRPr sz="1800" cap="none">
                 <a:solidFill>
                   <a:srgbClr val="000000"/>
                 </a:solidFill>
               </a:defRPr>
             </a:pPr>
             <a:r>
-              <a:rPr cap="all" sz="3600">
+              <a:rPr sz="3600" cap="all">
                 <a:solidFill>
                   <a:srgbClr val="FFFFFF"/>
                 </a:solidFill>
@@ -18398,12 +18440,12 @@
   <p:clrMapOvr>
     <a:masterClrMapping/>
   </p:clrMapOvr>
-  <p:transition spd="med" advClick="1"/>
+  <p:transition spd="med"/>
 </p:sld>
 </file>
 
 <file path=ppt/slides/slide6.xml><?xml version="1.0" encoding="utf-8"?>
-<p:sld xmlns:a="http://schemas.openxmlformats.org/drawingml/2006/main" xmlns:r="http://schemas.openxmlformats.org/officeDocument/2006/relationships" xmlns:p="http://schemas.openxmlformats.org/presentationml/2006/main" showMasterSp="1" showMasterPhAnim="1">
+<p:sld xmlns:a="http://schemas.openxmlformats.org/drawingml/2006/main" xmlns:r="http://schemas.openxmlformats.org/officeDocument/2006/relationships" xmlns:p="http://schemas.openxmlformats.org/presentationml/2006/main">
   <p:cSld>
     <p:spTree>
       <p:nvGrpSpPr>
@@ -18422,7 +18464,9 @@
       <p:sp>
         <p:nvSpPr>
           <p:cNvPr id="227" name="Shape 227"/>
-          <p:cNvSpPr/>
+          <p:cNvSpPr>
+            <a:spLocks noGrp="1"/>
+          </p:cNvSpPr>
           <p:nvPr>
             <p:ph type="title"/>
           </p:nvPr>
@@ -18441,14 +18485,14 @@
           <a:lstStyle/>
           <a:p>
             <a:pPr lvl="0">
-              <a:defRPr cap="none" sz="1800">
+              <a:defRPr sz="1800" cap="none">
                 <a:solidFill>
                   <a:srgbClr val="000000"/>
                 </a:solidFill>
               </a:defRPr>
             </a:pPr>
             <a:r>
-              <a:rPr cap="all" sz="3600">
+              <a:rPr sz="3600" cap="all">
                 <a:solidFill>
                   <a:srgbClr val="FFFFFF"/>
                 </a:solidFill>
@@ -18461,7 +18505,9 @@
       <p:sp>
         <p:nvSpPr>
           <p:cNvPr id="228" name="Shape 228"/>
-          <p:cNvSpPr/>
+          <p:cNvSpPr>
+            <a:spLocks noGrp="1"/>
+          </p:cNvSpPr>
           <p:nvPr>
             <p:ph type="body" idx="1"/>
           </p:nvPr>
@@ -18476,7 +18522,9 @@
           </a:prstGeom>
         </p:spPr>
         <p:txBody>
-          <a:bodyPr/>
+          <a:bodyPr>
+            <a:normAutofit lnSpcReduction="10000"/>
+          </a:bodyPr>
           <a:lstStyle/>
           <a:p>
             <a:pPr lvl="0">
@@ -18490,44 +18538,219 @@
               </a:defRPr>
             </a:pPr>
             <a:r>
-              <a:rPr sz="2400">
+              <a:rPr sz="2400" dirty="0">
                 <a:solidFill>
                   <a:srgbClr val="FFFFFF"/>
                 </a:solidFill>
               </a:rPr>
-              <a:t>Un utilisateur doit pouvoir s'inscrire(se désinscrire)</a:t>
+              <a:t>Un </a:t>
+            </a:r>
+            <a:r>
+              <a:rPr sz="2400" dirty="0" err="1">
+                <a:solidFill>
+                  <a:srgbClr val="FFFFFF"/>
+                </a:solidFill>
+              </a:rPr>
+              <a:t>utilisateur</a:t>
+            </a:r>
+            <a:r>
+              <a:rPr sz="2400" dirty="0">
+                <a:solidFill>
+                  <a:srgbClr val="FFFFFF"/>
+                </a:solidFill>
+              </a:rPr>
+              <a:t> </a:t>
+            </a:r>
+            <a:r>
+              <a:rPr sz="2400" dirty="0" err="1">
+                <a:solidFill>
+                  <a:srgbClr val="FFFFFF"/>
+                </a:solidFill>
+              </a:rPr>
+              <a:t>doit</a:t>
+            </a:r>
+            <a:r>
+              <a:rPr sz="2400" dirty="0">
+                <a:solidFill>
+                  <a:srgbClr val="FFFFFF"/>
+                </a:solidFill>
+              </a:rPr>
+              <a:t> </a:t>
+            </a:r>
+            <a:r>
+              <a:rPr sz="2400" dirty="0" err="1">
+                <a:solidFill>
+                  <a:srgbClr val="FFFFFF"/>
+                </a:solidFill>
+              </a:rPr>
+              <a:t>pouvoir</a:t>
+            </a:r>
+            <a:r>
+              <a:rPr sz="2400" dirty="0">
+                <a:solidFill>
+                  <a:srgbClr val="FFFFFF"/>
+                </a:solidFill>
+              </a:rPr>
+              <a:t> </a:t>
+            </a:r>
+            <a:r>
+              <a:rPr sz="2400" dirty="0" err="1">
+                <a:solidFill>
+                  <a:srgbClr val="FFFFFF"/>
+                </a:solidFill>
+              </a:rPr>
+              <a:t>s'inscrire</a:t>
+            </a:r>
+            <a:r>
+              <a:rPr sz="2400" dirty="0">
+                <a:solidFill>
+                  <a:srgbClr val="FFFFFF"/>
+                </a:solidFill>
+              </a:rPr>
+              <a:t>(se </a:t>
+            </a:r>
+            <a:r>
+              <a:rPr sz="2400" dirty="0" err="1">
+                <a:solidFill>
+                  <a:srgbClr val="FFFFFF"/>
+                </a:solidFill>
+              </a:rPr>
+              <a:t>désinscrire</a:t>
+            </a:r>
+            <a:r>
+              <a:rPr sz="2400" dirty="0">
+                <a:solidFill>
+                  <a:srgbClr val="FFFFFF"/>
+                </a:solidFill>
+              </a:rPr>
+              <a:t>)</a:t>
             </a:r>
             <a:br>
-              <a:rPr sz="2400">
+              <a:rPr sz="2400" dirty="0">
                 <a:solidFill>
                   <a:srgbClr val="FFFFFF"/>
                 </a:solidFill>
               </a:rPr>
             </a:br>
             <a:r>
-              <a:rPr sz="2400">
+              <a:rPr sz="2400" dirty="0">
                 <a:solidFill>
                   <a:srgbClr val="FFFFFF"/>
                 </a:solidFill>
               </a:rPr>
-              <a:t>Un utilisateur doit pouvoir se connecter (déconnecter)</a:t>
+              <a:t>Un </a:t>
+            </a:r>
+            <a:r>
+              <a:rPr sz="2400" dirty="0" err="1">
+                <a:solidFill>
+                  <a:srgbClr val="FFFFFF"/>
+                </a:solidFill>
+              </a:rPr>
+              <a:t>utilisateur</a:t>
+            </a:r>
+            <a:r>
+              <a:rPr sz="2400" dirty="0">
+                <a:solidFill>
+                  <a:srgbClr val="FFFFFF"/>
+                </a:solidFill>
+              </a:rPr>
+              <a:t> </a:t>
+            </a:r>
+            <a:r>
+              <a:rPr sz="2400" dirty="0" err="1">
+                <a:solidFill>
+                  <a:srgbClr val="FFFFFF"/>
+                </a:solidFill>
+              </a:rPr>
+              <a:t>doit</a:t>
+            </a:r>
+            <a:r>
+              <a:rPr sz="2400" dirty="0">
+                <a:solidFill>
+                  <a:srgbClr val="FFFFFF"/>
+                </a:solidFill>
+              </a:rPr>
+              <a:t> </a:t>
+            </a:r>
+            <a:r>
+              <a:rPr sz="2400" dirty="0" err="1">
+                <a:solidFill>
+                  <a:srgbClr val="FFFFFF"/>
+                </a:solidFill>
+              </a:rPr>
+              <a:t>pouvoir</a:t>
+            </a:r>
+            <a:r>
+              <a:rPr sz="2400" dirty="0">
+                <a:solidFill>
+                  <a:srgbClr val="FFFFFF"/>
+                </a:solidFill>
+              </a:rPr>
+              <a:t> se connecter (</a:t>
+            </a:r>
+            <a:r>
+              <a:rPr sz="2400" dirty="0" err="1">
+                <a:solidFill>
+                  <a:srgbClr val="FFFFFF"/>
+                </a:solidFill>
+              </a:rPr>
+              <a:t>déconnecter</a:t>
+            </a:r>
+            <a:r>
+              <a:rPr sz="2400" dirty="0">
+                <a:solidFill>
+                  <a:srgbClr val="FFFFFF"/>
+                </a:solidFill>
+              </a:rPr>
+              <a:t>)</a:t>
             </a:r>
             <a:br>
-              <a:rPr sz="2400">
+              <a:rPr sz="2400" dirty="0">
                 <a:solidFill>
                   <a:srgbClr val="FFFFFF"/>
                 </a:solidFill>
               </a:rPr>
             </a:br>
             <a:r>
-              <a:rPr sz="2400">
+              <a:rPr sz="2400" dirty="0" err="1">
                 <a:solidFill>
                   <a:srgbClr val="FFFFFF"/>
                 </a:solidFill>
               </a:rPr>
-              <a:t>Intégrer les algorithmes de vote</a:t>
+              <a:t>Intégrer</a:t>
             </a:r>
-            <a:endParaRPr sz="2400">
+            <a:r>
+              <a:rPr sz="2400" dirty="0">
+                <a:solidFill>
+                  <a:srgbClr val="FFFFFF"/>
+                </a:solidFill>
+              </a:rPr>
+              <a:t> </a:t>
+            </a:r>
+            <a:r>
+              <a:rPr lang="fr-FR" sz="2400" dirty="0" smtClean="0">
+                <a:solidFill>
+                  <a:srgbClr val="FFFFFF"/>
+                </a:solidFill>
+              </a:rPr>
+              <a:t>l’algorithme de vote majoritaire</a:t>
+            </a:r>
+            <a:br>
+              <a:rPr lang="fr-FR" sz="2400" dirty="0" smtClean="0">
+                <a:solidFill>
+                  <a:srgbClr val="FFFFFF"/>
+                </a:solidFill>
+              </a:rPr>
+            </a:br>
+            <a:r>
+              <a:rPr lang="fr-FR" sz="2400" dirty="0" smtClean="0">
+                <a:solidFill>
+                  <a:srgbClr val="FFFFFF"/>
+                </a:solidFill>
+              </a:rPr>
+              <a:t>Un utilisateur doit pouvoir créer un vote majoritaire</a:t>
+            </a:r>
+            <a:endParaRPr sz="2400" dirty="0">
               <a:solidFill>
                 <a:srgbClr val="FFFFFF"/>
               </a:solidFill>
@@ -18545,14 +18768,34 @@
               </a:defRPr>
             </a:pPr>
             <a:r>
-              <a:rPr sz="2400">
+              <a:rPr sz="2400" dirty="0">
                 <a:solidFill>
                   <a:srgbClr val="FFFFFF"/>
                 </a:solidFill>
               </a:rPr>
               <a:t>Android Studio</a:t>
             </a:r>
-            <a:endParaRPr sz="2400">
+          </a:p>
+          <a:p>
+            <a:pPr lvl="0">
+              <a:lnSpc>
+                <a:spcPct val="108000"/>
+              </a:lnSpc>
+              <a:defRPr sz="1800">
+                <a:solidFill>
+                  <a:srgbClr val="000000"/>
+                </a:solidFill>
+              </a:defRPr>
+            </a:pPr>
+            <a:r>
+              <a:rPr sz="2400" dirty="0" err="1" smtClean="0">
+                <a:solidFill>
+                  <a:srgbClr val="FFFFFF"/>
+                </a:solidFill>
+              </a:rPr>
+              <a:t>Gradle</a:t>
+            </a:r>
+            <a:endParaRPr sz="2400" dirty="0">
               <a:solidFill>
                 <a:srgbClr val="FFFFFF"/>
               </a:solidFill>
@@ -18570,14 +18813,14 @@
               </a:defRPr>
             </a:pPr>
             <a:r>
-              <a:rPr sz="2400">
+              <a:rPr sz="2400" dirty="0" err="1">
                 <a:solidFill>
                   <a:srgbClr val="FFFFFF"/>
                 </a:solidFill>
               </a:rPr>
-              <a:t>Graddle</a:t>
+              <a:t>Git</a:t>
             </a:r>
-            <a:endParaRPr sz="2400">
+            <a:endParaRPr sz="2400" dirty="0">
               <a:solidFill>
                 <a:srgbClr val="FFFFFF"/>
               </a:solidFill>
@@ -18595,37 +18838,92 @@
               </a:defRPr>
             </a:pPr>
             <a:r>
-              <a:rPr sz="2400">
+              <a:rPr sz="2400" dirty="0" err="1" smtClean="0">
                 <a:solidFill>
                   <a:srgbClr val="FFFFFF"/>
                 </a:solidFill>
               </a:rPr>
-              <a:t>Git</a:t>
+              <a:t>Règle</a:t>
             </a:r>
-            <a:endParaRPr sz="2400">
-              <a:solidFill>
-                <a:srgbClr val="FFFFFF"/>
-              </a:solidFill>
-            </a:endParaRPr>
-          </a:p>
-          <a:p>
-            <a:pPr lvl="0">
-              <a:lnSpc>
-                <a:spcPct val="108000"/>
-              </a:lnSpc>
-              <a:defRPr sz="1800">
-                <a:solidFill>
-                  <a:srgbClr val="000000"/>
-                </a:solidFill>
-              </a:defRPr>
-            </a:pPr>
             <a:r>
-              <a:rPr sz="2400">
+              <a:rPr lang="fr-FR" sz="2400" dirty="0" smtClean="0">
                 <a:solidFill>
                   <a:srgbClr val="FFFFFF"/>
                 </a:solidFill>
               </a:rPr>
-              <a:t>Règle de codages (de Mr Francisci)</a:t>
+              <a:t>s</a:t>
+            </a:r>
+            <a:r>
+              <a:rPr sz="2400" dirty="0" smtClean="0">
+                <a:solidFill>
+                  <a:srgbClr val="FFFFFF"/>
+                </a:solidFill>
+              </a:rPr>
+              <a:t> </a:t>
+            </a:r>
+            <a:r>
+              <a:rPr sz="2400" dirty="0">
+                <a:solidFill>
+                  <a:srgbClr val="FFFFFF"/>
+                </a:solidFill>
+              </a:rPr>
+              <a:t>de </a:t>
+            </a:r>
+            <a:r>
+              <a:rPr sz="2400" dirty="0" err="1" smtClean="0">
+                <a:solidFill>
+                  <a:srgbClr val="FFFFFF"/>
+                </a:solidFill>
+              </a:rPr>
+              <a:t>codage</a:t>
+            </a:r>
+            <a:r>
+              <a:rPr sz="2400" dirty="0" smtClean="0">
+                <a:solidFill>
+                  <a:srgbClr val="FFFFFF"/>
+                </a:solidFill>
+              </a:rPr>
+              <a:t> </a:t>
+            </a:r>
+            <a:r>
+              <a:rPr sz="2400" dirty="0">
+                <a:solidFill>
+                  <a:srgbClr val="FFFFFF"/>
+                </a:solidFill>
+              </a:rPr>
+              <a:t>(de </a:t>
+            </a:r>
+            <a:r>
+              <a:rPr sz="2400" dirty="0" smtClean="0">
+                <a:solidFill>
+                  <a:srgbClr val="FFFFFF"/>
+                </a:solidFill>
+              </a:rPr>
+              <a:t>M</a:t>
+            </a:r>
+            <a:r>
+              <a:rPr lang="fr-FR" sz="1800" dirty="0" smtClean="0">
+                <a:solidFill>
+                  <a:schemeClr val="bg1"/>
+                </a:solidFill>
+              </a:rPr>
+              <a:t>. </a:t>
+            </a:r>
+            <a:r>
+              <a:rPr sz="2400" dirty="0" err="1" smtClean="0">
+                <a:solidFill>
+                  <a:srgbClr val="FFFFFF"/>
+                </a:solidFill>
+              </a:rPr>
+              <a:t>Francisci</a:t>
+            </a:r>
+            <a:r>
+              <a:rPr sz="2400" dirty="0">
+                <a:solidFill>
+                  <a:srgbClr val="FFFFFF"/>
+                </a:solidFill>
+              </a:rPr>
+              <a:t>)</a:t>
             </a:r>
           </a:p>
         </p:txBody>
@@ -18635,12 +18933,12 @@
   <p:clrMapOvr>
     <a:masterClrMapping/>
   </p:clrMapOvr>
-  <p:transition spd="med" advClick="1"/>
+  <p:transition spd="med"/>
 </p:sld>
 </file>
 
 <file path=ppt/slides/slide7.xml><?xml version="1.0" encoding="utf-8"?>
-<p:sld xmlns:a="http://schemas.openxmlformats.org/drawingml/2006/main" xmlns:r="http://schemas.openxmlformats.org/officeDocument/2006/relationships" xmlns:p="http://schemas.openxmlformats.org/presentationml/2006/main" showMasterSp="1" showMasterPhAnim="1">
+<p:sld xmlns:a="http://schemas.openxmlformats.org/drawingml/2006/main" xmlns:r="http://schemas.openxmlformats.org/officeDocument/2006/relationships" xmlns:p="http://schemas.openxmlformats.org/presentationml/2006/main">
   <p:cSld>
     <p:spTree>
       <p:nvGrpSpPr>
@@ -18659,7 +18957,9 @@
       <p:sp>
         <p:nvSpPr>
           <p:cNvPr id="230" name="Shape 230"/>
-          <p:cNvSpPr/>
+          <p:cNvSpPr>
+            <a:spLocks noGrp="1"/>
+          </p:cNvSpPr>
           <p:nvPr>
             <p:ph type="title"/>
           </p:nvPr>
@@ -18678,14 +18978,14 @@
           <a:lstStyle/>
           <a:p>
             <a:pPr lvl="0">
-              <a:defRPr cap="none" sz="1800">
+              <a:defRPr sz="1800" cap="none">
                 <a:solidFill>
                   <a:srgbClr val="000000"/>
                 </a:solidFill>
               </a:defRPr>
             </a:pPr>
             <a:r>
-              <a:rPr cap="all" sz="3600">
+              <a:rPr sz="3600" cap="all">
                 <a:solidFill>
                   <a:srgbClr val="FFFFFF"/>
                 </a:solidFill>
@@ -18693,37 +18993,17 @@
               <a:t>Maquettes : inscription, login , accueil</a:t>
             </a:r>
             <a:br>
-              <a:rPr cap="all" sz="3600">
+              <a:rPr sz="3600" cap="all">
                 <a:solidFill>
                   <a:srgbClr val="FFFFFF"/>
                 </a:solidFill>
               </a:rPr>
             </a:br>
-          </a:p>
-        </p:txBody>
-      </p:sp>
-      <p:sp>
-        <p:nvSpPr>
-          <p:cNvPr id="231" name="Shape 231"/>
-          <p:cNvSpPr/>
-          <p:nvPr>
-            <p:ph type="body" idx="1"/>
-          </p:nvPr>
-        </p:nvSpPr>
-        <p:spPr>
-          <a:xfrm>
-            <a:off x="1141411" y="2249486"/>
-            <a:ext cx="9906001" cy="3541715"/>
-          </a:xfrm>
-          <a:prstGeom prst="rect">
-            <a:avLst/>
-          </a:prstGeom>
-        </p:spPr>
-        <p:txBody>
-          <a:bodyPr/>
-          <a:lstStyle/>
-          <a:p>
-            <a:pPr lvl="0"/>
+            <a:endParaRPr sz="3600" cap="all">
+              <a:solidFill>
+                <a:srgbClr val="FFFFFF"/>
+              </a:solidFill>
+            </a:endParaRPr>
           </a:p>
         </p:txBody>
       </p:sp>
@@ -18791,7 +19071,7 @@
           <a:blip r:embed="rId4">
             <a:extLst/>
           </a:blip>
-          <a:srcRect l="1418" t="0" r="1418" b="0"/>
+          <a:srcRect l="1418" r="1418"/>
           <a:stretch>
             <a:fillRect/>
           </a:stretch>
@@ -18828,7 +19108,7 @@
           </a:ln>
           <a:extLst>
             <a:ext uri="{C572A759-6A51-4108-AA02-DFA0A04FC94B}">
-              <ma14:wrappingTextBoxFlag xmlns:ma14="http://schemas.microsoft.com/office/mac/drawingml/2011/main" val="1"/>
+              <ma14:wrappingTextBoxFlag xmlns:ma14="http://schemas.microsoft.com/office/mac/drawingml/2011/main" xmlns="" val="1"/>
             </a:ext>
           </a:extLst>
         </p:spPr>
@@ -18884,6 +19164,7 @@
                 <a:sym typeface="Helvetica"/>
               </a:defRPr>
             </a:pPr>
+            <a:endParaRPr/>
           </a:p>
         </p:txBody>
       </p:sp>
@@ -18906,7 +19187,7 @@
           </a:ln>
           <a:extLst>
             <a:ext uri="{C572A759-6A51-4108-AA02-DFA0A04FC94B}">
-              <ma14:wrappingTextBoxFlag xmlns:ma14="http://schemas.microsoft.com/office/mac/drawingml/2011/main" val="1"/>
+              <ma14:wrappingTextBoxFlag xmlns:ma14="http://schemas.microsoft.com/office/mac/drawingml/2011/main" xmlns="" val="1"/>
             </a:ext>
           </a:extLst>
         </p:spPr>
@@ -18968,6 +19249,7 @@
                 <a:sym typeface="Helvetica"/>
               </a:defRPr>
             </a:pPr>
+            <a:endParaRPr/>
           </a:p>
         </p:txBody>
       </p:sp>
@@ -18990,7 +19272,7 @@
           </a:ln>
           <a:extLst>
             <a:ext uri="{C572A759-6A51-4108-AA02-DFA0A04FC94B}">
-              <ma14:wrappingTextBoxFlag xmlns:ma14="http://schemas.microsoft.com/office/mac/drawingml/2011/main" val="1"/>
+              <ma14:wrappingTextBoxFlag xmlns:ma14="http://schemas.microsoft.com/office/mac/drawingml/2011/main" xmlns="" val="1"/>
             </a:ext>
           </a:extLst>
         </p:spPr>
@@ -19024,12 +19306,12 @@
   <p:clrMapOvr>
     <a:masterClrMapping/>
   </p:clrMapOvr>
-  <p:transition spd="med" advClick="1"/>
+  <p:transition spd="med"/>
 </p:sld>
 </file>
 
 <file path=ppt/slides/slide8.xml><?xml version="1.0" encoding="utf-8"?>
-<p:sld xmlns:a="http://schemas.openxmlformats.org/drawingml/2006/main" xmlns:r="http://schemas.openxmlformats.org/officeDocument/2006/relationships" xmlns:p="http://schemas.openxmlformats.org/presentationml/2006/main" showMasterSp="1" showMasterPhAnim="1">
+<p:sld xmlns:a="http://schemas.openxmlformats.org/drawingml/2006/main" xmlns:r="http://schemas.openxmlformats.org/officeDocument/2006/relationships" xmlns:p="http://schemas.openxmlformats.org/presentationml/2006/main">
   <p:cSld>
     <p:spTree>
       <p:nvGrpSpPr>
@@ -19048,7 +19330,9 @@
       <p:sp>
         <p:nvSpPr>
           <p:cNvPr id="241" name="Shape 241"/>
-          <p:cNvSpPr/>
+          <p:cNvSpPr>
+            <a:spLocks noGrp="1"/>
+          </p:cNvSpPr>
           <p:nvPr>
             <p:ph type="sldNum" sz="quarter" idx="2"/>
           </p:nvPr>
@@ -19059,7 +19343,7 @@
           </a:prstGeom>
           <a:extLst>
             <a:ext uri="{C572A759-6A51-4108-AA02-DFA0A04FC94B}">
-              <ma14:wrappingTextBoxFlag xmlns:ma14="http://schemas.microsoft.com/office/mac/drawingml/2011/main" val="1"/>
+              <ma14:wrappingTextBoxFlag xmlns:ma14="http://schemas.microsoft.com/office/mac/drawingml/2011/main" xmlns="" val="1"/>
             </a:ext>
           </a:extLst>
         </p:spPr>
@@ -19080,14 +19364,22 @@
                   <a:srgbClr val="FFFFFF"/>
                 </a:solidFill>
               </a:rPr>
+              <a:t>8</a:t>
             </a:fld>
+            <a:endParaRPr sz="1000">
+              <a:solidFill>
+                <a:srgbClr val="FFFFFF"/>
+              </a:solidFill>
+            </a:endParaRPr>
           </a:p>
         </p:txBody>
       </p:sp>
       <p:sp>
         <p:nvSpPr>
           <p:cNvPr id="242" name="Shape 242"/>
-          <p:cNvSpPr/>
+          <p:cNvSpPr>
+            <a:spLocks noGrp="1"/>
+          </p:cNvSpPr>
           <p:nvPr>
             <p:ph type="title"/>
           </p:nvPr>
@@ -19110,14 +19402,14 @@
           </a:lstStyle>
           <a:p>
             <a:pPr lvl="0">
-              <a:defRPr cap="none" sz="1800">
+              <a:defRPr sz="1800" cap="none">
                 <a:solidFill>
                   <a:srgbClr val="000000"/>
                 </a:solidFill>
               </a:defRPr>
             </a:pPr>
             <a:r>
-              <a:rPr cap="all" sz="3600">
+              <a:rPr sz="3600" cap="all">
                 <a:solidFill>
                   <a:srgbClr val="FFFFFF"/>
                 </a:solidFill>
@@ -19187,6 +19479,7 @@
                 <a:sym typeface="Helvetica"/>
               </a:defRPr>
             </a:pPr>
+            <a:endParaRPr/>
           </a:p>
         </p:txBody>
       </p:sp>
@@ -19209,7 +19502,7 @@
           </a:ln>
           <a:extLst>
             <a:ext uri="{C572A759-6A51-4108-AA02-DFA0A04FC94B}">
-              <ma14:wrappingTextBoxFlag xmlns:ma14="http://schemas.microsoft.com/office/mac/drawingml/2011/main" val="1"/>
+              <ma14:wrappingTextBoxFlag xmlns:ma14="http://schemas.microsoft.com/office/mac/drawingml/2011/main" xmlns="" val="1"/>
             </a:ext>
           </a:extLst>
         </p:spPr>
@@ -19231,12 +19524,12 @@
   <p:clrMapOvr>
     <a:masterClrMapping/>
   </p:clrMapOvr>
-  <p:transition spd="med" advClick="1"/>
+  <p:transition spd="med"/>
 </p:sld>
 </file>
 
 <file path=ppt/slides/slide9.xml><?xml version="1.0" encoding="utf-8"?>
-<p:sld xmlns:a="http://schemas.openxmlformats.org/drawingml/2006/main" xmlns:r="http://schemas.openxmlformats.org/officeDocument/2006/relationships" xmlns:p="http://schemas.openxmlformats.org/presentationml/2006/main" showMasterSp="1" showMasterPhAnim="1">
+<p:sld xmlns:a="http://schemas.openxmlformats.org/drawingml/2006/main" xmlns:r="http://schemas.openxmlformats.org/officeDocument/2006/relationships" xmlns:p="http://schemas.openxmlformats.org/presentationml/2006/main">
   <p:cSld>
     <p:spTree>
       <p:nvGrpSpPr>
@@ -19255,7 +19548,9 @@
       <p:sp>
         <p:nvSpPr>
           <p:cNvPr id="247" name="Shape 247"/>
-          <p:cNvSpPr/>
+          <p:cNvSpPr>
+            <a:spLocks noGrp="1"/>
+          </p:cNvSpPr>
           <p:nvPr>
             <p:ph type="sldNum" sz="quarter" idx="2"/>
           </p:nvPr>
@@ -19266,7 +19561,7 @@
           </a:prstGeom>
           <a:extLst>
             <a:ext uri="{C572A759-6A51-4108-AA02-DFA0A04FC94B}">
-              <ma14:wrappingTextBoxFlag xmlns:ma14="http://schemas.microsoft.com/office/mac/drawingml/2011/main" val="1"/>
+              <ma14:wrappingTextBoxFlag xmlns:ma14="http://schemas.microsoft.com/office/mac/drawingml/2011/main" xmlns="" val="1"/>
             </a:ext>
           </a:extLst>
         </p:spPr>
@@ -19287,14 +19582,22 @@
                   <a:srgbClr val="FFFFFF"/>
                 </a:solidFill>
               </a:rPr>
+              <a:t>9</a:t>
             </a:fld>
+            <a:endParaRPr sz="1000">
+              <a:solidFill>
+                <a:srgbClr val="FFFFFF"/>
+              </a:solidFill>
+            </a:endParaRPr>
           </a:p>
         </p:txBody>
       </p:sp>
       <p:sp>
         <p:nvSpPr>
           <p:cNvPr id="248" name="Shape 248"/>
-          <p:cNvSpPr/>
+          <p:cNvSpPr>
+            <a:spLocks noGrp="1"/>
+          </p:cNvSpPr>
           <p:nvPr>
             <p:ph type="title"/>
           </p:nvPr>
@@ -19317,14 +19620,14 @@
           </a:lstStyle>
           <a:p>
             <a:pPr lvl="0">
-              <a:defRPr cap="none" sz="1800">
+              <a:defRPr sz="1800" cap="none">
                 <a:solidFill>
                   <a:srgbClr val="000000"/>
                 </a:solidFill>
               </a:defRPr>
             </a:pPr>
             <a:r>
-              <a:rPr cap="all" sz="3600">
+              <a:rPr sz="3600" cap="all">
                 <a:solidFill>
                   <a:srgbClr val="FFFFFF"/>
                 </a:solidFill>
@@ -19370,7 +19673,7 @@
         <p:spPr>
           <a:xfrm>
             <a:off x="1593950" y="886740"/>
-            <a:ext cx="2486582" cy="574041"/>
+            <a:ext cx="2612252" cy="646331"/>
           </a:xfrm>
           <a:prstGeom prst="rect">
             <a:avLst/>
@@ -19380,7 +19683,7 @@
           </a:ln>
           <a:extLst>
             <a:ext uri="{C572A759-6A51-4108-AA02-DFA0A04FC94B}">
-              <ma14:wrappingTextBoxFlag xmlns:ma14="http://schemas.microsoft.com/office/mac/drawingml/2011/main" val="1"/>
+              <ma14:wrappingTextBoxFlag xmlns:ma14="http://schemas.microsoft.com/office/mac/drawingml/2011/main" xmlns="" val="1"/>
             </a:ext>
           </a:extLst>
         </p:spPr>
@@ -19392,14 +19695,45 @@
           <a:p>
             <a:pPr lvl="0"/>
             <a:r>
-              <a:t>récapitulatif des </a:t>
+              <a:rPr dirty="0" err="1"/>
+              <a:t>récapitulatif</a:t>
+            </a:r>
+            <a:r>
+              <a:rPr dirty="0"/>
+              <a:t> des </a:t>
             </a:r>
           </a:p>
           <a:p>
             <a:pPr lvl="0"/>
             <a:r>
-              <a:t>votes auquels on participe</a:t>
+              <a:rPr dirty="0"/>
+              <a:t>votes </a:t>
             </a:r>
+            <a:r>
+              <a:rPr dirty="0" smtClean="0"/>
+              <a:t>au</a:t>
+            </a:r>
+            <a:r>
+              <a:rPr lang="fr-FR" dirty="0" smtClean="0"/>
+              <a:t>x</a:t>
+            </a:r>
+            <a:r>
+              <a:rPr dirty="0" err="1" smtClean="0"/>
+              <a:t>quels</a:t>
+            </a:r>
+            <a:r>
+              <a:rPr dirty="0" smtClean="0"/>
+              <a:t> </a:t>
+            </a:r>
+            <a:r>
+              <a:rPr dirty="0"/>
+              <a:t>on </a:t>
+            </a:r>
+            <a:r>
+              <a:rPr dirty="0" err="1"/>
+              <a:t>participe</a:t>
+            </a:r>
+            <a:endParaRPr dirty="0"/>
           </a:p>
         </p:txBody>
       </p:sp>
@@ -19422,7 +19756,7 @@
           </a:ln>
           <a:extLst>
             <a:ext uri="{C572A759-6A51-4108-AA02-DFA0A04FC94B}">
-              <ma14:wrappingTextBoxFlag xmlns:ma14="http://schemas.microsoft.com/office/mac/drawingml/2011/main" val="1"/>
+              <ma14:wrappingTextBoxFlag xmlns:ma14="http://schemas.microsoft.com/office/mac/drawingml/2011/main" xmlns="" val="1"/>
             </a:ext>
           </a:extLst>
         </p:spPr>
@@ -19464,7 +19798,7 @@
           </a:ln>
           <a:extLst>
             <a:ext uri="{C572A759-6A51-4108-AA02-DFA0A04FC94B}">
-              <ma14:wrappingTextBoxFlag xmlns:ma14="http://schemas.microsoft.com/office/mac/drawingml/2011/main" val="1"/>
+              <ma14:wrappingTextBoxFlag xmlns:ma14="http://schemas.microsoft.com/office/mac/drawingml/2011/main" xmlns="" val="1"/>
             </a:ext>
           </a:extLst>
         </p:spPr>
@@ -19492,12 +19826,12 @@
   <p:clrMapOvr>
     <a:masterClrMapping/>
   </p:clrMapOvr>
-  <p:transition spd="med" advClick="1"/>
+  <p:transition spd="med"/>
 </p:sld>
 </file>
 
 <file path=ppt/theme/theme1.xml><?xml version="1.0" encoding="utf-8"?>
-<a:theme xmlns:a="http://schemas.openxmlformats.org/drawingml/2006/main" xmlns:r="http://schemas.openxmlformats.org/officeDocument/2006/relationships" name="Default">
+<a:theme xmlns:a="http://schemas.openxmlformats.org/drawingml/2006/main" name="Default">
   <a:themeElements>
     <a:clrScheme name="Default">
       <a:dk1>
@@ -19698,7 +20032,7 @@
         </a:ln>
         <a:effectLst/>
       </a:spPr>
-      <a:bodyPr rot="0" spcFirstLastPara="1" vertOverflow="overflow" horzOverflow="overflow" vert="horz" wrap="square" lIns="45719" tIns="45719" rIns="45719" bIns="45719" numCol="1" spcCol="38100" rtlCol="0" anchor="ctr" upright="0">
+      <a:bodyPr rot="0" spcFirstLastPara="1" vertOverflow="overflow" horzOverflow="overflow" vert="horz" wrap="square" lIns="45719" tIns="45719" rIns="45719" bIns="45719" numCol="1" spcCol="38100" rtlCol="0" anchor="ctr">
         <a:spAutoFit/>
       </a:bodyPr>
       <a:lstStyle>
@@ -19717,7 +20051,7 @@
           <a:buFontTx/>
           <a:buNone/>
           <a:tabLst/>
-          <a:defRPr b="0" baseline="0" cap="none" i="0" spc="0" strike="noStrike" sz="1800" u="none" kumimoji="0" normalizeH="0">
+          <a:defRPr kumimoji="0" sz="1800" b="0" i="0" u="none" strike="noStrike" cap="none" spc="0" normalizeH="0" baseline="0">
             <a:ln>
               <a:noFill/>
             </a:ln>
@@ -19747,7 +20081,7 @@
           <a:buFontTx/>
           <a:buNone/>
           <a:tabLst/>
-          <a:defRPr b="0" baseline="0" cap="none" i="0" spc="0" strike="noStrike" sz="1800" u="none" kumimoji="0" normalizeH="0">
+          <a:defRPr kumimoji="0" sz="1800" b="0" i="0" u="none" strike="noStrike" cap="none" spc="0" normalizeH="0" baseline="0">
             <a:ln>
               <a:noFill/>
             </a:ln>
@@ -19773,7 +20107,7 @@
           <a:buFontTx/>
           <a:buNone/>
           <a:tabLst/>
-          <a:defRPr b="0" baseline="0" cap="none" i="0" spc="0" strike="noStrike" sz="1800" u="none" kumimoji="0" normalizeH="0">
+          <a:defRPr kumimoji="0" sz="1800" b="0" i="0" u="none" strike="noStrike" cap="none" spc="0" normalizeH="0" baseline="0">
             <a:ln>
               <a:noFill/>
             </a:ln>
@@ -19799,7 +20133,7 @@
           <a:buFontTx/>
           <a:buNone/>
           <a:tabLst/>
-          <a:defRPr b="0" baseline="0" cap="none" i="0" spc="0" strike="noStrike" sz="1800" u="none" kumimoji="0" normalizeH="0">
+          <a:defRPr kumimoji="0" sz="1800" b="0" i="0" u="none" strike="noStrike" cap="none" spc="0" normalizeH="0" baseline="0">
             <a:ln>
               <a:noFill/>
             </a:ln>
@@ -19825,7 +20159,7 @@
           <a:buFontTx/>
           <a:buNone/>
           <a:tabLst/>
-          <a:defRPr b="0" baseline="0" cap="none" i="0" spc="0" strike="noStrike" sz="1800" u="none" kumimoji="0" normalizeH="0">
+          <a:defRPr kumimoji="0" sz="1800" b="0" i="0" u="none" strike="noStrike" cap="none" spc="0" normalizeH="0" baseline="0">
             <a:ln>
               <a:noFill/>
             </a:ln>
@@ -19851,7 +20185,7 @@
           <a:buFontTx/>
           <a:buNone/>
           <a:tabLst/>
-          <a:defRPr b="0" baseline="0" cap="none" i="0" spc="0" strike="noStrike" sz="1800" u="none" kumimoji="0" normalizeH="0">
+          <a:defRPr kumimoji="0" sz="1800" b="0" i="0" u="none" strike="noStrike" cap="none" spc="0" normalizeH="0" baseline="0">
             <a:ln>
               <a:noFill/>
             </a:ln>
@@ -19877,7 +20211,7 @@
           <a:buFontTx/>
           <a:buNone/>
           <a:tabLst/>
-          <a:defRPr b="0" baseline="0" cap="none" i="0" spc="0" strike="noStrike" sz="1800" u="none" kumimoji="0" normalizeH="0">
+          <a:defRPr kumimoji="0" sz="1800" b="0" i="0" u="none" strike="noStrike" cap="none" spc="0" normalizeH="0" baseline="0">
             <a:ln>
               <a:noFill/>
             </a:ln>
@@ -19903,7 +20237,7 @@
           <a:buFontTx/>
           <a:buNone/>
           <a:tabLst/>
-          <a:defRPr b="0" baseline="0" cap="none" i="0" spc="0" strike="noStrike" sz="1800" u="none" kumimoji="0" normalizeH="0">
+          <a:defRPr kumimoji="0" sz="1800" b="0" i="0" u="none" strike="noStrike" cap="none" spc="0" normalizeH="0" baseline="0">
             <a:ln>
               <a:noFill/>
             </a:ln>
@@ -19929,7 +20263,7 @@
           <a:buFontTx/>
           <a:buNone/>
           <a:tabLst/>
-          <a:defRPr b="0" baseline="0" cap="none" i="0" spc="0" strike="noStrike" sz="1800" u="none" kumimoji="0" normalizeH="0">
+          <a:defRPr kumimoji="0" sz="1800" b="0" i="0" u="none" strike="noStrike" cap="none" spc="0" normalizeH="0" baseline="0">
             <a:ln>
               <a:noFill/>
             </a:ln>
@@ -19955,7 +20289,7 @@
           <a:buFontTx/>
           <a:buNone/>
           <a:tabLst/>
-          <a:defRPr b="0" baseline="0" cap="none" i="0" spc="0" strike="noStrike" sz="1800" u="none" kumimoji="0" normalizeH="0">
+          <a:defRPr kumimoji="0" sz="1800" b="0" i="0" u="none" strike="noStrike" cap="none" spc="0" normalizeH="0" baseline="0">
             <a:ln>
               <a:noFill/>
             </a:ln>
@@ -19968,9 +20302,15 @@
         </a:lvl9pPr>
       </a:lstStyle>
       <a:style>
-        <a:lnRef idx="0"/>
-        <a:fillRef idx="0"/>
-        <a:effectRef idx="0"/>
+        <a:lnRef idx="0">
+          <a:scrgbClr r="0" g="0" b="0"/>
+        </a:lnRef>
+        <a:fillRef idx="0">
+          <a:scrgbClr r="0" g="0" b="0"/>
+        </a:fillRef>
+        <a:effectRef idx="0">
+          <a:scrgbClr r="0" g="0" b="0"/>
+        </a:effectRef>
         <a:fontRef idx="none"/>
       </a:style>
     </a:spDef>
@@ -19986,7 +20326,7 @@
         </a:ln>
         <a:effectLst/>
       </a:spPr>
-      <a:bodyPr rot="0" spcFirstLastPara="1" vertOverflow="overflow" horzOverflow="overflow" vert="horz" wrap="square" lIns="91439" tIns="45719" rIns="91439" bIns="45719" numCol="1" spcCol="38100" rtlCol="0" anchor="t" upright="0">
+      <a:bodyPr rot="0" spcFirstLastPara="1" vertOverflow="overflow" horzOverflow="overflow" vert="horz" wrap="square" lIns="91439" tIns="45719" rIns="91439" bIns="45719" numCol="1" spcCol="38100" rtlCol="0" anchor="t">
         <a:noAutofit/>
       </a:bodyPr>
       <a:lstStyle>
@@ -20005,7 +20345,7 @@
           <a:buFontTx/>
           <a:buNone/>
           <a:tabLst/>
-          <a:defRPr b="0" baseline="0" cap="none" i="0" spc="0" strike="noStrike" sz="1800" u="none" kumimoji="0" normalizeH="0">
+          <a:defRPr kumimoji="0" sz="1800" b="0" i="0" u="none" strike="noStrike" cap="none" spc="0" normalizeH="0" baseline="0">
             <a:ln>
               <a:noFill/>
             </a:ln>
@@ -20031,7 +20371,7 @@
           <a:buFontTx/>
           <a:buNone/>
           <a:tabLst/>
-          <a:defRPr b="0" baseline="0" cap="none" i="0" spc="0" strike="noStrike" sz="1800" u="none" kumimoji="0" normalizeH="0">
+          <a:defRPr kumimoji="0" sz="1800" b="0" i="0" u="none" strike="noStrike" cap="none" spc="0" normalizeH="0" baseline="0">
             <a:ln>
               <a:noFill/>
             </a:ln>
@@ -20057,7 +20397,7 @@
           <a:buFontTx/>
           <a:buNone/>
           <a:tabLst/>
-          <a:defRPr b="0" baseline="0" cap="none" i="0" spc="0" strike="noStrike" sz="1800" u="none" kumimoji="0" normalizeH="0">
+          <a:defRPr kumimoji="0" sz="1800" b="0" i="0" u="none" strike="noStrike" cap="none" spc="0" normalizeH="0" baseline="0">
             <a:ln>
               <a:noFill/>
             </a:ln>
@@ -20083,7 +20423,7 @@
           <a:buFontTx/>
           <a:buNone/>
           <a:tabLst/>
-          <a:defRPr b="0" baseline="0" cap="none" i="0" spc="0" strike="noStrike" sz="1800" u="none" kumimoji="0" normalizeH="0">
+          <a:defRPr kumimoji="0" sz="1800" b="0" i="0" u="none" strike="noStrike" cap="none" spc="0" normalizeH="0" baseline="0">
             <a:ln>
               <a:noFill/>
             </a:ln>
@@ -20109,7 +20449,7 @@
           <a:buFontTx/>
           <a:buNone/>
           <a:tabLst/>
-          <a:defRPr b="0" baseline="0" cap="none" i="0" spc="0" strike="noStrike" sz="1800" u="none" kumimoji="0" normalizeH="0">
+          <a:defRPr kumimoji="0" sz="1800" b="0" i="0" u="none" strike="noStrike" cap="none" spc="0" normalizeH="0" baseline="0">
             <a:ln>
               <a:noFill/>
             </a:ln>
@@ -20135,7 +20475,7 @@
           <a:buFontTx/>
           <a:buNone/>
           <a:tabLst/>
-          <a:defRPr b="0" baseline="0" cap="none" i="0" spc="0" strike="noStrike" sz="1800" u="none" kumimoji="0" normalizeH="0">
+          <a:defRPr kumimoji="0" sz="1800" b="0" i="0" u="none" strike="noStrike" cap="none" spc="0" normalizeH="0" baseline="0">
             <a:ln>
               <a:noFill/>
             </a:ln>
@@ -20161,7 +20501,7 @@
           <a:buFontTx/>
           <a:buNone/>
           <a:tabLst/>
-          <a:defRPr b="0" baseline="0" cap="none" i="0" spc="0" strike="noStrike" sz="1800" u="none" kumimoji="0" normalizeH="0">
+          <a:defRPr kumimoji="0" sz="1800" b="0" i="0" u="none" strike="noStrike" cap="none" spc="0" normalizeH="0" baseline="0">
             <a:ln>
               <a:noFill/>
             </a:ln>
@@ -20187,7 +20527,7 @@
           <a:buFontTx/>
           <a:buNone/>
           <a:tabLst/>
-          <a:defRPr b="0" baseline="0" cap="none" i="0" spc="0" strike="noStrike" sz="1800" u="none" kumimoji="0" normalizeH="0">
+          <a:defRPr kumimoji="0" sz="1800" b="0" i="0" u="none" strike="noStrike" cap="none" spc="0" normalizeH="0" baseline="0">
             <a:ln>
               <a:noFill/>
             </a:ln>
@@ -20213,7 +20553,7 @@
           <a:buFontTx/>
           <a:buNone/>
           <a:tabLst/>
-          <a:defRPr b="0" baseline="0" cap="none" i="0" spc="0" strike="noStrike" sz="1800" u="none" kumimoji="0" normalizeH="0">
+          <a:defRPr kumimoji="0" sz="1800" b="0" i="0" u="none" strike="noStrike" cap="none" spc="0" normalizeH="0" baseline="0">
             <a:ln>
               <a:noFill/>
             </a:ln>
@@ -20239,7 +20579,7 @@
           <a:buFontTx/>
           <a:buNone/>
           <a:tabLst/>
-          <a:defRPr b="0" baseline="0" cap="none" i="0" spc="0" strike="noStrike" sz="1800" u="none" kumimoji="0" normalizeH="0">
+          <a:defRPr kumimoji="0" sz="1800" b="0" i="0" u="none" strike="noStrike" cap="none" spc="0" normalizeH="0" baseline="0">
             <a:ln>
               <a:noFill/>
             </a:ln>
@@ -20252,9 +20592,15 @@
         </a:lvl9pPr>
       </a:lstStyle>
       <a:style>
-        <a:lnRef idx="0"/>
-        <a:fillRef idx="0"/>
-        <a:effectRef idx="0"/>
+        <a:lnRef idx="0">
+          <a:scrgbClr r="0" g="0" b="0"/>
+        </a:lnRef>
+        <a:fillRef idx="0">
+          <a:scrgbClr r="0" g="0" b="0"/>
+        </a:fillRef>
+        <a:effectRef idx="0">
+          <a:scrgbClr r="0" g="0" b="0"/>
+        </a:effectRef>
         <a:fontRef idx="none"/>
       </a:style>
     </a:lnDef>
@@ -20267,7 +20613,7 @@
         </a:ln>
         <a:effectLst/>
       </a:spPr>
-      <a:bodyPr rot="0" spcFirstLastPara="1" vertOverflow="overflow" horzOverflow="overflow" vert="horz" wrap="square" lIns="45719" tIns="45719" rIns="45719" bIns="45719" numCol="1" spcCol="38100" rtlCol="0" anchor="t" upright="0">
+      <a:bodyPr rot="0" spcFirstLastPara="1" vertOverflow="overflow" horzOverflow="overflow" vert="horz" wrap="square" lIns="45719" tIns="45719" rIns="45719" bIns="45719" numCol="1" spcCol="38100" rtlCol="0" anchor="t">
         <a:spAutoFit/>
       </a:bodyPr>
       <a:lstStyle>
@@ -20286,7 +20632,7 @@
           <a:buFontTx/>
           <a:buNone/>
           <a:tabLst/>
-          <a:defRPr b="0" baseline="0" cap="none" i="0" spc="0" strike="noStrike" sz="1800" u="none" kumimoji="0" normalizeH="0">
+          <a:defRPr kumimoji="0" sz="1800" b="0" i="0" u="none" strike="noStrike" cap="none" spc="0" normalizeH="0" baseline="0">
             <a:ln>
               <a:noFill/>
             </a:ln>
@@ -20316,7 +20662,7 @@
           <a:buFontTx/>
           <a:buNone/>
           <a:tabLst/>
-          <a:defRPr b="0" baseline="0" cap="none" i="0" spc="0" strike="noStrike" sz="1800" u="none" kumimoji="0" normalizeH="0">
+          <a:defRPr kumimoji="0" sz="1800" b="0" i="0" u="none" strike="noStrike" cap="none" spc="0" normalizeH="0" baseline="0">
             <a:ln>
               <a:noFill/>
             </a:ln>
@@ -20342,7 +20688,7 @@
           <a:buFontTx/>
           <a:buNone/>
           <a:tabLst/>
-          <a:defRPr b="0" baseline="0" cap="none" i="0" spc="0" strike="noStrike" sz="1800" u="none" kumimoji="0" normalizeH="0">
+          <a:defRPr kumimoji="0" sz="1800" b="0" i="0" u="none" strike="noStrike" cap="none" spc="0" normalizeH="0" baseline="0">
             <a:ln>
               <a:noFill/>
             </a:ln>
@@ -20368,7 +20714,7 @@
           <a:buFontTx/>
           <a:buNone/>
           <a:tabLst/>
-          <a:defRPr b="0" baseline="0" cap="none" i="0" spc="0" strike="noStrike" sz="1800" u="none" kumimoji="0" normalizeH="0">
+          <a:defRPr kumimoji="0" sz="1800" b="0" i="0" u="none" strike="noStrike" cap="none" spc="0" normalizeH="0" baseline="0">
             <a:ln>
               <a:noFill/>
             </a:ln>
@@ -20394,7 +20740,7 @@
           <a:buFontTx/>
           <a:buNone/>
           <a:tabLst/>
-          <a:defRPr b="0" baseline="0" cap="none" i="0" spc="0" strike="noStrike" sz="1800" u="none" kumimoji="0" normalizeH="0">
+          <a:defRPr kumimoji="0" sz="1800" b="0" i="0" u="none" strike="noStrike" cap="none" spc="0" normalizeH="0" baseline="0">
             <a:ln>
               <a:noFill/>
             </a:ln>
@@ -20420,7 +20766,7 @@
           <a:buFontTx/>
           <a:buNone/>
           <a:tabLst/>
-          <a:defRPr b="0" baseline="0" cap="none" i="0" spc="0" strike="noStrike" sz="1800" u="none" kumimoji="0" normalizeH="0">
+          <a:defRPr kumimoji="0" sz="1800" b="0" i="0" u="none" strike="noStrike" cap="none" spc="0" normalizeH="0" baseline="0">
             <a:ln>
               <a:noFill/>
             </a:ln>
@@ -20446,7 +20792,7 @@
           <a:buFontTx/>
           <a:buNone/>
           <a:tabLst/>
-          <a:defRPr b="0" baseline="0" cap="none" i="0" spc="0" strike="noStrike" sz="1800" u="none" kumimoji="0" normalizeH="0">
+          <a:defRPr kumimoji="0" sz="1800" b="0" i="0" u="none" strike="noStrike" cap="none" spc="0" normalizeH="0" baseline="0">
             <a:ln>
               <a:noFill/>
             </a:ln>
@@ -20472,7 +20818,7 @@
           <a:buFontTx/>
           <a:buNone/>
           <a:tabLst/>
-          <a:defRPr b="0" baseline="0" cap="none" i="0" spc="0" strike="noStrike" sz="1800" u="none" kumimoji="0" normalizeH="0">
+          <a:defRPr kumimoji="0" sz="1800" b="0" i="0" u="none" strike="noStrike" cap="none" spc="0" normalizeH="0" baseline="0">
             <a:ln>
               <a:noFill/>
             </a:ln>
@@ -20498,7 +20844,7 @@
           <a:buFontTx/>
           <a:buNone/>
           <a:tabLst/>
-          <a:defRPr b="0" baseline="0" cap="none" i="0" spc="0" strike="noStrike" sz="1800" u="none" kumimoji="0" normalizeH="0">
+          <a:defRPr kumimoji="0" sz="1800" b="0" i="0" u="none" strike="noStrike" cap="none" spc="0" normalizeH="0" baseline="0">
             <a:ln>
               <a:noFill/>
             </a:ln>
@@ -20524,7 +20870,7 @@
           <a:buFontTx/>
           <a:buNone/>
           <a:tabLst/>
-          <a:defRPr b="0" baseline="0" cap="none" i="0" spc="0" strike="noStrike" sz="1800" u="none" kumimoji="0" normalizeH="0">
+          <a:defRPr kumimoji="0" sz="1800" b="0" i="0" u="none" strike="noStrike" cap="none" spc="0" normalizeH="0" baseline="0">
             <a:ln>
               <a:noFill/>
             </a:ln>
@@ -20537,18 +20883,25 @@
         </a:lvl9pPr>
       </a:lstStyle>
       <a:style>
-        <a:lnRef idx="0"/>
-        <a:fillRef idx="0"/>
-        <a:effectRef idx="0"/>
+        <a:lnRef idx="0">
+          <a:scrgbClr r="0" g="0" b="0"/>
+        </a:lnRef>
+        <a:fillRef idx="0">
+          <a:scrgbClr r="0" g="0" b="0"/>
+        </a:fillRef>
+        <a:effectRef idx="0">
+          <a:scrgbClr r="0" g="0" b="0"/>
+        </a:effectRef>
         <a:fontRef idx="none"/>
       </a:style>
     </a:txDef>
   </a:objectDefaults>
+  <a:extraClrSchemeLst/>
 </a:theme>
 </file>
 
 <file path=ppt/theme/theme2.xml><?xml version="1.0" encoding="utf-8"?>
-<a:theme xmlns:a="http://schemas.openxmlformats.org/drawingml/2006/main" xmlns:r="http://schemas.openxmlformats.org/officeDocument/2006/relationships" name="Default">
+<a:theme xmlns:a="http://schemas.openxmlformats.org/drawingml/2006/main" name="Default">
   <a:themeElements>
     <a:clrScheme name="Default">
       <a:dk1>
@@ -20749,7 +21102,7 @@
         </a:ln>
         <a:effectLst/>
       </a:spPr>
-      <a:bodyPr rot="0" spcFirstLastPara="1" vertOverflow="overflow" horzOverflow="overflow" vert="horz" wrap="square" lIns="45719" tIns="45719" rIns="45719" bIns="45719" numCol="1" spcCol="38100" rtlCol="0" anchor="ctr" upright="0">
+      <a:bodyPr rot="0" spcFirstLastPara="1" vertOverflow="overflow" horzOverflow="overflow" vert="horz" wrap="square" lIns="45719" tIns="45719" rIns="45719" bIns="45719" numCol="1" spcCol="38100" rtlCol="0" anchor="ctr">
         <a:spAutoFit/>
       </a:bodyPr>
       <a:lstStyle>
@@ -20768,7 +21121,7 @@
           <a:buFontTx/>
           <a:buNone/>
           <a:tabLst/>
-          <a:defRPr b="0" baseline="0" cap="none" i="0" spc="0" strike="noStrike" sz="1800" u="none" kumimoji="0" normalizeH="0">
+          <a:defRPr kumimoji="0" sz="1800" b="0" i="0" u="none" strike="noStrike" cap="none" spc="0" normalizeH="0" baseline="0">
             <a:ln>
               <a:noFill/>
             </a:ln>
@@ -20798,7 +21151,7 @@
           <a:buFontTx/>
           <a:buNone/>
           <a:tabLst/>
-          <a:defRPr b="0" baseline="0" cap="none" i="0" spc="0" strike="noStrike" sz="1800" u="none" kumimoji="0" normalizeH="0">
+          <a:defRPr kumimoji="0" sz="1800" b="0" i="0" u="none" strike="noStrike" cap="none" spc="0" normalizeH="0" baseline="0">
             <a:ln>
               <a:noFill/>
             </a:ln>
@@ -20824,7 +21177,7 @@
           <a:buFontTx/>
           <a:buNone/>
           <a:tabLst/>
-          <a:defRPr b="0" baseline="0" cap="none" i="0" spc="0" strike="noStrike" sz="1800" u="none" kumimoji="0" normalizeH="0">
+          <a:defRPr kumimoji="0" sz="1800" b="0" i="0" u="none" strike="noStrike" cap="none" spc="0" normalizeH="0" baseline="0">
             <a:ln>
               <a:noFill/>
             </a:ln>
@@ -20850,7 +21203,7 @@
           <a:buFontTx/>
           <a:buNone/>
           <a:tabLst/>
-          <a:defRPr b="0" baseline="0" cap="none" i="0" spc="0" strike="noStrike" sz="1800" u="none" kumimoji="0" normalizeH="0">
+          <a:defRPr kumimoji="0" sz="1800" b="0" i="0" u="none" strike="noStrike" cap="none" spc="0" normalizeH="0" baseline="0">
             <a:ln>
               <a:noFill/>
             </a:ln>
@@ -20876,7 +21229,7 @@
           <a:buFontTx/>
           <a:buNone/>
           <a:tabLst/>
-          <a:defRPr b="0" baseline="0" cap="none" i="0" spc="0" strike="noStrike" sz="1800" u="none" kumimoji="0" normalizeH="0">
+          <a:defRPr kumimoji="0" sz="1800" b="0" i="0" u="none" strike="noStrike" cap="none" spc="0" normalizeH="0" baseline="0">
             <a:ln>
               <a:noFill/>
             </a:ln>
@@ -20902,7 +21255,7 @@
           <a:buFontTx/>
           <a:buNone/>
           <a:tabLst/>
-          <a:defRPr b="0" baseline="0" cap="none" i="0" spc="0" strike="noStrike" sz="1800" u="none" kumimoji="0" normalizeH="0">
+          <a:defRPr kumimoji="0" sz="1800" b="0" i="0" u="none" strike="noStrike" cap="none" spc="0" normalizeH="0" baseline="0">
             <a:ln>
               <a:noFill/>
             </a:ln>
@@ -20928,7 +21281,7 @@
           <a:buFontTx/>
           <a:buNone/>
           <a:tabLst/>
-          <a:defRPr b="0" baseline="0" cap="none" i="0" spc="0" strike="noStrike" sz="1800" u="none" kumimoji="0" normalizeH="0">
+          <a:defRPr kumimoji="0" sz="1800" b="0" i="0" u="none" strike="noStrike" cap="none" spc="0" normalizeH="0" baseline="0">
             <a:ln>
               <a:noFill/>
             </a:ln>
@@ -20954,7 +21307,7 @@
           <a:buFontTx/>
           <a:buNone/>
           <a:tabLst/>
-          <a:defRPr b="0" baseline="0" cap="none" i="0" spc="0" strike="noStrike" sz="1800" u="none" kumimoji="0" normalizeH="0">
+          <a:defRPr kumimoji="0" sz="1800" b="0" i="0" u="none" strike="noStrike" cap="none" spc="0" normalizeH="0" baseline="0">
             <a:ln>
               <a:noFill/>
             </a:ln>
@@ -20980,7 +21333,7 @@
           <a:buFontTx/>
           <a:buNone/>
           <a:tabLst/>
-          <a:defRPr b="0" baseline="0" cap="none" i="0" spc="0" strike="noStrike" sz="1800" u="none" kumimoji="0" normalizeH="0">
+          <a:defRPr kumimoji="0" sz="1800" b="0" i="0" u="none" strike="noStrike" cap="none" spc="0" normalizeH="0" baseline="0">
             <a:ln>
               <a:noFill/>
             </a:ln>
@@ -21006,7 +21359,7 @@
           <a:buFontTx/>
           <a:buNone/>
           <a:tabLst/>
-          <a:defRPr b="0" baseline="0" cap="none" i="0" spc="0" strike="noStrike" sz="1800" u="none" kumimoji="0" normalizeH="0">
+          <a:defRPr kumimoji="0" sz="1800" b="0" i="0" u="none" strike="noStrike" cap="none" spc="0" normalizeH="0" baseline="0">
             <a:ln>
               <a:noFill/>
             </a:ln>
@@ -21019,9 +21372,15 @@
         </a:lvl9pPr>
       </a:lstStyle>
       <a:style>
-        <a:lnRef idx="0"/>
-        <a:fillRef idx="0"/>
-        <a:effectRef idx="0"/>
+        <a:lnRef idx="0">
+          <a:scrgbClr r="0" g="0" b="0"/>
+        </a:lnRef>
+        <a:fillRef idx="0">
+          <a:scrgbClr r="0" g="0" b="0"/>
+        </a:fillRef>
+        <a:effectRef idx="0">
+          <a:scrgbClr r="0" g="0" b="0"/>
+        </a:effectRef>
         <a:fontRef idx="none"/>
       </a:style>
     </a:spDef>
@@ -21037,7 +21396,7 @@
         </a:ln>
         <a:effectLst/>
       </a:spPr>
-      <a:bodyPr rot="0" spcFirstLastPara="1" vertOverflow="overflow" horzOverflow="overflow" vert="horz" wrap="square" lIns="91439" tIns="45719" rIns="91439" bIns="45719" numCol="1" spcCol="38100" rtlCol="0" anchor="t" upright="0">
+      <a:bodyPr rot="0" spcFirstLastPara="1" vertOverflow="overflow" horzOverflow="overflow" vert="horz" wrap="square" lIns="91439" tIns="45719" rIns="91439" bIns="45719" numCol="1" spcCol="38100" rtlCol="0" anchor="t">
         <a:noAutofit/>
       </a:bodyPr>
       <a:lstStyle>
@@ -21056,7 +21415,7 @@
           <a:buFontTx/>
           <a:buNone/>
           <a:tabLst/>
-          <a:defRPr b="0" baseline="0" cap="none" i="0" spc="0" strike="noStrike" sz="1800" u="none" kumimoji="0" normalizeH="0">
+          <a:defRPr kumimoji="0" sz="1800" b="0" i="0" u="none" strike="noStrike" cap="none" spc="0" normalizeH="0" baseline="0">
             <a:ln>
               <a:noFill/>
             </a:ln>
@@ -21082,7 +21441,7 @@
           <a:buFontTx/>
           <a:buNone/>
           <a:tabLst/>
-          <a:defRPr b="0" baseline="0" cap="none" i="0" spc="0" strike="noStrike" sz="1800" u="none" kumimoji="0" normalizeH="0">
+          <a:defRPr kumimoji="0" sz="1800" b="0" i="0" u="none" strike="noStrike" cap="none" spc="0" normalizeH="0" baseline="0">
             <a:ln>
               <a:noFill/>
             </a:ln>
@@ -21108,7 +21467,7 @@
           <a:buFontTx/>
           <a:buNone/>
           <a:tabLst/>
-          <a:defRPr b="0" baseline="0" cap="none" i="0" spc="0" strike="noStrike" sz="1800" u="none" kumimoji="0" normalizeH="0">
+          <a:defRPr kumimoji="0" sz="1800" b="0" i="0" u="none" strike="noStrike" cap="none" spc="0" normalizeH="0" baseline="0">
             <a:ln>
               <a:noFill/>
             </a:ln>
@@ -21134,7 +21493,7 @@
           <a:buFontTx/>
           <a:buNone/>
           <a:tabLst/>
-          <a:defRPr b="0" baseline="0" cap="none" i="0" spc="0" strike="noStrike" sz="1800" u="none" kumimoji="0" normalizeH="0">
+          <a:defRPr kumimoji="0" sz="1800" b="0" i="0" u="none" strike="noStrike" cap="none" spc="0" normalizeH="0" baseline="0">
             <a:ln>
               <a:noFill/>
             </a:ln>
@@ -21160,7 +21519,7 @@
           <a:buFontTx/>
           <a:buNone/>
           <a:tabLst/>
-          <a:defRPr b="0" baseline="0" cap="none" i="0" spc="0" strike="noStrike" sz="1800" u="none" kumimoji="0" normalizeH="0">
+          <a:defRPr kumimoji="0" sz="1800" b="0" i="0" u="none" strike="noStrike" cap="none" spc="0" normalizeH="0" baseline="0">
             <a:ln>
               <a:noFill/>
             </a:ln>
@@ -21186,7 +21545,7 @@
           <a:buFontTx/>
           <a:buNone/>
           <a:tabLst/>
-          <a:defRPr b="0" baseline="0" cap="none" i="0" spc="0" strike="noStrike" sz="1800" u="none" kumimoji="0" normalizeH="0">
+          <a:defRPr kumimoji="0" sz="1800" b="0" i="0" u="none" strike="noStrike" cap="none" spc="0" normalizeH="0" baseline="0">
             <a:ln>
               <a:noFill/>
             </a:ln>
@@ -21212,7 +21571,7 @@
           <a:buFontTx/>
           <a:buNone/>
           <a:tabLst/>
-          <a:defRPr b="0" baseline="0" cap="none" i="0" spc="0" strike="noStrike" sz="1800" u="none" kumimoji="0" normalizeH="0">
+          <a:defRPr kumimoji="0" sz="1800" b="0" i="0" u="none" strike="noStrike" cap="none" spc="0" normalizeH="0" baseline="0">
             <a:ln>
               <a:noFill/>
             </a:ln>
@@ -21238,7 +21597,7 @@
           <a:buFontTx/>
           <a:buNone/>
           <a:tabLst/>
-          <a:defRPr b="0" baseline="0" cap="none" i="0" spc="0" strike="noStrike" sz="1800" u="none" kumimoji="0" normalizeH="0">
+          <a:defRPr kumimoji="0" sz="1800" b="0" i="0" u="none" strike="noStrike" cap="none" spc="0" normalizeH="0" baseline="0">
             <a:ln>
               <a:noFill/>
             </a:ln>
@@ -21264,7 +21623,7 @@
           <a:buFontTx/>
           <a:buNone/>
           <a:tabLst/>
-          <a:defRPr b="0" baseline="0" cap="none" i="0" spc="0" strike="noStrike" sz="1800" u="none" kumimoji="0" normalizeH="0">
+          <a:defRPr kumimoji="0" sz="1800" b="0" i="0" u="none" strike="noStrike" cap="none" spc="0" normalizeH="0" baseline="0">
             <a:ln>
               <a:noFill/>
             </a:ln>
@@ -21290,7 +21649,7 @@
           <a:buFontTx/>
           <a:buNone/>
           <a:tabLst/>
-          <a:defRPr b="0" baseline="0" cap="none" i="0" spc="0" strike="noStrike" sz="1800" u="none" kumimoji="0" normalizeH="0">
+          <a:defRPr kumimoji="0" sz="1800" b="0" i="0" u="none" strike="noStrike" cap="none" spc="0" normalizeH="0" baseline="0">
             <a:ln>
               <a:noFill/>
             </a:ln>
@@ -21303,9 +21662,15 @@
         </a:lvl9pPr>
       </a:lstStyle>
       <a:style>
-        <a:lnRef idx="0"/>
-        <a:fillRef idx="0"/>
-        <a:effectRef idx="0"/>
+        <a:lnRef idx="0">
+          <a:scrgbClr r="0" g="0" b="0"/>
+        </a:lnRef>
+        <a:fillRef idx="0">
+          <a:scrgbClr r="0" g="0" b="0"/>
+        </a:fillRef>
+        <a:effectRef idx="0">
+          <a:scrgbClr r="0" g="0" b="0"/>
+        </a:effectRef>
         <a:fontRef idx="none"/>
       </a:style>
     </a:lnDef>
@@ -21318,7 +21683,7 @@
         </a:ln>
         <a:effectLst/>
       </a:spPr>
-      <a:bodyPr rot="0" spcFirstLastPara="1" vertOverflow="overflow" horzOverflow="overflow" vert="horz" wrap="square" lIns="45719" tIns="45719" rIns="45719" bIns="45719" numCol="1" spcCol="38100" rtlCol="0" anchor="t" upright="0">
+      <a:bodyPr rot="0" spcFirstLastPara="1" vertOverflow="overflow" horzOverflow="overflow" vert="horz" wrap="square" lIns="45719" tIns="45719" rIns="45719" bIns="45719" numCol="1" spcCol="38100" rtlCol="0" anchor="t">
         <a:spAutoFit/>
       </a:bodyPr>
       <a:lstStyle>
@@ -21337,7 +21702,7 @@
           <a:buFontTx/>
           <a:buNone/>
           <a:tabLst/>
-          <a:defRPr b="0" baseline="0" cap="none" i="0" spc="0" strike="noStrike" sz="1800" u="none" kumimoji="0" normalizeH="0">
+          <a:defRPr kumimoji="0" sz="1800" b="0" i="0" u="none" strike="noStrike" cap="none" spc="0" normalizeH="0" baseline="0">
             <a:ln>
               <a:noFill/>
             </a:ln>
@@ -21367,7 +21732,7 @@
           <a:buFontTx/>
           <a:buNone/>
           <a:tabLst/>
-          <a:defRPr b="0" baseline="0" cap="none" i="0" spc="0" strike="noStrike" sz="1800" u="none" kumimoji="0" normalizeH="0">
+          <a:defRPr kumimoji="0" sz="1800" b="0" i="0" u="none" strike="noStrike" cap="none" spc="0" normalizeH="0" baseline="0">
             <a:ln>
               <a:noFill/>
             </a:ln>
@@ -21393,7 +21758,7 @@
           <a:buFontTx/>
           <a:buNone/>
           <a:tabLst/>
-          <a:defRPr b="0" baseline="0" cap="none" i="0" spc="0" strike="noStrike" sz="1800" u="none" kumimoji="0" normalizeH="0">
+          <a:defRPr kumimoji="0" sz="1800" b="0" i="0" u="none" strike="noStrike" cap="none" spc="0" normalizeH="0" baseline="0">
             <a:ln>
               <a:noFill/>
             </a:ln>
@@ -21419,7 +21784,7 @@
           <a:buFontTx/>
           <a:buNone/>
           <a:tabLst/>
-          <a:defRPr b="0" baseline="0" cap="none" i="0" spc="0" strike="noStrike" sz="1800" u="none" kumimoji="0" normalizeH="0">
+          <a:defRPr kumimoji="0" sz="1800" b="0" i="0" u="none" strike="noStrike" cap="none" spc="0" normalizeH="0" baseline="0">
             <a:ln>
               <a:noFill/>
             </a:ln>
@@ -21445,7 +21810,7 @@
           <a:buFontTx/>
           <a:buNone/>
           <a:tabLst/>
-          <a:defRPr b="0" baseline="0" cap="none" i="0" spc="0" strike="noStrike" sz="1800" u="none" kumimoji="0" normalizeH="0">
+          <a:defRPr kumimoji="0" sz="1800" b="0" i="0" u="none" strike="noStrike" cap="none" spc="0" normalizeH="0" baseline="0">
             <a:ln>
               <a:noFill/>
             </a:ln>
@@ -21471,7 +21836,7 @@
           <a:buFontTx/>
           <a:buNone/>
           <a:tabLst/>
-          <a:defRPr b="0" baseline="0" cap="none" i="0" spc="0" strike="noStrike" sz="1800" u="none" kumimoji="0" normalizeH="0">
+          <a:defRPr kumimoji="0" sz="1800" b="0" i="0" u="none" strike="noStrike" cap="none" spc="0" normalizeH="0" baseline="0">
             <a:ln>
               <a:noFill/>
             </a:ln>
@@ -21497,7 +21862,7 @@
           <a:buFontTx/>
           <a:buNone/>
           <a:tabLst/>
-          <a:defRPr b="0" baseline="0" cap="none" i="0" spc="0" strike="noStrike" sz="1800" u="none" kumimoji="0" normalizeH="0">
+          <a:defRPr kumimoji="0" sz="1800" b="0" i="0" u="none" strike="noStrike" cap="none" spc="0" normalizeH="0" baseline="0">
             <a:ln>
               <a:noFill/>
             </a:ln>
@@ -21523,7 +21888,7 @@
           <a:buFontTx/>
           <a:buNone/>
           <a:tabLst/>
-          <a:defRPr b="0" baseline="0" cap="none" i="0" spc="0" strike="noStrike" sz="1800" u="none" kumimoji="0" normalizeH="0">
+          <a:defRPr kumimoji="0" sz="1800" b="0" i="0" u="none" strike="noStrike" cap="none" spc="0" normalizeH="0" baseline="0">
             <a:ln>
               <a:noFill/>
             </a:ln>
@@ -21549,7 +21914,7 @@
           <a:buFontTx/>
           <a:buNone/>
           <a:tabLst/>
-          <a:defRPr b="0" baseline="0" cap="none" i="0" spc="0" strike="noStrike" sz="1800" u="none" kumimoji="0" normalizeH="0">
+          <a:defRPr kumimoji="0" sz="1800" b="0" i="0" u="none" strike="noStrike" cap="none" spc="0" normalizeH="0" baseline="0">
             <a:ln>
               <a:noFill/>
             </a:ln>
@@ -21575,7 +21940,7 @@
           <a:buFontTx/>
           <a:buNone/>
           <a:tabLst/>
-          <a:defRPr b="0" baseline="0" cap="none" i="0" spc="0" strike="noStrike" sz="1800" u="none" kumimoji="0" normalizeH="0">
+          <a:defRPr kumimoji="0" sz="1800" b="0" i="0" u="none" strike="noStrike" cap="none" spc="0" normalizeH="0" baseline="0">
             <a:ln>
               <a:noFill/>
             </a:ln>
@@ -21588,12 +21953,19 @@
         </a:lvl9pPr>
       </a:lstStyle>
       <a:style>
-        <a:lnRef idx="0"/>
-        <a:fillRef idx="0"/>
-        <a:effectRef idx="0"/>
+        <a:lnRef idx="0">
+          <a:scrgbClr r="0" g="0" b="0"/>
+        </a:lnRef>
+        <a:fillRef idx="0">
+          <a:scrgbClr r="0" g="0" b="0"/>
+        </a:fillRef>
+        <a:effectRef idx="0">
+          <a:scrgbClr r="0" g="0" b="0"/>
+        </a:effectRef>
         <a:fontRef idx="none"/>
       </a:style>
     </a:txDef>
   </a:objectDefaults>
+  <a:extraClrSchemeLst/>
 </a:theme>
 </file>